--- a/READMEfigs/READMEfigs.pptx
+++ b/READMEfigs/READMEfigs.pptx
@@ -105,6 +105,11 @@
       </a:defRPr>
     </a:lvl9pPr>
   </p:defaultTextStyle>
+  <p:extLst>
+    <p:ext uri="{EFAFB233-063F-42B5-8137-9DF3F51BA10A}">
+      <p15:sldGuideLst xmlns:p15="http://schemas.microsoft.com/office/powerpoint/2012/main"/>
+    </p:ext>
+  </p:extLst>
 </p:presentation>
 </file>
 
@@ -239,7 +244,7 @@
           <a:p>
             <a:fld id="{11D67388-0790-496E-9A12-37055489AF4F}" type="datetimeFigureOut">
               <a:rPr lang="en-US" smtClean="0"/>
-              <a:t>10/10/2018</a:t>
+              <a:t>10/11/2018</a:t>
             </a:fld>
             <a:endParaRPr lang="en-US"/>
           </a:p>
@@ -409,7 +414,7 @@
           <a:p>
             <a:fld id="{11D67388-0790-496E-9A12-37055489AF4F}" type="datetimeFigureOut">
               <a:rPr lang="en-US" smtClean="0"/>
-              <a:t>10/10/2018</a:t>
+              <a:t>10/11/2018</a:t>
             </a:fld>
             <a:endParaRPr lang="en-US"/>
           </a:p>
@@ -589,7 +594,7 @@
           <a:p>
             <a:fld id="{11D67388-0790-496E-9A12-37055489AF4F}" type="datetimeFigureOut">
               <a:rPr lang="en-US" smtClean="0"/>
-              <a:t>10/10/2018</a:t>
+              <a:t>10/11/2018</a:t>
             </a:fld>
             <a:endParaRPr lang="en-US"/>
           </a:p>
@@ -759,7 +764,7 @@
           <a:p>
             <a:fld id="{11D67388-0790-496E-9A12-37055489AF4F}" type="datetimeFigureOut">
               <a:rPr lang="en-US" smtClean="0"/>
-              <a:t>10/10/2018</a:t>
+              <a:t>10/11/2018</a:t>
             </a:fld>
             <a:endParaRPr lang="en-US"/>
           </a:p>
@@ -1005,7 +1010,7 @@
           <a:p>
             <a:fld id="{11D67388-0790-496E-9A12-37055489AF4F}" type="datetimeFigureOut">
               <a:rPr lang="en-US" smtClean="0"/>
-              <a:t>10/10/2018</a:t>
+              <a:t>10/11/2018</a:t>
             </a:fld>
             <a:endParaRPr lang="en-US"/>
           </a:p>
@@ -1237,7 +1242,7 @@
           <a:p>
             <a:fld id="{11D67388-0790-496E-9A12-37055489AF4F}" type="datetimeFigureOut">
               <a:rPr lang="en-US" smtClean="0"/>
-              <a:t>10/10/2018</a:t>
+              <a:t>10/11/2018</a:t>
             </a:fld>
             <a:endParaRPr lang="en-US"/>
           </a:p>
@@ -1604,7 +1609,7 @@
           <a:p>
             <a:fld id="{11D67388-0790-496E-9A12-37055489AF4F}" type="datetimeFigureOut">
               <a:rPr lang="en-US" smtClean="0"/>
-              <a:t>10/10/2018</a:t>
+              <a:t>10/11/2018</a:t>
             </a:fld>
             <a:endParaRPr lang="en-US"/>
           </a:p>
@@ -1722,7 +1727,7 @@
           <a:p>
             <a:fld id="{11D67388-0790-496E-9A12-37055489AF4F}" type="datetimeFigureOut">
               <a:rPr lang="en-US" smtClean="0"/>
-              <a:t>10/10/2018</a:t>
+              <a:t>10/11/2018</a:t>
             </a:fld>
             <a:endParaRPr lang="en-US"/>
           </a:p>
@@ -1817,7 +1822,7 @@
           <a:p>
             <a:fld id="{11D67388-0790-496E-9A12-37055489AF4F}" type="datetimeFigureOut">
               <a:rPr lang="en-US" smtClean="0"/>
-              <a:t>10/10/2018</a:t>
+              <a:t>10/11/2018</a:t>
             </a:fld>
             <a:endParaRPr lang="en-US"/>
           </a:p>
@@ -2094,7 +2099,7 @@
           <a:p>
             <a:fld id="{11D67388-0790-496E-9A12-37055489AF4F}" type="datetimeFigureOut">
               <a:rPr lang="en-US" smtClean="0"/>
-              <a:t>10/10/2018</a:t>
+              <a:t>10/11/2018</a:t>
             </a:fld>
             <a:endParaRPr lang="en-US"/>
           </a:p>
@@ -2347,7 +2352,7 @@
           <a:p>
             <a:fld id="{11D67388-0790-496E-9A12-37055489AF4F}" type="datetimeFigureOut">
               <a:rPr lang="en-US" smtClean="0"/>
-              <a:t>10/10/2018</a:t>
+              <a:t>10/11/2018</a:t>
             </a:fld>
             <a:endParaRPr lang="en-US"/>
           </a:p>
@@ -2560,7 +2565,7 @@
           <a:p>
             <a:fld id="{11D67388-0790-496E-9A12-37055489AF4F}" type="datetimeFigureOut">
               <a:rPr lang="en-US" smtClean="0"/>
-              <a:t>10/10/2018</a:t>
+              <a:t>10/11/2018</a:t>
             </a:fld>
             <a:endParaRPr lang="en-US"/>
           </a:p>
@@ -2965,44 +2970,6 @@
           <a:chExt cx="0" cy="0"/>
         </a:xfrm>
       </p:grpSpPr>
-      <p:sp>
-        <p:nvSpPr>
-          <p:cNvPr id="2" name="Title 1"/>
-          <p:cNvSpPr>
-            <a:spLocks noGrp="1"/>
-          </p:cNvSpPr>
-          <p:nvPr>
-            <p:ph type="ctrTitle"/>
-          </p:nvPr>
-        </p:nvSpPr>
-        <p:spPr/>
-        <p:txBody>
-          <a:bodyPr/>
-          <a:lstStyle/>
-          <a:p>
-            <a:endParaRPr lang="en-US"/>
-          </a:p>
-        </p:txBody>
-      </p:sp>
-      <p:sp>
-        <p:nvSpPr>
-          <p:cNvPr id="3" name="Subtitle 2"/>
-          <p:cNvSpPr>
-            <a:spLocks noGrp="1"/>
-          </p:cNvSpPr>
-          <p:nvPr>
-            <p:ph type="subTitle" idx="1"/>
-          </p:nvPr>
-        </p:nvSpPr>
-        <p:spPr/>
-        <p:txBody>
-          <a:bodyPr/>
-          <a:lstStyle/>
-          <a:p>
-            <a:endParaRPr lang="en-US"/>
-          </a:p>
-        </p:txBody>
-      </p:sp>
     </p:spTree>
     <p:extLst>
       <p:ext uri="{BB962C8B-B14F-4D97-AF65-F5344CB8AC3E}">

--- a/READMEfigs/READMEfigs.pptx
+++ b/READMEfigs/READMEfigs.pptx
@@ -7,6 +7,8 @@
   <p:sldIdLst>
     <p:sldId id="256" r:id="rId2"/>
     <p:sldId id="257" r:id="rId3"/>
+    <p:sldId id="259" r:id="rId4"/>
+    <p:sldId id="258" r:id="rId5"/>
   </p:sldIdLst>
   <p:sldSz cx="12192000" cy="6858000"/>
   <p:notesSz cx="6858000" cy="9144000"/>
@@ -244,7 +246,7 @@
           <a:p>
             <a:fld id="{11D67388-0790-496E-9A12-37055489AF4F}" type="datetimeFigureOut">
               <a:rPr lang="en-US" smtClean="0"/>
-              <a:t>10/11/2018</a:t>
+              <a:t>11/1/2018</a:t>
             </a:fld>
             <a:endParaRPr lang="en-US"/>
           </a:p>
@@ -414,7 +416,7 @@
           <a:p>
             <a:fld id="{11D67388-0790-496E-9A12-37055489AF4F}" type="datetimeFigureOut">
               <a:rPr lang="en-US" smtClean="0"/>
-              <a:t>10/11/2018</a:t>
+              <a:t>11/1/2018</a:t>
             </a:fld>
             <a:endParaRPr lang="en-US"/>
           </a:p>
@@ -594,7 +596,7 @@
           <a:p>
             <a:fld id="{11D67388-0790-496E-9A12-37055489AF4F}" type="datetimeFigureOut">
               <a:rPr lang="en-US" smtClean="0"/>
-              <a:t>10/11/2018</a:t>
+              <a:t>11/1/2018</a:t>
             </a:fld>
             <a:endParaRPr lang="en-US"/>
           </a:p>
@@ -764,7 +766,7 @@
           <a:p>
             <a:fld id="{11D67388-0790-496E-9A12-37055489AF4F}" type="datetimeFigureOut">
               <a:rPr lang="en-US" smtClean="0"/>
-              <a:t>10/11/2018</a:t>
+              <a:t>11/1/2018</a:t>
             </a:fld>
             <a:endParaRPr lang="en-US"/>
           </a:p>
@@ -1010,7 +1012,7 @@
           <a:p>
             <a:fld id="{11D67388-0790-496E-9A12-37055489AF4F}" type="datetimeFigureOut">
               <a:rPr lang="en-US" smtClean="0"/>
-              <a:t>10/11/2018</a:t>
+              <a:t>11/1/2018</a:t>
             </a:fld>
             <a:endParaRPr lang="en-US"/>
           </a:p>
@@ -1242,7 +1244,7 @@
           <a:p>
             <a:fld id="{11D67388-0790-496E-9A12-37055489AF4F}" type="datetimeFigureOut">
               <a:rPr lang="en-US" smtClean="0"/>
-              <a:t>10/11/2018</a:t>
+              <a:t>11/1/2018</a:t>
             </a:fld>
             <a:endParaRPr lang="en-US"/>
           </a:p>
@@ -1609,7 +1611,7 @@
           <a:p>
             <a:fld id="{11D67388-0790-496E-9A12-37055489AF4F}" type="datetimeFigureOut">
               <a:rPr lang="en-US" smtClean="0"/>
-              <a:t>10/11/2018</a:t>
+              <a:t>11/1/2018</a:t>
             </a:fld>
             <a:endParaRPr lang="en-US"/>
           </a:p>
@@ -1727,7 +1729,7 @@
           <a:p>
             <a:fld id="{11D67388-0790-496E-9A12-37055489AF4F}" type="datetimeFigureOut">
               <a:rPr lang="en-US" smtClean="0"/>
-              <a:t>10/11/2018</a:t>
+              <a:t>11/1/2018</a:t>
             </a:fld>
             <a:endParaRPr lang="en-US"/>
           </a:p>
@@ -1822,7 +1824,7 @@
           <a:p>
             <a:fld id="{11D67388-0790-496E-9A12-37055489AF4F}" type="datetimeFigureOut">
               <a:rPr lang="en-US" smtClean="0"/>
-              <a:t>10/11/2018</a:t>
+              <a:t>11/1/2018</a:t>
             </a:fld>
             <a:endParaRPr lang="en-US"/>
           </a:p>
@@ -2099,7 +2101,7 @@
           <a:p>
             <a:fld id="{11D67388-0790-496E-9A12-37055489AF4F}" type="datetimeFigureOut">
               <a:rPr lang="en-US" smtClean="0"/>
-              <a:t>10/11/2018</a:t>
+              <a:t>11/1/2018</a:t>
             </a:fld>
             <a:endParaRPr lang="en-US"/>
           </a:p>
@@ -2352,7 +2354,7 @@
           <a:p>
             <a:fld id="{11D67388-0790-496E-9A12-37055489AF4F}" type="datetimeFigureOut">
               <a:rPr lang="en-US" smtClean="0"/>
-              <a:t>10/11/2018</a:t>
+              <a:t>11/1/2018</a:t>
             </a:fld>
             <a:endParaRPr lang="en-US"/>
           </a:p>
@@ -2565,7 +2567,7 @@
           <a:p>
             <a:fld id="{11D67388-0790-496E-9A12-37055489AF4F}" type="datetimeFigureOut">
               <a:rPr lang="en-US" smtClean="0"/>
-              <a:t>10/11/2018</a:t>
+              <a:t>11/1/2018</a:t>
             </a:fld>
             <a:endParaRPr lang="en-US"/>
           </a:p>
@@ -3043,6 +3045,2843 @@
 </p:sld>
 </file>
 
+<file path=ppt/slides/slide3.xml><?xml version="1.0" encoding="utf-8"?>
+<p:sld xmlns:a="http://schemas.openxmlformats.org/drawingml/2006/main" xmlns:r="http://schemas.openxmlformats.org/officeDocument/2006/relationships" xmlns:p="http://schemas.openxmlformats.org/presentationml/2006/main">
+  <p:cSld>
+    <p:spTree>
+      <p:nvGrpSpPr>
+        <p:cNvPr id="1" name=""/>
+        <p:cNvGrpSpPr/>
+        <p:nvPr/>
+      </p:nvGrpSpPr>
+      <p:grpSpPr>
+        <a:xfrm>
+          <a:off x="0" y="0"/>
+          <a:ext cx="0" cy="0"/>
+          <a:chOff x="0" y="0"/>
+          <a:chExt cx="0" cy="0"/>
+        </a:xfrm>
+      </p:grpSpPr>
+      <p:sp>
+        <p:nvSpPr>
+          <p:cNvPr id="4" name="Rounded Rectangle 3"/>
+          <p:cNvSpPr/>
+          <p:nvPr/>
+        </p:nvSpPr>
+        <p:spPr>
+          <a:xfrm>
+            <a:off x="2962657" y="2131834"/>
+            <a:ext cx="1536192" cy="675206"/>
+          </a:xfrm>
+          <a:prstGeom prst="roundRect">
+            <a:avLst/>
+          </a:prstGeom>
+          <a:solidFill>
+            <a:schemeClr val="accent4">
+              <a:lumMod val="20000"/>
+              <a:lumOff val="80000"/>
+            </a:schemeClr>
+          </a:solidFill>
+        </p:spPr>
+        <p:style>
+          <a:lnRef idx="2">
+            <a:schemeClr val="accent1">
+              <a:shade val="50000"/>
+            </a:schemeClr>
+          </a:lnRef>
+          <a:fillRef idx="1">
+            <a:schemeClr val="accent1"/>
+          </a:fillRef>
+          <a:effectRef idx="0">
+            <a:schemeClr val="accent1"/>
+          </a:effectRef>
+          <a:fontRef idx="minor">
+            <a:schemeClr val="lt1"/>
+          </a:fontRef>
+        </p:style>
+        <p:txBody>
+          <a:bodyPr rtlCol="0" anchor="ctr"/>
+          <a:lstStyle/>
+          <a:p>
+            <a:pPr algn="ctr"/>
+            <a:r>
+              <a:rPr lang="en-US" dirty="0" smtClean="0">
+                <a:solidFill>
+                  <a:schemeClr val="tx1"/>
+                </a:solidFill>
+              </a:rPr>
+              <a:t>SRN</a:t>
+            </a:r>
+          </a:p>
+          <a:p>
+            <a:pPr algn="ctr"/>
+            <a:r>
+              <a:rPr lang="en-US" dirty="0" smtClean="0">
+                <a:solidFill>
+                  <a:schemeClr val="tx1"/>
+                </a:solidFill>
+              </a:rPr>
+              <a:t>Phase 1</a:t>
+            </a:r>
+            <a:endParaRPr lang="en-US" dirty="0">
+              <a:solidFill>
+                <a:schemeClr val="tx1"/>
+              </a:solidFill>
+            </a:endParaRPr>
+          </a:p>
+        </p:txBody>
+      </p:sp>
+      <p:sp>
+        <p:nvSpPr>
+          <p:cNvPr id="5" name="Rounded Rectangle 4"/>
+          <p:cNvSpPr/>
+          <p:nvPr/>
+        </p:nvSpPr>
+        <p:spPr>
+          <a:xfrm>
+            <a:off x="7266433" y="2131834"/>
+            <a:ext cx="1536192" cy="675206"/>
+          </a:xfrm>
+          <a:prstGeom prst="roundRect">
+            <a:avLst/>
+          </a:prstGeom>
+          <a:solidFill>
+            <a:schemeClr val="accent2">
+              <a:lumMod val="40000"/>
+              <a:lumOff val="60000"/>
+            </a:schemeClr>
+          </a:solidFill>
+        </p:spPr>
+        <p:style>
+          <a:lnRef idx="2">
+            <a:schemeClr val="accent1">
+              <a:shade val="50000"/>
+            </a:schemeClr>
+          </a:lnRef>
+          <a:fillRef idx="1">
+            <a:schemeClr val="accent1"/>
+          </a:fillRef>
+          <a:effectRef idx="0">
+            <a:schemeClr val="accent1"/>
+          </a:effectRef>
+          <a:fontRef idx="minor">
+            <a:schemeClr val="lt1"/>
+          </a:fontRef>
+        </p:style>
+        <p:txBody>
+          <a:bodyPr rtlCol="0" anchor="ctr"/>
+          <a:lstStyle/>
+          <a:p>
+            <a:pPr algn="ctr"/>
+            <a:r>
+              <a:rPr lang="en-US" dirty="0" smtClean="0">
+                <a:solidFill>
+                  <a:schemeClr val="tx1"/>
+                </a:solidFill>
+              </a:rPr>
+              <a:t>SRN</a:t>
+            </a:r>
+          </a:p>
+          <a:p>
+            <a:pPr algn="ctr"/>
+            <a:r>
+              <a:rPr lang="en-US" dirty="0" smtClean="0">
+                <a:solidFill>
+                  <a:schemeClr val="tx1"/>
+                </a:solidFill>
+              </a:rPr>
+              <a:t>Phase 2</a:t>
+            </a:r>
+            <a:endParaRPr lang="en-US" dirty="0">
+              <a:solidFill>
+                <a:schemeClr val="tx1"/>
+              </a:solidFill>
+            </a:endParaRPr>
+          </a:p>
+        </p:txBody>
+      </p:sp>
+      <p:sp>
+        <p:nvSpPr>
+          <p:cNvPr id="6" name="Rounded Rectangle 5"/>
+          <p:cNvSpPr/>
+          <p:nvPr/>
+        </p:nvSpPr>
+        <p:spPr>
+          <a:xfrm>
+            <a:off x="2876325" y="3034750"/>
+            <a:ext cx="1708855" cy="1061649"/>
+          </a:xfrm>
+          <a:prstGeom prst="roundRect">
+            <a:avLst/>
+          </a:prstGeom>
+          <a:noFill/>
+          <a:ln>
+            <a:noFill/>
+          </a:ln>
+        </p:spPr>
+        <p:style>
+          <a:lnRef idx="2">
+            <a:schemeClr val="accent1">
+              <a:shade val="50000"/>
+            </a:schemeClr>
+          </a:lnRef>
+          <a:fillRef idx="1">
+            <a:schemeClr val="accent1"/>
+          </a:fillRef>
+          <a:effectRef idx="0">
+            <a:schemeClr val="accent1"/>
+          </a:effectRef>
+          <a:fontRef idx="minor">
+            <a:schemeClr val="lt1"/>
+          </a:fontRef>
+        </p:style>
+        <p:txBody>
+          <a:bodyPr rtlCol="0" anchor="ctr"/>
+          <a:lstStyle/>
+          <a:p>
+            <a:pPr algn="ctr"/>
+            <a:r>
+              <a:rPr lang="en-US" dirty="0" smtClean="0">
+                <a:solidFill>
+                  <a:schemeClr val="tx1"/>
+                </a:solidFill>
+              </a:rPr>
+              <a:t>WEL accounting by sub-region</a:t>
+            </a:r>
+            <a:endParaRPr lang="en-US" dirty="0">
+              <a:solidFill>
+                <a:schemeClr val="tx1"/>
+              </a:solidFill>
+            </a:endParaRPr>
+          </a:p>
+        </p:txBody>
+      </p:sp>
+      <p:sp>
+        <p:nvSpPr>
+          <p:cNvPr id="7" name="Rounded Rectangle 6"/>
+          <p:cNvSpPr/>
+          <p:nvPr/>
+        </p:nvSpPr>
+        <p:spPr>
+          <a:xfrm>
+            <a:off x="7180101" y="3025718"/>
+            <a:ext cx="1708855" cy="1061649"/>
+          </a:xfrm>
+          <a:prstGeom prst="roundRect">
+            <a:avLst/>
+          </a:prstGeom>
+          <a:noFill/>
+          <a:ln>
+            <a:noFill/>
+          </a:ln>
+        </p:spPr>
+        <p:style>
+          <a:lnRef idx="2">
+            <a:schemeClr val="accent1">
+              <a:shade val="50000"/>
+            </a:schemeClr>
+          </a:lnRef>
+          <a:fillRef idx="1">
+            <a:schemeClr val="accent1"/>
+          </a:fillRef>
+          <a:effectRef idx="0">
+            <a:schemeClr val="accent1"/>
+          </a:effectRef>
+          <a:fontRef idx="minor">
+            <a:schemeClr val="lt1"/>
+          </a:fontRef>
+        </p:style>
+        <p:txBody>
+          <a:bodyPr rtlCol="0" anchor="ctr"/>
+          <a:lstStyle/>
+          <a:p>
+            <a:pPr algn="ctr"/>
+            <a:r>
+              <a:rPr lang="en-US" dirty="0" smtClean="0">
+                <a:solidFill>
+                  <a:schemeClr val="tx1"/>
+                </a:solidFill>
+              </a:rPr>
+              <a:t>WEL </a:t>
+            </a:r>
+          </a:p>
+          <a:p>
+            <a:pPr algn="ctr"/>
+            <a:r>
+              <a:rPr lang="en-US" dirty="0" smtClean="0">
+                <a:solidFill>
+                  <a:schemeClr val="tx1"/>
+                </a:solidFill>
+              </a:rPr>
+              <a:t>inter-sectoral dynamics</a:t>
+            </a:r>
+            <a:endParaRPr lang="en-US" dirty="0">
+              <a:solidFill>
+                <a:schemeClr val="tx1"/>
+              </a:solidFill>
+            </a:endParaRPr>
+          </a:p>
+        </p:txBody>
+      </p:sp>
+    </p:spTree>
+    <p:extLst>
+      <p:ext uri="{BB962C8B-B14F-4D97-AF65-F5344CB8AC3E}">
+        <p14:creationId xmlns:p14="http://schemas.microsoft.com/office/powerpoint/2010/main" val="3072357493"/>
+      </p:ext>
+    </p:extLst>
+  </p:cSld>
+  <p:clrMapOvr>
+    <a:masterClrMapping/>
+  </p:clrMapOvr>
+</p:sld>
+</file>
+
+<file path=ppt/slides/slide4.xml><?xml version="1.0" encoding="utf-8"?>
+<p:sld xmlns:a="http://schemas.openxmlformats.org/drawingml/2006/main" xmlns:r="http://schemas.openxmlformats.org/officeDocument/2006/relationships" xmlns:p="http://schemas.openxmlformats.org/presentationml/2006/main">
+  <p:cSld>
+    <p:spTree>
+      <p:nvGrpSpPr>
+        <p:cNvPr id="1" name=""/>
+        <p:cNvGrpSpPr/>
+        <p:nvPr/>
+      </p:nvGrpSpPr>
+      <p:grpSpPr>
+        <a:xfrm>
+          <a:off x="0" y="0"/>
+          <a:ext cx="0" cy="0"/>
+          <a:chOff x="0" y="0"/>
+          <a:chExt cx="0" cy="0"/>
+        </a:xfrm>
+      </p:grpSpPr>
+      <p:sp>
+        <p:nvSpPr>
+          <p:cNvPr id="4" name="Rounded Rectangle 3"/>
+          <p:cNvSpPr/>
+          <p:nvPr/>
+        </p:nvSpPr>
+        <p:spPr>
+          <a:xfrm>
+            <a:off x="4392013" y="1305229"/>
+            <a:ext cx="1691097" cy="304527"/>
+          </a:xfrm>
+          <a:prstGeom prst="roundRect">
+            <a:avLst/>
+          </a:prstGeom>
+          <a:solidFill>
+            <a:schemeClr val="accent4">
+              <a:lumMod val="20000"/>
+              <a:lumOff val="80000"/>
+            </a:schemeClr>
+          </a:solidFill>
+        </p:spPr>
+        <p:style>
+          <a:lnRef idx="2">
+            <a:schemeClr val="accent1">
+              <a:shade val="50000"/>
+            </a:schemeClr>
+          </a:lnRef>
+          <a:fillRef idx="1">
+            <a:schemeClr val="accent1"/>
+          </a:fillRef>
+          <a:effectRef idx="0">
+            <a:schemeClr val="accent1"/>
+          </a:effectRef>
+          <a:fontRef idx="minor">
+            <a:schemeClr val="lt1"/>
+          </a:fontRef>
+        </p:style>
+        <p:txBody>
+          <a:bodyPr rtlCol="0" anchor="ctr"/>
+          <a:lstStyle/>
+          <a:p>
+            <a:pPr algn="ctr"/>
+            <a:r>
+              <a:rPr lang="en-US" dirty="0" err="1" smtClean="0">
+                <a:solidFill>
+                  <a:schemeClr val="tx1"/>
+                </a:solidFill>
+              </a:rPr>
+              <a:t>srn.readgcam.R</a:t>
+            </a:r>
+            <a:endParaRPr lang="en-US" dirty="0">
+              <a:solidFill>
+                <a:schemeClr val="tx1"/>
+              </a:solidFill>
+            </a:endParaRPr>
+          </a:p>
+        </p:txBody>
+      </p:sp>
+      <p:sp>
+        <p:nvSpPr>
+          <p:cNvPr id="5" name="Rounded Rectangle 4"/>
+          <p:cNvSpPr/>
+          <p:nvPr/>
+        </p:nvSpPr>
+        <p:spPr>
+          <a:xfrm>
+            <a:off x="4392013" y="2444830"/>
+            <a:ext cx="1691097" cy="304527"/>
+          </a:xfrm>
+          <a:prstGeom prst="roundRect">
+            <a:avLst/>
+          </a:prstGeom>
+          <a:solidFill>
+            <a:schemeClr val="accent4">
+              <a:lumMod val="20000"/>
+              <a:lumOff val="80000"/>
+            </a:schemeClr>
+          </a:solidFill>
+        </p:spPr>
+        <p:style>
+          <a:lnRef idx="2">
+            <a:schemeClr val="accent1">
+              <a:shade val="50000"/>
+            </a:schemeClr>
+          </a:lnRef>
+          <a:fillRef idx="1">
+            <a:schemeClr val="accent1"/>
+          </a:fillRef>
+          <a:effectRef idx="0">
+            <a:schemeClr val="accent1"/>
+          </a:effectRef>
+          <a:fontRef idx="minor">
+            <a:schemeClr val="lt1"/>
+          </a:fontRef>
+        </p:style>
+        <p:txBody>
+          <a:bodyPr rtlCol="0" anchor="ctr"/>
+          <a:lstStyle/>
+          <a:p>
+            <a:pPr algn="ctr"/>
+            <a:r>
+              <a:rPr lang="en-US" dirty="0" err="1" smtClean="0">
+                <a:solidFill>
+                  <a:schemeClr val="tx1"/>
+                </a:solidFill>
+              </a:rPr>
+              <a:t>srn.chart.R</a:t>
+            </a:r>
+            <a:endParaRPr lang="en-US" dirty="0">
+              <a:solidFill>
+                <a:schemeClr val="tx1"/>
+              </a:solidFill>
+            </a:endParaRPr>
+          </a:p>
+        </p:txBody>
+      </p:sp>
+      <p:sp>
+        <p:nvSpPr>
+          <p:cNvPr id="6" name="Rounded Rectangle 5"/>
+          <p:cNvSpPr/>
+          <p:nvPr/>
+        </p:nvSpPr>
+        <p:spPr>
+          <a:xfrm>
+            <a:off x="4392013" y="3953743"/>
+            <a:ext cx="1691097" cy="304527"/>
+          </a:xfrm>
+          <a:prstGeom prst="roundRect">
+            <a:avLst/>
+          </a:prstGeom>
+          <a:solidFill>
+            <a:schemeClr val="accent4">
+              <a:lumMod val="20000"/>
+              <a:lumOff val="80000"/>
+            </a:schemeClr>
+          </a:solidFill>
+        </p:spPr>
+        <p:style>
+          <a:lnRef idx="2">
+            <a:schemeClr val="accent1">
+              <a:shade val="50000"/>
+            </a:schemeClr>
+          </a:lnRef>
+          <a:fillRef idx="1">
+            <a:schemeClr val="accent1"/>
+          </a:fillRef>
+          <a:effectRef idx="0">
+            <a:schemeClr val="accent1"/>
+          </a:effectRef>
+          <a:fontRef idx="minor">
+            <a:schemeClr val="lt1"/>
+          </a:fontRef>
+        </p:style>
+        <p:txBody>
+          <a:bodyPr rtlCol="0" anchor="ctr"/>
+          <a:lstStyle/>
+          <a:p>
+            <a:pPr algn="ctr"/>
+            <a:r>
+              <a:rPr lang="en-US" dirty="0" smtClean="0">
+                <a:solidFill>
+                  <a:schemeClr val="tx1"/>
+                </a:solidFill>
+              </a:rPr>
+              <a:t>srn.grid2poly.R</a:t>
+            </a:r>
+            <a:endParaRPr lang="en-US" dirty="0">
+              <a:solidFill>
+                <a:schemeClr val="tx1"/>
+              </a:solidFill>
+            </a:endParaRPr>
+          </a:p>
+        </p:txBody>
+      </p:sp>
+      <p:sp>
+        <p:nvSpPr>
+          <p:cNvPr id="7" name="Rounded Rectangle 6"/>
+          <p:cNvSpPr/>
+          <p:nvPr/>
+        </p:nvSpPr>
+        <p:spPr>
+          <a:xfrm>
+            <a:off x="4393424" y="5874025"/>
+            <a:ext cx="1691097" cy="304527"/>
+          </a:xfrm>
+          <a:prstGeom prst="roundRect">
+            <a:avLst/>
+          </a:prstGeom>
+          <a:solidFill>
+            <a:schemeClr val="accent4">
+              <a:lumMod val="20000"/>
+              <a:lumOff val="80000"/>
+            </a:schemeClr>
+          </a:solidFill>
+        </p:spPr>
+        <p:style>
+          <a:lnRef idx="2">
+            <a:schemeClr val="accent1">
+              <a:shade val="50000"/>
+            </a:schemeClr>
+          </a:lnRef>
+          <a:fillRef idx="1">
+            <a:schemeClr val="accent1"/>
+          </a:fillRef>
+          <a:effectRef idx="0">
+            <a:schemeClr val="accent1"/>
+          </a:effectRef>
+          <a:fontRef idx="minor">
+            <a:schemeClr val="lt1"/>
+          </a:fontRef>
+        </p:style>
+        <p:txBody>
+          <a:bodyPr rtlCol="0" anchor="ctr"/>
+          <a:lstStyle/>
+          <a:p>
+            <a:pPr algn="ctr"/>
+            <a:r>
+              <a:rPr lang="en-US" dirty="0" err="1" smtClean="0">
+                <a:solidFill>
+                  <a:schemeClr val="tx1"/>
+                </a:solidFill>
+              </a:rPr>
+              <a:t>srn.maps.R</a:t>
+            </a:r>
+            <a:endParaRPr lang="en-US" dirty="0">
+              <a:solidFill>
+                <a:schemeClr val="tx1"/>
+              </a:solidFill>
+            </a:endParaRPr>
+          </a:p>
+        </p:txBody>
+      </p:sp>
+      <p:sp>
+        <p:nvSpPr>
+          <p:cNvPr id="10" name="Rounded Rectangle 9"/>
+          <p:cNvSpPr/>
+          <p:nvPr/>
+        </p:nvSpPr>
+        <p:spPr>
+          <a:xfrm>
+            <a:off x="4471417" y="175130"/>
+            <a:ext cx="1536192" cy="675206"/>
+          </a:xfrm>
+          <a:prstGeom prst="roundRect">
+            <a:avLst/>
+          </a:prstGeom>
+          <a:solidFill>
+            <a:schemeClr val="accent4">
+              <a:lumMod val="20000"/>
+              <a:lumOff val="80000"/>
+            </a:schemeClr>
+          </a:solidFill>
+        </p:spPr>
+        <p:style>
+          <a:lnRef idx="2">
+            <a:schemeClr val="accent1">
+              <a:shade val="50000"/>
+            </a:schemeClr>
+          </a:lnRef>
+          <a:fillRef idx="1">
+            <a:schemeClr val="accent1"/>
+          </a:fillRef>
+          <a:effectRef idx="0">
+            <a:schemeClr val="accent1"/>
+          </a:effectRef>
+          <a:fontRef idx="minor">
+            <a:schemeClr val="lt1"/>
+          </a:fontRef>
+        </p:style>
+        <p:txBody>
+          <a:bodyPr rtlCol="0" anchor="ctr"/>
+          <a:lstStyle/>
+          <a:p>
+            <a:pPr algn="ctr"/>
+            <a:r>
+              <a:rPr lang="en-US" dirty="0" smtClean="0">
+                <a:solidFill>
+                  <a:schemeClr val="tx1"/>
+                </a:solidFill>
+              </a:rPr>
+              <a:t>SRN</a:t>
+            </a:r>
+          </a:p>
+          <a:p>
+            <a:pPr algn="ctr"/>
+            <a:r>
+              <a:rPr lang="en-US" dirty="0" smtClean="0">
+                <a:solidFill>
+                  <a:schemeClr val="tx1"/>
+                </a:solidFill>
+              </a:rPr>
+              <a:t>Phase 1</a:t>
+            </a:r>
+            <a:endParaRPr lang="en-US" dirty="0">
+              <a:solidFill>
+                <a:schemeClr val="tx1"/>
+              </a:solidFill>
+            </a:endParaRPr>
+          </a:p>
+        </p:txBody>
+      </p:sp>
+      <p:sp>
+        <p:nvSpPr>
+          <p:cNvPr id="11" name="Rounded Rectangle 10"/>
+          <p:cNvSpPr/>
+          <p:nvPr/>
+        </p:nvSpPr>
+        <p:spPr>
+          <a:xfrm>
+            <a:off x="1427244" y="940887"/>
+            <a:ext cx="1708855" cy="304528"/>
+          </a:xfrm>
+          <a:prstGeom prst="roundRect">
+            <a:avLst/>
+          </a:prstGeom>
+          <a:solidFill>
+            <a:schemeClr val="accent6">
+              <a:lumMod val="20000"/>
+              <a:lumOff val="80000"/>
+            </a:schemeClr>
+          </a:solidFill>
+        </p:spPr>
+        <p:style>
+          <a:lnRef idx="2">
+            <a:schemeClr val="accent1">
+              <a:shade val="50000"/>
+            </a:schemeClr>
+          </a:lnRef>
+          <a:fillRef idx="1">
+            <a:schemeClr val="accent1"/>
+          </a:fillRef>
+          <a:effectRef idx="0">
+            <a:schemeClr val="accent1"/>
+          </a:effectRef>
+          <a:fontRef idx="minor">
+            <a:schemeClr val="lt1"/>
+          </a:fontRef>
+        </p:style>
+        <p:txBody>
+          <a:bodyPr rtlCol="0" anchor="ctr"/>
+          <a:lstStyle/>
+          <a:p>
+            <a:pPr algn="ctr"/>
+            <a:r>
+              <a:rPr lang="en-US" dirty="0" smtClean="0">
+                <a:solidFill>
+                  <a:schemeClr val="tx1"/>
+                </a:solidFill>
+              </a:rPr>
+              <a:t>GCAM database </a:t>
+            </a:r>
+            <a:endParaRPr lang="en-US" dirty="0">
+              <a:solidFill>
+                <a:schemeClr val="tx1"/>
+              </a:solidFill>
+            </a:endParaRPr>
+          </a:p>
+        </p:txBody>
+      </p:sp>
+      <p:grpSp>
+        <p:nvGrpSpPr>
+          <p:cNvPr id="39" name="Group 38"/>
+          <p:cNvGrpSpPr/>
+          <p:nvPr/>
+        </p:nvGrpSpPr>
+        <p:grpSpPr>
+          <a:xfrm>
+            <a:off x="6797010" y="2166022"/>
+            <a:ext cx="5110739" cy="1441563"/>
+            <a:chOff x="5980933" y="1955276"/>
+            <a:chExt cx="5110739" cy="1441563"/>
+          </a:xfrm>
+        </p:grpSpPr>
+        <p:grpSp>
+          <p:nvGrpSpPr>
+            <p:cNvPr id="27" name="Group 26"/>
+            <p:cNvGrpSpPr>
+              <a:grpSpLocks noChangeAspect="1"/>
+            </p:cNvGrpSpPr>
+            <p:nvPr/>
+          </p:nvGrpSpPr>
+          <p:grpSpPr>
+            <a:xfrm>
+              <a:off x="5980933" y="1955276"/>
+              <a:ext cx="5110739" cy="1441563"/>
+              <a:chOff x="5870448" y="348048"/>
+              <a:chExt cx="5110739" cy="1441563"/>
+            </a:xfrm>
+          </p:grpSpPr>
+          <p:sp>
+            <p:nvSpPr>
+              <p:cNvPr id="28" name="Rounded Rectangle 27"/>
+              <p:cNvSpPr/>
+              <p:nvPr/>
+            </p:nvSpPr>
+            <p:spPr>
+              <a:xfrm>
+                <a:off x="5870448" y="512763"/>
+                <a:ext cx="5110739" cy="1276848"/>
+              </a:xfrm>
+              <a:prstGeom prst="roundRect">
+                <a:avLst/>
+              </a:prstGeom>
+              <a:solidFill>
+                <a:schemeClr val="accent5">
+                  <a:lumMod val="20000"/>
+                  <a:lumOff val="80000"/>
+                </a:schemeClr>
+              </a:solidFill>
+            </p:spPr>
+            <p:style>
+              <a:lnRef idx="2">
+                <a:schemeClr val="accent1">
+                  <a:shade val="50000"/>
+                </a:schemeClr>
+              </a:lnRef>
+              <a:fillRef idx="1">
+                <a:schemeClr val="accent1"/>
+              </a:fillRef>
+              <a:effectRef idx="0">
+                <a:schemeClr val="accent1"/>
+              </a:effectRef>
+              <a:fontRef idx="minor">
+                <a:schemeClr val="lt1"/>
+              </a:fontRef>
+            </p:style>
+            <p:txBody>
+              <a:bodyPr rtlCol="0" anchor="ctr"/>
+              <a:lstStyle/>
+              <a:p>
+                <a:pPr algn="ctr"/>
+                <a:endParaRPr lang="en-US"/>
+              </a:p>
+            </p:txBody>
+          </p:sp>
+          <p:sp>
+            <p:nvSpPr>
+              <p:cNvPr id="29" name="Rounded Rectangle 28"/>
+              <p:cNvSpPr/>
+              <p:nvPr/>
+            </p:nvSpPr>
+            <p:spPr>
+              <a:xfrm>
+                <a:off x="8097448" y="348048"/>
+                <a:ext cx="802286" cy="518785"/>
+              </a:xfrm>
+              <a:prstGeom prst="roundRect">
+                <a:avLst/>
+              </a:prstGeom>
+              <a:noFill/>
+              <a:ln>
+                <a:noFill/>
+              </a:ln>
+            </p:spPr>
+            <p:style>
+              <a:lnRef idx="2">
+                <a:schemeClr val="accent1">
+                  <a:shade val="50000"/>
+                </a:schemeClr>
+              </a:lnRef>
+              <a:fillRef idx="1">
+                <a:schemeClr val="accent1"/>
+              </a:fillRef>
+              <a:effectRef idx="0">
+                <a:schemeClr val="accent1"/>
+              </a:effectRef>
+              <a:fontRef idx="minor">
+                <a:schemeClr val="lt1"/>
+              </a:fontRef>
+            </p:style>
+            <p:txBody>
+              <a:bodyPr rtlCol="0" anchor="ctr"/>
+              <a:lstStyle/>
+              <a:p>
+                <a:r>
+                  <a:rPr lang="en-US" sz="1600" u="sng" dirty="0" smtClean="0">
+                    <a:solidFill>
+                      <a:schemeClr val="tx1"/>
+                    </a:solidFill>
+                  </a:rPr>
+                  <a:t>Charts</a:t>
+                </a:r>
+                <a:endParaRPr lang="en-US" sz="1600" dirty="0">
+                  <a:solidFill>
+                    <a:schemeClr val="tx1"/>
+                  </a:solidFill>
+                </a:endParaRPr>
+              </a:p>
+            </p:txBody>
+          </p:sp>
+        </p:grpSp>
+        <p:pic>
+          <p:nvPicPr>
+            <p:cNvPr id="34" name="Picture 33"/>
+            <p:cNvPicPr>
+              <a:picLocks noChangeAspect="1"/>
+            </p:cNvPicPr>
+            <p:nvPr/>
+          </p:nvPicPr>
+          <p:blipFill>
+            <a:blip r:embed="rId2"/>
+            <a:stretch>
+              <a:fillRect/>
+            </a:stretch>
+          </p:blipFill>
+          <p:spPr>
+            <a:xfrm>
+              <a:off x="8898988" y="2379420"/>
+              <a:ext cx="2051833" cy="908648"/>
+            </a:xfrm>
+            <a:prstGeom prst="rect">
+              <a:avLst/>
+            </a:prstGeom>
+          </p:spPr>
+        </p:pic>
+        <p:pic>
+          <p:nvPicPr>
+            <p:cNvPr id="37" name="Picture 36"/>
+            <p:cNvPicPr>
+              <a:picLocks noChangeAspect="1"/>
+            </p:cNvPicPr>
+            <p:nvPr/>
+          </p:nvPicPr>
+          <p:blipFill>
+            <a:blip r:embed="rId3"/>
+            <a:stretch>
+              <a:fillRect/>
+            </a:stretch>
+          </p:blipFill>
+          <p:spPr>
+            <a:xfrm>
+              <a:off x="6136636" y="2380000"/>
+              <a:ext cx="1206898" cy="908069"/>
+            </a:xfrm>
+            <a:prstGeom prst="rect">
+              <a:avLst/>
+            </a:prstGeom>
+          </p:spPr>
+        </p:pic>
+        <p:pic>
+          <p:nvPicPr>
+            <p:cNvPr id="38" name="Picture 37"/>
+            <p:cNvPicPr>
+              <a:picLocks noChangeAspect="1"/>
+            </p:cNvPicPr>
+            <p:nvPr/>
+          </p:nvPicPr>
+          <p:blipFill>
+            <a:blip r:embed="rId4"/>
+            <a:stretch>
+              <a:fillRect/>
+            </a:stretch>
+          </p:blipFill>
+          <p:spPr>
+            <a:xfrm>
+              <a:off x="7508405" y="2379999"/>
+              <a:ext cx="1215416" cy="908069"/>
+            </a:xfrm>
+            <a:prstGeom prst="rect">
+              <a:avLst/>
+            </a:prstGeom>
+          </p:spPr>
+        </p:pic>
+      </p:grpSp>
+      <p:grpSp>
+        <p:nvGrpSpPr>
+          <p:cNvPr id="45" name="Group 44"/>
+          <p:cNvGrpSpPr/>
+          <p:nvPr/>
+        </p:nvGrpSpPr>
+        <p:grpSpPr>
+          <a:xfrm>
+            <a:off x="6692960" y="691115"/>
+            <a:ext cx="5232826" cy="1404084"/>
+            <a:chOff x="6025896" y="533680"/>
+            <a:chExt cx="5232826" cy="1404084"/>
+          </a:xfrm>
+        </p:grpSpPr>
+        <p:grpSp>
+          <p:nvGrpSpPr>
+            <p:cNvPr id="21" name="Group 20"/>
+            <p:cNvGrpSpPr>
+              <a:grpSpLocks noChangeAspect="1"/>
+            </p:cNvGrpSpPr>
+            <p:nvPr/>
+          </p:nvGrpSpPr>
+          <p:grpSpPr>
+            <a:xfrm>
+              <a:off x="6025896" y="533680"/>
+              <a:ext cx="5232826" cy="1404084"/>
+              <a:chOff x="6062472" y="385527"/>
+              <a:chExt cx="5232826" cy="1404084"/>
+            </a:xfrm>
+          </p:grpSpPr>
+          <p:sp>
+            <p:nvSpPr>
+              <p:cNvPr id="20" name="Rounded Rectangle 19"/>
+              <p:cNvSpPr/>
+              <p:nvPr/>
+            </p:nvSpPr>
+            <p:spPr>
+              <a:xfrm>
+                <a:off x="6062472" y="512763"/>
+                <a:ext cx="5232629" cy="1276848"/>
+              </a:xfrm>
+              <a:prstGeom prst="roundRect">
+                <a:avLst/>
+              </a:prstGeom>
+              <a:solidFill>
+                <a:schemeClr val="accent5">
+                  <a:lumMod val="20000"/>
+                  <a:lumOff val="80000"/>
+                </a:schemeClr>
+              </a:solidFill>
+            </p:spPr>
+            <p:style>
+              <a:lnRef idx="2">
+                <a:schemeClr val="accent1">
+                  <a:shade val="50000"/>
+                </a:schemeClr>
+              </a:lnRef>
+              <a:fillRef idx="1">
+                <a:schemeClr val="accent1"/>
+              </a:fillRef>
+              <a:effectRef idx="0">
+                <a:schemeClr val="accent1"/>
+              </a:effectRef>
+              <a:fontRef idx="minor">
+                <a:schemeClr val="lt1"/>
+              </a:fontRef>
+            </p:style>
+            <p:txBody>
+              <a:bodyPr rtlCol="0" anchor="ctr"/>
+              <a:lstStyle/>
+              <a:p>
+                <a:pPr algn="ctr"/>
+                <a:endParaRPr lang="en-US"/>
+              </a:p>
+            </p:txBody>
+          </p:sp>
+          <p:sp>
+            <p:nvSpPr>
+              <p:cNvPr id="14" name="Rounded Rectangle 13"/>
+              <p:cNvSpPr/>
+              <p:nvPr/>
+            </p:nvSpPr>
+            <p:spPr>
+              <a:xfrm>
+                <a:off x="7501074" y="385527"/>
+                <a:ext cx="1927996" cy="518785"/>
+              </a:xfrm>
+              <a:prstGeom prst="roundRect">
+                <a:avLst/>
+              </a:prstGeom>
+              <a:noFill/>
+              <a:ln>
+                <a:noFill/>
+              </a:ln>
+            </p:spPr>
+            <p:style>
+              <a:lnRef idx="2">
+                <a:schemeClr val="accent1">
+                  <a:shade val="50000"/>
+                </a:schemeClr>
+              </a:lnRef>
+              <a:fillRef idx="1">
+                <a:schemeClr val="accent1"/>
+              </a:fillRef>
+              <a:effectRef idx="0">
+                <a:schemeClr val="accent1"/>
+              </a:effectRef>
+              <a:fontRef idx="minor">
+                <a:schemeClr val="lt1"/>
+              </a:fontRef>
+            </p:style>
+            <p:txBody>
+              <a:bodyPr rtlCol="0" anchor="ctr"/>
+              <a:lstStyle/>
+              <a:p>
+                <a:r>
+                  <a:rPr lang="en-US" sz="1600" u="sng" dirty="0" smtClean="0">
+                    <a:solidFill>
+                      <a:schemeClr val="tx1"/>
+                    </a:solidFill>
+                  </a:rPr>
+                  <a:t>Standardized Tables</a:t>
+                </a:r>
+                <a:endParaRPr lang="en-US" sz="1600" dirty="0">
+                  <a:solidFill>
+                    <a:schemeClr val="tx1"/>
+                  </a:solidFill>
+                </a:endParaRPr>
+              </a:p>
+            </p:txBody>
+          </p:sp>
+          <p:sp>
+            <p:nvSpPr>
+              <p:cNvPr id="17" name="Rounded Rectangle 16"/>
+              <p:cNvSpPr/>
+              <p:nvPr/>
+            </p:nvSpPr>
+            <p:spPr>
+              <a:xfrm>
+                <a:off x="6440669" y="666937"/>
+                <a:ext cx="1927996" cy="518785"/>
+              </a:xfrm>
+              <a:prstGeom prst="roundRect">
+                <a:avLst/>
+              </a:prstGeom>
+              <a:noFill/>
+              <a:ln>
+                <a:noFill/>
+              </a:ln>
+            </p:spPr>
+            <p:style>
+              <a:lnRef idx="2">
+                <a:schemeClr val="accent1">
+                  <a:shade val="50000"/>
+                </a:schemeClr>
+              </a:lnRef>
+              <a:fillRef idx="1">
+                <a:schemeClr val="accent1"/>
+              </a:fillRef>
+              <a:effectRef idx="0">
+                <a:schemeClr val="accent1"/>
+              </a:effectRef>
+              <a:fontRef idx="minor">
+                <a:schemeClr val="lt1"/>
+              </a:fontRef>
+            </p:style>
+            <p:txBody>
+              <a:bodyPr rtlCol="0" anchor="ctr"/>
+              <a:lstStyle/>
+              <a:p>
+                <a:r>
+                  <a:rPr lang="en-US" sz="1600" dirty="0" smtClean="0">
+                    <a:solidFill>
+                      <a:schemeClr val="tx1"/>
+                    </a:solidFill>
+                  </a:rPr>
+                  <a:t>1. Default Values</a:t>
+                </a:r>
+                <a:endParaRPr lang="en-US" sz="1600" dirty="0">
+                  <a:solidFill>
+                    <a:schemeClr val="tx1"/>
+                  </a:solidFill>
+                </a:endParaRPr>
+              </a:p>
+            </p:txBody>
+          </p:sp>
+          <p:sp>
+            <p:nvSpPr>
+              <p:cNvPr id="19" name="Rounded Rectangle 18"/>
+              <p:cNvSpPr/>
+              <p:nvPr/>
+            </p:nvSpPr>
+            <p:spPr>
+              <a:xfrm>
+                <a:off x="8792713" y="654656"/>
+                <a:ext cx="2502585" cy="518785"/>
+              </a:xfrm>
+              <a:prstGeom prst="roundRect">
+                <a:avLst/>
+              </a:prstGeom>
+              <a:noFill/>
+              <a:ln>
+                <a:noFill/>
+              </a:ln>
+            </p:spPr>
+            <p:style>
+              <a:lnRef idx="2">
+                <a:schemeClr val="accent1">
+                  <a:shade val="50000"/>
+                </a:schemeClr>
+              </a:lnRef>
+              <a:fillRef idx="1">
+                <a:schemeClr val="accent1"/>
+              </a:fillRef>
+              <a:effectRef idx="0">
+                <a:schemeClr val="accent1"/>
+              </a:effectRef>
+              <a:fontRef idx="minor">
+                <a:schemeClr val="lt1"/>
+              </a:fontRef>
+            </p:style>
+            <p:txBody>
+              <a:bodyPr rtlCol="0" anchor="ctr"/>
+              <a:lstStyle/>
+              <a:p>
+                <a:r>
+                  <a:rPr lang="en-US" sz="1600" dirty="0" smtClean="0">
+                    <a:solidFill>
+                      <a:schemeClr val="tx1"/>
+                    </a:solidFill>
+                  </a:rPr>
+                  <a:t>2. Blank Template for users</a:t>
+                </a:r>
+                <a:endParaRPr lang="en-US" sz="1600" dirty="0">
+                  <a:solidFill>
+                    <a:schemeClr val="tx1"/>
+                  </a:solidFill>
+                </a:endParaRPr>
+              </a:p>
+            </p:txBody>
+          </p:sp>
+        </p:grpSp>
+        <p:pic>
+          <p:nvPicPr>
+            <p:cNvPr id="42" name="Picture 41"/>
+            <p:cNvPicPr>
+              <a:picLocks noChangeAspect="1"/>
+            </p:cNvPicPr>
+            <p:nvPr/>
+          </p:nvPicPr>
+          <p:blipFill>
+            <a:blip r:embed="rId5"/>
+            <a:stretch>
+              <a:fillRect/>
+            </a:stretch>
+          </p:blipFill>
+          <p:spPr>
+            <a:xfrm>
+              <a:off x="6118007" y="1202417"/>
+              <a:ext cx="2372326" cy="638524"/>
+            </a:xfrm>
+            <a:prstGeom prst="rect">
+              <a:avLst/>
+            </a:prstGeom>
+          </p:spPr>
+        </p:pic>
+        <p:pic>
+          <p:nvPicPr>
+            <p:cNvPr id="44" name="Picture 43"/>
+            <p:cNvPicPr>
+              <a:picLocks noChangeAspect="1"/>
+            </p:cNvPicPr>
+            <p:nvPr/>
+          </p:nvPicPr>
+          <p:blipFill>
+            <a:blip r:embed="rId5"/>
+            <a:stretch>
+              <a:fillRect/>
+            </a:stretch>
+          </p:blipFill>
+          <p:spPr>
+            <a:xfrm>
+              <a:off x="8821266" y="1196417"/>
+              <a:ext cx="2372326" cy="638524"/>
+            </a:xfrm>
+            <a:prstGeom prst="rect">
+              <a:avLst/>
+            </a:prstGeom>
+          </p:spPr>
+        </p:pic>
+      </p:grpSp>
+      <p:grpSp>
+        <p:nvGrpSpPr>
+          <p:cNvPr id="47" name="Group 46"/>
+          <p:cNvGrpSpPr/>
+          <p:nvPr/>
+        </p:nvGrpSpPr>
+        <p:grpSpPr>
+          <a:xfrm>
+            <a:off x="861716" y="1508265"/>
+            <a:ext cx="2693273" cy="1076986"/>
+            <a:chOff x="296232" y="1234871"/>
+            <a:chExt cx="2693273" cy="1076986"/>
+          </a:xfrm>
+        </p:grpSpPr>
+        <p:grpSp>
+          <p:nvGrpSpPr>
+            <p:cNvPr id="25" name="Group 24"/>
+            <p:cNvGrpSpPr>
+              <a:grpSpLocks noChangeAspect="1"/>
+            </p:cNvGrpSpPr>
+            <p:nvPr/>
+          </p:nvGrpSpPr>
+          <p:grpSpPr>
+            <a:xfrm>
+              <a:off x="296232" y="1234871"/>
+              <a:ext cx="2693273" cy="1076986"/>
+              <a:chOff x="122496" y="1483334"/>
+              <a:chExt cx="2693273" cy="1076986"/>
+            </a:xfrm>
+          </p:grpSpPr>
+          <p:sp>
+            <p:nvSpPr>
+              <p:cNvPr id="24" name="Rounded Rectangle 23"/>
+              <p:cNvSpPr/>
+              <p:nvPr/>
+            </p:nvSpPr>
+            <p:spPr>
+              <a:xfrm>
+                <a:off x="122496" y="1618488"/>
+                <a:ext cx="2643693" cy="941832"/>
+              </a:xfrm>
+              <a:prstGeom prst="roundRect">
+                <a:avLst/>
+              </a:prstGeom>
+              <a:solidFill>
+                <a:schemeClr val="accent6">
+                  <a:lumMod val="20000"/>
+                  <a:lumOff val="80000"/>
+                </a:schemeClr>
+              </a:solidFill>
+            </p:spPr>
+            <p:style>
+              <a:lnRef idx="2">
+                <a:schemeClr val="accent1">
+                  <a:shade val="50000"/>
+                </a:schemeClr>
+              </a:lnRef>
+              <a:fillRef idx="1">
+                <a:schemeClr val="accent1"/>
+              </a:fillRef>
+              <a:effectRef idx="0">
+                <a:schemeClr val="accent1"/>
+              </a:effectRef>
+              <a:fontRef idx="minor">
+                <a:schemeClr val="lt1"/>
+              </a:fontRef>
+            </p:style>
+            <p:txBody>
+              <a:bodyPr rtlCol="0" anchor="ctr"/>
+              <a:lstStyle/>
+              <a:p>
+                <a:pPr algn="ctr"/>
+                <a:endParaRPr lang="en-US"/>
+              </a:p>
+            </p:txBody>
+          </p:sp>
+          <p:sp>
+            <p:nvSpPr>
+              <p:cNvPr id="23" name="Rounded Rectangle 22"/>
+              <p:cNvSpPr/>
+              <p:nvPr/>
+            </p:nvSpPr>
+            <p:spPr>
+              <a:xfrm>
+                <a:off x="313184" y="1483334"/>
+                <a:ext cx="2502585" cy="518785"/>
+              </a:xfrm>
+              <a:prstGeom prst="roundRect">
+                <a:avLst/>
+              </a:prstGeom>
+              <a:noFill/>
+              <a:ln>
+                <a:noFill/>
+              </a:ln>
+            </p:spPr>
+            <p:style>
+              <a:lnRef idx="2">
+                <a:schemeClr val="accent1">
+                  <a:shade val="50000"/>
+                </a:schemeClr>
+              </a:lnRef>
+              <a:fillRef idx="1">
+                <a:schemeClr val="accent1"/>
+              </a:fillRef>
+              <a:effectRef idx="0">
+                <a:schemeClr val="accent1"/>
+              </a:effectRef>
+              <a:fontRef idx="minor">
+                <a:schemeClr val="lt1"/>
+              </a:fontRef>
+            </p:style>
+            <p:txBody>
+              <a:bodyPr rtlCol="0" anchor="ctr"/>
+              <a:lstStyle/>
+              <a:p>
+                <a:r>
+                  <a:rPr lang="en-US" sz="1600" u="sng" dirty="0" smtClean="0">
+                    <a:solidFill>
+                      <a:schemeClr val="tx1"/>
+                    </a:solidFill>
+                  </a:rPr>
+                  <a:t>Any Standardized Table</a:t>
+                </a:r>
+                <a:endParaRPr lang="en-US" sz="1600" u="sng" dirty="0">
+                  <a:solidFill>
+                    <a:schemeClr val="tx1"/>
+                  </a:solidFill>
+                </a:endParaRPr>
+              </a:p>
+            </p:txBody>
+          </p:sp>
+        </p:grpSp>
+        <p:pic>
+          <p:nvPicPr>
+            <p:cNvPr id="46" name="Picture 45"/>
+            <p:cNvPicPr>
+              <a:picLocks noChangeAspect="1"/>
+            </p:cNvPicPr>
+            <p:nvPr/>
+          </p:nvPicPr>
+          <p:blipFill>
+            <a:blip r:embed="rId5"/>
+            <a:stretch>
+              <a:fillRect/>
+            </a:stretch>
+          </p:blipFill>
+          <p:spPr>
+            <a:xfrm>
+              <a:off x="405155" y="1618502"/>
+              <a:ext cx="2372326" cy="638524"/>
+            </a:xfrm>
+            <a:prstGeom prst="rect">
+              <a:avLst/>
+            </a:prstGeom>
+          </p:spPr>
+        </p:pic>
+      </p:grpSp>
+      <p:grpSp>
+        <p:nvGrpSpPr>
+          <p:cNvPr id="52" name="Group 51"/>
+          <p:cNvGrpSpPr/>
+          <p:nvPr/>
+        </p:nvGrpSpPr>
+        <p:grpSpPr>
+          <a:xfrm>
+            <a:off x="631867" y="2825275"/>
+            <a:ext cx="3384404" cy="1437350"/>
+            <a:chOff x="37949" y="2526164"/>
+            <a:chExt cx="3384404" cy="1437350"/>
+          </a:xfrm>
+        </p:grpSpPr>
+        <p:sp>
+          <p:nvSpPr>
+            <p:cNvPr id="49" name="Rounded Rectangle 48"/>
+            <p:cNvSpPr/>
+            <p:nvPr/>
+          </p:nvSpPr>
+          <p:spPr>
+            <a:xfrm>
+              <a:off x="37949" y="2526164"/>
+              <a:ext cx="3299611" cy="1437350"/>
+            </a:xfrm>
+            <a:prstGeom prst="roundRect">
+              <a:avLst/>
+            </a:prstGeom>
+            <a:solidFill>
+              <a:schemeClr val="accent6">
+                <a:lumMod val="20000"/>
+                <a:lumOff val="80000"/>
+              </a:schemeClr>
+            </a:solidFill>
+          </p:spPr>
+          <p:style>
+            <a:lnRef idx="2">
+              <a:schemeClr val="accent1">
+                <a:shade val="50000"/>
+              </a:schemeClr>
+            </a:lnRef>
+            <a:fillRef idx="1">
+              <a:schemeClr val="accent1"/>
+            </a:fillRef>
+            <a:effectRef idx="0">
+              <a:schemeClr val="accent1"/>
+            </a:effectRef>
+            <a:fontRef idx="minor">
+              <a:schemeClr val="lt1"/>
+            </a:fontRef>
+          </p:style>
+          <p:txBody>
+            <a:bodyPr rtlCol="0" anchor="ctr"/>
+            <a:lstStyle/>
+            <a:p>
+              <a:pPr algn="ctr"/>
+              <a:endParaRPr lang="en-US"/>
+            </a:p>
+          </p:txBody>
+        </p:sp>
+        <p:pic>
+          <p:nvPicPr>
+            <p:cNvPr id="41" name="Picture 40"/>
+            <p:cNvPicPr>
+              <a:picLocks noChangeAspect="1"/>
+            </p:cNvPicPr>
+            <p:nvPr/>
+          </p:nvPicPr>
+          <p:blipFill rotWithShape="1">
+            <a:blip r:embed="rId6" cstate="print">
+              <a:extLst>
+                <a:ext uri="{28A0092B-C50C-407E-A947-70E740481C1C}">
+                  <a14:useLocalDpi xmlns:a14="http://schemas.microsoft.com/office/drawing/2010/main" val="0"/>
+                </a:ext>
+              </a:extLst>
+            </a:blip>
+            <a:srcRect l="4143" t="20175" r="33076" b="20825"/>
+            <a:stretch/>
+          </p:blipFill>
+          <p:spPr>
+            <a:xfrm>
+              <a:off x="2271392" y="2999529"/>
+              <a:ext cx="893902" cy="872374"/>
+            </a:xfrm>
+            <a:prstGeom prst="rect">
+              <a:avLst/>
+            </a:prstGeom>
+          </p:spPr>
+        </p:pic>
+        <p:pic>
+          <p:nvPicPr>
+            <p:cNvPr id="48" name="Picture 47"/>
+            <p:cNvPicPr>
+              <a:picLocks noChangeAspect="1"/>
+            </p:cNvPicPr>
+            <p:nvPr/>
+          </p:nvPicPr>
+          <p:blipFill>
+            <a:blip r:embed="rId7"/>
+            <a:stretch>
+              <a:fillRect/>
+            </a:stretch>
+          </p:blipFill>
+          <p:spPr>
+            <a:xfrm>
+              <a:off x="122048" y="3208549"/>
+              <a:ext cx="1999767" cy="546105"/>
+            </a:xfrm>
+            <a:prstGeom prst="rect">
+              <a:avLst/>
+            </a:prstGeom>
+          </p:spPr>
+        </p:pic>
+        <p:sp>
+          <p:nvSpPr>
+            <p:cNvPr id="50" name="Rounded Rectangle 49"/>
+            <p:cNvSpPr/>
+            <p:nvPr/>
+          </p:nvSpPr>
+          <p:spPr>
+            <a:xfrm>
+              <a:off x="165603" y="2650348"/>
+              <a:ext cx="1702982" cy="518785"/>
+            </a:xfrm>
+            <a:prstGeom prst="roundRect">
+              <a:avLst/>
+            </a:prstGeom>
+            <a:noFill/>
+            <a:ln>
+              <a:noFill/>
+            </a:ln>
+          </p:spPr>
+          <p:style>
+            <a:lnRef idx="2">
+              <a:schemeClr val="accent1">
+                <a:shade val="50000"/>
+              </a:schemeClr>
+            </a:lnRef>
+            <a:fillRef idx="1">
+              <a:schemeClr val="accent1"/>
+            </a:fillRef>
+            <a:effectRef idx="0">
+              <a:schemeClr val="accent1"/>
+            </a:effectRef>
+            <a:fontRef idx="minor">
+              <a:schemeClr val="lt1"/>
+            </a:fontRef>
+          </p:style>
+          <p:txBody>
+            <a:bodyPr rtlCol="0" anchor="ctr"/>
+            <a:lstStyle/>
+            <a:p>
+              <a:pPr algn="ctr"/>
+              <a:r>
+                <a:rPr lang="en-US" sz="1600" u="sng" dirty="0" smtClean="0">
+                  <a:solidFill>
+                    <a:schemeClr val="tx1"/>
+                  </a:solidFill>
+                </a:rPr>
+                <a:t>Any Standardized Grid Table</a:t>
+              </a:r>
+              <a:endParaRPr lang="en-US" sz="1600" u="sng" dirty="0">
+                <a:solidFill>
+                  <a:schemeClr val="tx1"/>
+                </a:solidFill>
+              </a:endParaRPr>
+            </a:p>
+          </p:txBody>
+        </p:sp>
+        <p:sp>
+          <p:nvSpPr>
+            <p:cNvPr id="51" name="Rounded Rectangle 50"/>
+            <p:cNvSpPr/>
+            <p:nvPr/>
+          </p:nvSpPr>
+          <p:spPr>
+            <a:xfrm>
+              <a:off x="2014332" y="2565580"/>
+              <a:ext cx="1408021" cy="518785"/>
+            </a:xfrm>
+            <a:prstGeom prst="roundRect">
+              <a:avLst/>
+            </a:prstGeom>
+            <a:noFill/>
+            <a:ln>
+              <a:noFill/>
+            </a:ln>
+          </p:spPr>
+          <p:style>
+            <a:lnRef idx="2">
+              <a:schemeClr val="accent1">
+                <a:shade val="50000"/>
+              </a:schemeClr>
+            </a:lnRef>
+            <a:fillRef idx="1">
+              <a:schemeClr val="accent1"/>
+            </a:fillRef>
+            <a:effectRef idx="0">
+              <a:schemeClr val="accent1"/>
+            </a:effectRef>
+            <a:fontRef idx="minor">
+              <a:schemeClr val="lt1"/>
+            </a:fontRef>
+          </p:style>
+          <p:txBody>
+            <a:bodyPr rtlCol="0" anchor="ctr"/>
+            <a:lstStyle/>
+            <a:p>
+              <a:pPr algn="ctr"/>
+              <a:r>
+                <a:rPr lang="en-US" sz="1600" u="sng" dirty="0" smtClean="0">
+                  <a:solidFill>
+                    <a:schemeClr val="tx1"/>
+                  </a:solidFill>
+                </a:rPr>
+                <a:t>Any Shapefile</a:t>
+              </a:r>
+              <a:endParaRPr lang="en-US" sz="1600" u="sng" dirty="0">
+                <a:solidFill>
+                  <a:schemeClr val="tx1"/>
+                </a:solidFill>
+              </a:endParaRPr>
+            </a:p>
+          </p:txBody>
+        </p:sp>
+      </p:grpSp>
+      <p:grpSp>
+        <p:nvGrpSpPr>
+          <p:cNvPr id="61" name="Group 60"/>
+          <p:cNvGrpSpPr>
+            <a:grpSpLocks noChangeAspect="1"/>
+          </p:cNvGrpSpPr>
+          <p:nvPr/>
+        </p:nvGrpSpPr>
+        <p:grpSpPr>
+          <a:xfrm>
+            <a:off x="6675120" y="3744424"/>
+            <a:ext cx="5297126" cy="1395071"/>
+            <a:chOff x="5998172" y="394540"/>
+            <a:chExt cx="5297126" cy="1395071"/>
+          </a:xfrm>
+        </p:grpSpPr>
+        <p:sp>
+          <p:nvSpPr>
+            <p:cNvPr id="64" name="Rounded Rectangle 63"/>
+            <p:cNvSpPr/>
+            <p:nvPr/>
+          </p:nvSpPr>
+          <p:spPr>
+            <a:xfrm>
+              <a:off x="5998172" y="512763"/>
+              <a:ext cx="5297126" cy="1276848"/>
+            </a:xfrm>
+            <a:prstGeom prst="roundRect">
+              <a:avLst/>
+            </a:prstGeom>
+            <a:solidFill>
+              <a:schemeClr val="accent5">
+                <a:lumMod val="20000"/>
+                <a:lumOff val="80000"/>
+              </a:schemeClr>
+            </a:solidFill>
+          </p:spPr>
+          <p:style>
+            <a:lnRef idx="2">
+              <a:schemeClr val="accent1">
+                <a:shade val="50000"/>
+              </a:schemeClr>
+            </a:lnRef>
+            <a:fillRef idx="1">
+              <a:schemeClr val="accent1"/>
+            </a:fillRef>
+            <a:effectRef idx="0">
+              <a:schemeClr val="accent1"/>
+            </a:effectRef>
+            <a:fontRef idx="minor">
+              <a:schemeClr val="lt1"/>
+            </a:fontRef>
+          </p:style>
+          <p:txBody>
+            <a:bodyPr rtlCol="0" anchor="ctr"/>
+            <a:lstStyle/>
+            <a:p>
+              <a:pPr algn="ctr"/>
+              <a:endParaRPr lang="en-US"/>
+            </a:p>
+          </p:txBody>
+        </p:sp>
+        <p:sp>
+          <p:nvSpPr>
+            <p:cNvPr id="65" name="Rounded Rectangle 64"/>
+            <p:cNvSpPr/>
+            <p:nvPr/>
+          </p:nvSpPr>
+          <p:spPr>
+            <a:xfrm>
+              <a:off x="7364910" y="394540"/>
+              <a:ext cx="2621042" cy="518785"/>
+            </a:xfrm>
+            <a:prstGeom prst="roundRect">
+              <a:avLst/>
+            </a:prstGeom>
+            <a:noFill/>
+            <a:ln>
+              <a:noFill/>
+            </a:ln>
+          </p:spPr>
+          <p:style>
+            <a:lnRef idx="2">
+              <a:schemeClr val="accent1">
+                <a:shade val="50000"/>
+              </a:schemeClr>
+            </a:lnRef>
+            <a:fillRef idx="1">
+              <a:schemeClr val="accent1"/>
+            </a:fillRef>
+            <a:effectRef idx="0">
+              <a:schemeClr val="accent1"/>
+            </a:effectRef>
+            <a:fontRef idx="minor">
+              <a:schemeClr val="lt1"/>
+            </a:fontRef>
+          </p:style>
+          <p:txBody>
+            <a:bodyPr rtlCol="0" anchor="ctr"/>
+            <a:lstStyle/>
+            <a:p>
+              <a:r>
+                <a:rPr lang="en-US" sz="1600" u="sng" dirty="0" smtClean="0">
+                  <a:solidFill>
+                    <a:schemeClr val="tx1"/>
+                  </a:solidFill>
+                </a:rPr>
+                <a:t>Standardized Polygon Tables</a:t>
+              </a:r>
+              <a:endParaRPr lang="en-US" sz="1600" dirty="0">
+                <a:solidFill>
+                  <a:schemeClr val="tx1"/>
+                </a:solidFill>
+              </a:endParaRPr>
+            </a:p>
+          </p:txBody>
+        </p:sp>
+        <p:sp>
+          <p:nvSpPr>
+            <p:cNvPr id="66" name="Rounded Rectangle 65"/>
+            <p:cNvSpPr/>
+            <p:nvPr/>
+          </p:nvSpPr>
+          <p:spPr>
+            <a:xfrm>
+              <a:off x="6440669" y="666937"/>
+              <a:ext cx="1927996" cy="518785"/>
+            </a:xfrm>
+            <a:prstGeom prst="roundRect">
+              <a:avLst/>
+            </a:prstGeom>
+            <a:noFill/>
+            <a:ln>
+              <a:noFill/>
+            </a:ln>
+          </p:spPr>
+          <p:style>
+            <a:lnRef idx="2">
+              <a:schemeClr val="accent1">
+                <a:shade val="50000"/>
+              </a:schemeClr>
+            </a:lnRef>
+            <a:fillRef idx="1">
+              <a:schemeClr val="accent1"/>
+            </a:fillRef>
+            <a:effectRef idx="0">
+              <a:schemeClr val="accent1"/>
+            </a:effectRef>
+            <a:fontRef idx="minor">
+              <a:schemeClr val="lt1"/>
+            </a:fontRef>
+          </p:style>
+          <p:txBody>
+            <a:bodyPr rtlCol="0" anchor="ctr"/>
+            <a:lstStyle/>
+            <a:p>
+              <a:r>
+                <a:rPr lang="en-US" sz="1600" dirty="0" smtClean="0">
+                  <a:solidFill>
+                    <a:schemeClr val="tx1"/>
+                  </a:solidFill>
+                </a:rPr>
+                <a:t>1. Default Values</a:t>
+              </a:r>
+              <a:endParaRPr lang="en-US" sz="1600" dirty="0">
+                <a:solidFill>
+                  <a:schemeClr val="tx1"/>
+                </a:solidFill>
+              </a:endParaRPr>
+            </a:p>
+          </p:txBody>
+        </p:sp>
+        <p:sp>
+          <p:nvSpPr>
+            <p:cNvPr id="67" name="Rounded Rectangle 66"/>
+            <p:cNvSpPr/>
+            <p:nvPr/>
+          </p:nvSpPr>
+          <p:spPr>
+            <a:xfrm>
+              <a:off x="8792713" y="654656"/>
+              <a:ext cx="2502585" cy="518785"/>
+            </a:xfrm>
+            <a:prstGeom prst="roundRect">
+              <a:avLst/>
+            </a:prstGeom>
+            <a:noFill/>
+            <a:ln>
+              <a:noFill/>
+            </a:ln>
+          </p:spPr>
+          <p:style>
+            <a:lnRef idx="2">
+              <a:schemeClr val="accent1">
+                <a:shade val="50000"/>
+              </a:schemeClr>
+            </a:lnRef>
+            <a:fillRef idx="1">
+              <a:schemeClr val="accent1"/>
+            </a:fillRef>
+            <a:effectRef idx="0">
+              <a:schemeClr val="accent1"/>
+            </a:effectRef>
+            <a:fontRef idx="minor">
+              <a:schemeClr val="lt1"/>
+            </a:fontRef>
+          </p:style>
+          <p:txBody>
+            <a:bodyPr rtlCol="0" anchor="ctr"/>
+            <a:lstStyle/>
+            <a:p>
+              <a:r>
+                <a:rPr lang="en-US" sz="1600" dirty="0" smtClean="0">
+                  <a:solidFill>
+                    <a:schemeClr val="tx1"/>
+                  </a:solidFill>
+                </a:rPr>
+                <a:t>2. Blank Template for users</a:t>
+              </a:r>
+              <a:endParaRPr lang="en-US" sz="1600" dirty="0">
+                <a:solidFill>
+                  <a:schemeClr val="tx1"/>
+                </a:solidFill>
+              </a:endParaRPr>
+            </a:p>
+          </p:txBody>
+        </p:sp>
+      </p:grpSp>
+      <p:pic>
+        <p:nvPicPr>
+          <p:cNvPr id="68" name="Picture 67"/>
+          <p:cNvPicPr>
+            <a:picLocks noChangeAspect="1"/>
+          </p:cNvPicPr>
+          <p:nvPr/>
+        </p:nvPicPr>
+        <p:blipFill>
+          <a:blip r:embed="rId8"/>
+          <a:stretch>
+            <a:fillRect/>
+          </a:stretch>
+        </p:blipFill>
+        <p:spPr>
+          <a:xfrm>
+            <a:off x="6767231" y="4337288"/>
+            <a:ext cx="2397702" cy="659486"/>
+          </a:xfrm>
+          <a:prstGeom prst="rect">
+            <a:avLst/>
+          </a:prstGeom>
+        </p:spPr>
+      </p:pic>
+      <p:pic>
+        <p:nvPicPr>
+          <p:cNvPr id="69" name="Picture 68"/>
+          <p:cNvPicPr>
+            <a:picLocks noChangeAspect="1"/>
+          </p:cNvPicPr>
+          <p:nvPr/>
+        </p:nvPicPr>
+        <p:blipFill>
+          <a:blip r:embed="rId8"/>
+          <a:stretch>
+            <a:fillRect/>
+          </a:stretch>
+        </p:blipFill>
+        <p:spPr>
+          <a:xfrm>
+            <a:off x="9510047" y="4342439"/>
+            <a:ext cx="2397702" cy="659486"/>
+          </a:xfrm>
+          <a:prstGeom prst="rect">
+            <a:avLst/>
+          </a:prstGeom>
+        </p:spPr>
+      </p:pic>
+      <p:grpSp>
+        <p:nvGrpSpPr>
+          <p:cNvPr id="70" name="Group 69"/>
+          <p:cNvGrpSpPr/>
+          <p:nvPr/>
+        </p:nvGrpSpPr>
+        <p:grpSpPr>
+          <a:xfrm>
+            <a:off x="657785" y="4522740"/>
+            <a:ext cx="3389190" cy="1593669"/>
+            <a:chOff x="37949" y="2526163"/>
+            <a:chExt cx="3389190" cy="1593669"/>
+          </a:xfrm>
+        </p:grpSpPr>
+        <p:sp>
+          <p:nvSpPr>
+            <p:cNvPr id="71" name="Rounded Rectangle 70"/>
+            <p:cNvSpPr/>
+            <p:nvPr/>
+          </p:nvSpPr>
+          <p:spPr>
+            <a:xfrm>
+              <a:off x="37949" y="2526163"/>
+              <a:ext cx="3299611" cy="1593669"/>
+            </a:xfrm>
+            <a:prstGeom prst="roundRect">
+              <a:avLst/>
+            </a:prstGeom>
+            <a:solidFill>
+              <a:schemeClr val="accent6">
+                <a:lumMod val="20000"/>
+                <a:lumOff val="80000"/>
+              </a:schemeClr>
+            </a:solidFill>
+          </p:spPr>
+          <p:style>
+            <a:lnRef idx="2">
+              <a:schemeClr val="accent1">
+                <a:shade val="50000"/>
+              </a:schemeClr>
+            </a:lnRef>
+            <a:fillRef idx="1">
+              <a:schemeClr val="accent1"/>
+            </a:fillRef>
+            <a:effectRef idx="0">
+              <a:schemeClr val="accent1"/>
+            </a:effectRef>
+            <a:fontRef idx="minor">
+              <a:schemeClr val="lt1"/>
+            </a:fontRef>
+          </p:style>
+          <p:txBody>
+            <a:bodyPr rtlCol="0" anchor="ctr"/>
+            <a:lstStyle/>
+            <a:p>
+              <a:pPr algn="ctr"/>
+              <a:endParaRPr lang="en-US"/>
+            </a:p>
+          </p:txBody>
+        </p:sp>
+        <p:pic>
+          <p:nvPicPr>
+            <p:cNvPr id="72" name="Picture 71"/>
+            <p:cNvPicPr>
+              <a:picLocks noChangeAspect="1"/>
+            </p:cNvPicPr>
+            <p:nvPr/>
+          </p:nvPicPr>
+          <p:blipFill rotWithShape="1">
+            <a:blip r:embed="rId6" cstate="print">
+              <a:extLst>
+                <a:ext uri="{28A0092B-C50C-407E-A947-70E740481C1C}">
+                  <a14:useLocalDpi xmlns:a14="http://schemas.microsoft.com/office/drawing/2010/main" val="0"/>
+                </a:ext>
+              </a:extLst>
+            </a:blip>
+            <a:srcRect l="4143" t="20175" r="33076" b="20825"/>
+            <a:stretch/>
+          </p:blipFill>
+          <p:spPr>
+            <a:xfrm>
+              <a:off x="2262760" y="3157338"/>
+              <a:ext cx="893902" cy="872374"/>
+            </a:xfrm>
+            <a:prstGeom prst="rect">
+              <a:avLst/>
+            </a:prstGeom>
+          </p:spPr>
+        </p:pic>
+        <p:pic>
+          <p:nvPicPr>
+            <p:cNvPr id="73" name="Picture 72"/>
+            <p:cNvPicPr>
+              <a:picLocks noChangeAspect="1"/>
+            </p:cNvPicPr>
+            <p:nvPr/>
+          </p:nvPicPr>
+          <p:blipFill>
+            <a:blip r:embed="rId7"/>
+            <a:stretch>
+              <a:fillRect/>
+            </a:stretch>
+          </p:blipFill>
+          <p:spPr>
+            <a:xfrm>
+              <a:off x="122048" y="3208549"/>
+              <a:ext cx="1999767" cy="546105"/>
+            </a:xfrm>
+            <a:prstGeom prst="rect">
+              <a:avLst/>
+            </a:prstGeom>
+          </p:spPr>
+        </p:pic>
+        <p:sp>
+          <p:nvSpPr>
+            <p:cNvPr id="74" name="Rounded Rectangle 73"/>
+            <p:cNvSpPr/>
+            <p:nvPr/>
+          </p:nvSpPr>
+          <p:spPr>
+            <a:xfrm>
+              <a:off x="165603" y="2650348"/>
+              <a:ext cx="1702982" cy="518785"/>
+            </a:xfrm>
+            <a:prstGeom prst="roundRect">
+              <a:avLst/>
+            </a:prstGeom>
+            <a:noFill/>
+            <a:ln>
+              <a:noFill/>
+            </a:ln>
+          </p:spPr>
+          <p:style>
+            <a:lnRef idx="2">
+              <a:schemeClr val="accent1">
+                <a:shade val="50000"/>
+              </a:schemeClr>
+            </a:lnRef>
+            <a:fillRef idx="1">
+              <a:schemeClr val="accent1"/>
+            </a:fillRef>
+            <a:effectRef idx="0">
+              <a:schemeClr val="accent1"/>
+            </a:effectRef>
+            <a:fontRef idx="minor">
+              <a:schemeClr val="lt1"/>
+            </a:fontRef>
+          </p:style>
+          <p:txBody>
+            <a:bodyPr rtlCol="0" anchor="ctr"/>
+            <a:lstStyle/>
+            <a:p>
+              <a:pPr algn="ctr"/>
+              <a:r>
+                <a:rPr lang="en-US" sz="1600" u="sng" dirty="0" smtClean="0">
+                  <a:solidFill>
+                    <a:schemeClr val="tx1"/>
+                  </a:solidFill>
+                </a:rPr>
+                <a:t>Any Standardized Polygon Table</a:t>
+              </a:r>
+              <a:endParaRPr lang="en-US" sz="1600" u="sng" dirty="0">
+                <a:solidFill>
+                  <a:schemeClr val="tx1"/>
+                </a:solidFill>
+              </a:endParaRPr>
+            </a:p>
+          </p:txBody>
+        </p:sp>
+        <p:sp>
+          <p:nvSpPr>
+            <p:cNvPr id="75" name="Rounded Rectangle 74"/>
+            <p:cNvSpPr/>
+            <p:nvPr/>
+          </p:nvSpPr>
+          <p:spPr>
+            <a:xfrm>
+              <a:off x="2019118" y="2610405"/>
+              <a:ext cx="1408021" cy="518785"/>
+            </a:xfrm>
+            <a:prstGeom prst="roundRect">
+              <a:avLst/>
+            </a:prstGeom>
+            <a:noFill/>
+            <a:ln>
+              <a:noFill/>
+            </a:ln>
+          </p:spPr>
+          <p:style>
+            <a:lnRef idx="2">
+              <a:schemeClr val="accent1">
+                <a:shade val="50000"/>
+              </a:schemeClr>
+            </a:lnRef>
+            <a:fillRef idx="1">
+              <a:schemeClr val="accent1"/>
+            </a:fillRef>
+            <a:effectRef idx="0">
+              <a:schemeClr val="accent1"/>
+            </a:effectRef>
+            <a:fontRef idx="minor">
+              <a:schemeClr val="lt1"/>
+            </a:fontRef>
+          </p:style>
+          <p:txBody>
+            <a:bodyPr rtlCol="0" anchor="ctr"/>
+            <a:lstStyle/>
+            <a:p>
+              <a:pPr algn="ctr"/>
+              <a:r>
+                <a:rPr lang="en-US" sz="1600" u="sng" dirty="0" smtClean="0">
+                  <a:solidFill>
+                    <a:schemeClr val="tx1"/>
+                  </a:solidFill>
+                </a:rPr>
+                <a:t>Polygon Shapefile</a:t>
+              </a:r>
+              <a:endParaRPr lang="en-US" sz="1600" u="sng" dirty="0">
+                <a:solidFill>
+                  <a:schemeClr val="tx1"/>
+                </a:solidFill>
+              </a:endParaRPr>
+            </a:p>
+          </p:txBody>
+        </p:sp>
+      </p:grpSp>
+      <p:grpSp>
+        <p:nvGrpSpPr>
+          <p:cNvPr id="80" name="Group 79"/>
+          <p:cNvGrpSpPr/>
+          <p:nvPr/>
+        </p:nvGrpSpPr>
+        <p:grpSpPr>
+          <a:xfrm>
+            <a:off x="8268636" y="5338856"/>
+            <a:ext cx="2309129" cy="1324925"/>
+            <a:chOff x="6454560" y="5148751"/>
+            <a:chExt cx="2309129" cy="1324925"/>
+          </a:xfrm>
+        </p:grpSpPr>
+        <p:grpSp>
+          <p:nvGrpSpPr>
+            <p:cNvPr id="54" name="Group 53"/>
+            <p:cNvGrpSpPr>
+              <a:grpSpLocks noChangeAspect="1"/>
+            </p:cNvGrpSpPr>
+            <p:nvPr/>
+          </p:nvGrpSpPr>
+          <p:grpSpPr>
+            <a:xfrm>
+              <a:off x="6468393" y="5148751"/>
+              <a:ext cx="2200120" cy="1324925"/>
+              <a:chOff x="6220835" y="464686"/>
+              <a:chExt cx="2200120" cy="1324925"/>
+            </a:xfrm>
+          </p:grpSpPr>
+          <p:sp>
+            <p:nvSpPr>
+              <p:cNvPr id="58" name="Rounded Rectangle 57"/>
+              <p:cNvSpPr/>
+              <p:nvPr/>
+            </p:nvSpPr>
+            <p:spPr>
+              <a:xfrm>
+                <a:off x="6220835" y="512763"/>
+                <a:ext cx="2200120" cy="1276848"/>
+              </a:xfrm>
+              <a:prstGeom prst="roundRect">
+                <a:avLst/>
+              </a:prstGeom>
+              <a:solidFill>
+                <a:schemeClr val="accent5">
+                  <a:lumMod val="20000"/>
+                  <a:lumOff val="80000"/>
+                </a:schemeClr>
+              </a:solidFill>
+            </p:spPr>
+            <p:style>
+              <a:lnRef idx="2">
+                <a:schemeClr val="accent1">
+                  <a:shade val="50000"/>
+                </a:schemeClr>
+              </a:lnRef>
+              <a:fillRef idx="1">
+                <a:schemeClr val="accent1"/>
+              </a:fillRef>
+              <a:effectRef idx="0">
+                <a:schemeClr val="accent1"/>
+              </a:effectRef>
+              <a:fontRef idx="minor">
+                <a:schemeClr val="lt1"/>
+              </a:fontRef>
+            </p:style>
+            <p:txBody>
+              <a:bodyPr rtlCol="0" anchor="ctr"/>
+              <a:lstStyle/>
+              <a:p>
+                <a:pPr algn="ctr"/>
+                <a:endParaRPr lang="en-US"/>
+              </a:p>
+            </p:txBody>
+          </p:sp>
+          <p:sp>
+            <p:nvSpPr>
+              <p:cNvPr id="59" name="Rounded Rectangle 58"/>
+              <p:cNvSpPr/>
+              <p:nvPr/>
+            </p:nvSpPr>
+            <p:spPr>
+              <a:xfrm>
+                <a:off x="7011475" y="464686"/>
+                <a:ext cx="802286" cy="344396"/>
+              </a:xfrm>
+              <a:prstGeom prst="roundRect">
+                <a:avLst/>
+              </a:prstGeom>
+              <a:noFill/>
+              <a:ln>
+                <a:noFill/>
+              </a:ln>
+            </p:spPr>
+            <p:style>
+              <a:lnRef idx="2">
+                <a:schemeClr val="accent1">
+                  <a:shade val="50000"/>
+                </a:schemeClr>
+              </a:lnRef>
+              <a:fillRef idx="1">
+                <a:schemeClr val="accent1"/>
+              </a:fillRef>
+              <a:effectRef idx="0">
+                <a:schemeClr val="accent1"/>
+              </a:effectRef>
+              <a:fontRef idx="minor">
+                <a:schemeClr val="lt1"/>
+              </a:fontRef>
+            </p:style>
+            <p:txBody>
+              <a:bodyPr rtlCol="0" anchor="ctr"/>
+              <a:lstStyle/>
+              <a:p>
+                <a:r>
+                  <a:rPr lang="en-US" sz="1600" u="sng" dirty="0" smtClean="0">
+                    <a:solidFill>
+                      <a:schemeClr val="tx1"/>
+                    </a:solidFill>
+                  </a:rPr>
+                  <a:t>Maps</a:t>
+                </a:r>
+                <a:endParaRPr lang="en-US" sz="1600" dirty="0">
+                  <a:solidFill>
+                    <a:schemeClr val="tx1"/>
+                  </a:solidFill>
+                </a:endParaRPr>
+              </a:p>
+            </p:txBody>
+          </p:sp>
+        </p:grpSp>
+        <p:pic>
+          <p:nvPicPr>
+            <p:cNvPr id="76" name="Picture 75"/>
+            <p:cNvPicPr>
+              <a:picLocks noChangeAspect="1"/>
+            </p:cNvPicPr>
+            <p:nvPr/>
+          </p:nvPicPr>
+          <p:blipFill>
+            <a:blip r:embed="rId9"/>
+            <a:stretch>
+              <a:fillRect/>
+            </a:stretch>
+          </p:blipFill>
+          <p:spPr>
+            <a:xfrm>
+              <a:off x="6672142" y="5716618"/>
+              <a:ext cx="720492" cy="695956"/>
+            </a:xfrm>
+            <a:prstGeom prst="rect">
+              <a:avLst/>
+            </a:prstGeom>
+          </p:spPr>
+        </p:pic>
+        <p:pic>
+          <p:nvPicPr>
+            <p:cNvPr id="77" name="Picture 76"/>
+            <p:cNvPicPr>
+              <a:picLocks noChangeAspect="1"/>
+            </p:cNvPicPr>
+            <p:nvPr/>
+          </p:nvPicPr>
+          <p:blipFill>
+            <a:blip r:embed="rId10"/>
+            <a:stretch>
+              <a:fillRect/>
+            </a:stretch>
+          </p:blipFill>
+          <p:spPr>
+            <a:xfrm>
+              <a:off x="7741467" y="5716618"/>
+              <a:ext cx="720028" cy="688428"/>
+            </a:xfrm>
+            <a:prstGeom prst="rect">
+              <a:avLst/>
+            </a:prstGeom>
+          </p:spPr>
+        </p:pic>
+        <p:sp>
+          <p:nvSpPr>
+            <p:cNvPr id="78" name="Rounded Rectangle 77"/>
+            <p:cNvSpPr/>
+            <p:nvPr/>
+          </p:nvSpPr>
+          <p:spPr>
+            <a:xfrm>
+              <a:off x="6454560" y="5442044"/>
+              <a:ext cx="1125701" cy="321534"/>
+            </a:xfrm>
+            <a:prstGeom prst="roundRect">
+              <a:avLst/>
+            </a:prstGeom>
+            <a:noFill/>
+            <a:ln>
+              <a:noFill/>
+            </a:ln>
+          </p:spPr>
+          <p:style>
+            <a:lnRef idx="2">
+              <a:schemeClr val="accent1">
+                <a:shade val="50000"/>
+              </a:schemeClr>
+            </a:lnRef>
+            <a:fillRef idx="1">
+              <a:schemeClr val="accent1"/>
+            </a:fillRef>
+            <a:effectRef idx="0">
+              <a:schemeClr val="accent1"/>
+            </a:effectRef>
+            <a:fontRef idx="minor">
+              <a:schemeClr val="lt1"/>
+            </a:fontRef>
+          </p:style>
+          <p:txBody>
+            <a:bodyPr rtlCol="0" anchor="ctr"/>
+            <a:lstStyle/>
+            <a:p>
+              <a:r>
+                <a:rPr lang="en-US" sz="1600" dirty="0" smtClean="0">
+                  <a:solidFill>
+                    <a:schemeClr val="tx1"/>
+                  </a:solidFill>
+                </a:rPr>
+                <a:t>1. Gridded</a:t>
+              </a:r>
+              <a:endParaRPr lang="en-US" sz="1600" dirty="0">
+                <a:solidFill>
+                  <a:schemeClr val="tx1"/>
+                </a:solidFill>
+              </a:endParaRPr>
+            </a:p>
+          </p:txBody>
+        </p:sp>
+        <p:sp>
+          <p:nvSpPr>
+            <p:cNvPr id="79" name="Rounded Rectangle 78"/>
+            <p:cNvSpPr/>
+            <p:nvPr/>
+          </p:nvSpPr>
+          <p:spPr>
+            <a:xfrm>
+              <a:off x="7566119" y="5404542"/>
+              <a:ext cx="1197570" cy="328485"/>
+            </a:xfrm>
+            <a:prstGeom prst="roundRect">
+              <a:avLst/>
+            </a:prstGeom>
+            <a:noFill/>
+            <a:ln>
+              <a:noFill/>
+            </a:ln>
+          </p:spPr>
+          <p:style>
+            <a:lnRef idx="2">
+              <a:schemeClr val="accent1">
+                <a:shade val="50000"/>
+              </a:schemeClr>
+            </a:lnRef>
+            <a:fillRef idx="1">
+              <a:schemeClr val="accent1"/>
+            </a:fillRef>
+            <a:effectRef idx="0">
+              <a:schemeClr val="accent1"/>
+            </a:effectRef>
+            <a:fontRef idx="minor">
+              <a:schemeClr val="lt1"/>
+            </a:fontRef>
+          </p:style>
+          <p:txBody>
+            <a:bodyPr rtlCol="0" anchor="ctr"/>
+            <a:lstStyle/>
+            <a:p>
+              <a:r>
+                <a:rPr lang="en-US" sz="1600" dirty="0" smtClean="0">
+                  <a:solidFill>
+                    <a:schemeClr val="tx1"/>
+                  </a:solidFill>
+                </a:rPr>
+                <a:t>2. Polygons</a:t>
+              </a:r>
+              <a:endParaRPr lang="en-US" sz="1600" dirty="0">
+                <a:solidFill>
+                  <a:schemeClr val="tx1"/>
+                </a:solidFill>
+              </a:endParaRPr>
+            </a:p>
+          </p:txBody>
+        </p:sp>
+      </p:grpSp>
+      <p:cxnSp>
+        <p:nvCxnSpPr>
+          <p:cNvPr id="82" name="Straight Connector 81"/>
+          <p:cNvCxnSpPr>
+            <a:stCxn id="10" idx="2"/>
+            <a:endCxn id="4" idx="0"/>
+          </p:cNvCxnSpPr>
+          <p:nvPr/>
+        </p:nvCxnSpPr>
+        <p:spPr>
+          <a:xfrm flipH="1">
+            <a:off x="5237562" y="850336"/>
+            <a:ext cx="1951" cy="454893"/>
+          </a:xfrm>
+          <a:prstGeom prst="line">
+            <a:avLst/>
+          </a:prstGeom>
+        </p:spPr>
+        <p:style>
+          <a:lnRef idx="1">
+            <a:schemeClr val="dk1"/>
+          </a:lnRef>
+          <a:fillRef idx="0">
+            <a:schemeClr val="dk1"/>
+          </a:fillRef>
+          <a:effectRef idx="0">
+            <a:schemeClr val="dk1"/>
+          </a:effectRef>
+          <a:fontRef idx="minor">
+            <a:schemeClr val="tx1"/>
+          </a:fontRef>
+        </p:style>
+      </p:cxnSp>
+      <p:cxnSp>
+        <p:nvCxnSpPr>
+          <p:cNvPr id="84" name="Straight Connector 83"/>
+          <p:cNvCxnSpPr>
+            <a:stCxn id="20" idx="1"/>
+            <a:endCxn id="4" idx="3"/>
+          </p:cNvCxnSpPr>
+          <p:nvPr/>
+        </p:nvCxnSpPr>
+        <p:spPr>
+          <a:xfrm flipH="1">
+            <a:off x="6083110" y="1456775"/>
+            <a:ext cx="609850" cy="718"/>
+          </a:xfrm>
+          <a:prstGeom prst="line">
+            <a:avLst/>
+          </a:prstGeom>
+        </p:spPr>
+        <p:style>
+          <a:lnRef idx="1">
+            <a:schemeClr val="dk1"/>
+          </a:lnRef>
+          <a:fillRef idx="0">
+            <a:schemeClr val="dk1"/>
+          </a:fillRef>
+          <a:effectRef idx="0">
+            <a:schemeClr val="dk1"/>
+          </a:effectRef>
+          <a:fontRef idx="minor">
+            <a:schemeClr val="tx1"/>
+          </a:fontRef>
+        </p:style>
+      </p:cxnSp>
+      <p:cxnSp>
+        <p:nvCxnSpPr>
+          <p:cNvPr id="88" name="Straight Connector 87"/>
+          <p:cNvCxnSpPr>
+            <a:stCxn id="4" idx="2"/>
+            <a:endCxn id="5" idx="0"/>
+          </p:cNvCxnSpPr>
+          <p:nvPr/>
+        </p:nvCxnSpPr>
+        <p:spPr>
+          <a:xfrm>
+            <a:off x="5237562" y="1609756"/>
+            <a:ext cx="0" cy="835074"/>
+          </a:xfrm>
+          <a:prstGeom prst="line">
+            <a:avLst/>
+          </a:prstGeom>
+        </p:spPr>
+        <p:style>
+          <a:lnRef idx="1">
+            <a:schemeClr val="dk1"/>
+          </a:lnRef>
+          <a:fillRef idx="0">
+            <a:schemeClr val="dk1"/>
+          </a:fillRef>
+          <a:effectRef idx="0">
+            <a:schemeClr val="dk1"/>
+          </a:effectRef>
+          <a:fontRef idx="minor">
+            <a:schemeClr val="tx1"/>
+          </a:fontRef>
+        </p:style>
+      </p:cxnSp>
+      <p:cxnSp>
+        <p:nvCxnSpPr>
+          <p:cNvPr id="91" name="Straight Connector 90"/>
+          <p:cNvCxnSpPr>
+            <a:stCxn id="5" idx="2"/>
+            <a:endCxn id="6" idx="0"/>
+          </p:cNvCxnSpPr>
+          <p:nvPr/>
+        </p:nvCxnSpPr>
+        <p:spPr>
+          <a:xfrm>
+            <a:off x="5237562" y="2749357"/>
+            <a:ext cx="0" cy="1204386"/>
+          </a:xfrm>
+          <a:prstGeom prst="line">
+            <a:avLst/>
+          </a:prstGeom>
+        </p:spPr>
+        <p:style>
+          <a:lnRef idx="1">
+            <a:schemeClr val="dk1"/>
+          </a:lnRef>
+          <a:fillRef idx="0">
+            <a:schemeClr val="dk1"/>
+          </a:fillRef>
+          <a:effectRef idx="0">
+            <a:schemeClr val="dk1"/>
+          </a:effectRef>
+          <a:fontRef idx="minor">
+            <a:schemeClr val="tx1"/>
+          </a:fontRef>
+        </p:style>
+      </p:cxnSp>
+      <p:cxnSp>
+        <p:nvCxnSpPr>
+          <p:cNvPr id="94" name="Straight Connector 93"/>
+          <p:cNvCxnSpPr>
+            <a:stCxn id="6" idx="2"/>
+            <a:endCxn id="7" idx="0"/>
+          </p:cNvCxnSpPr>
+          <p:nvPr/>
+        </p:nvCxnSpPr>
+        <p:spPr>
+          <a:xfrm>
+            <a:off x="5237562" y="4258270"/>
+            <a:ext cx="1411" cy="1615755"/>
+          </a:xfrm>
+          <a:prstGeom prst="line">
+            <a:avLst/>
+          </a:prstGeom>
+        </p:spPr>
+        <p:style>
+          <a:lnRef idx="1">
+            <a:schemeClr val="dk1"/>
+          </a:lnRef>
+          <a:fillRef idx="0">
+            <a:schemeClr val="dk1"/>
+          </a:fillRef>
+          <a:effectRef idx="0">
+            <a:schemeClr val="dk1"/>
+          </a:effectRef>
+          <a:fontRef idx="minor">
+            <a:schemeClr val="tx1"/>
+          </a:fontRef>
+        </p:style>
+      </p:cxnSp>
+      <p:cxnSp>
+        <p:nvCxnSpPr>
+          <p:cNvPr id="102" name="Straight Connector 101"/>
+          <p:cNvCxnSpPr/>
+          <p:nvPr/>
+        </p:nvCxnSpPr>
+        <p:spPr>
+          <a:xfrm flipH="1">
+            <a:off x="5238972" y="1940579"/>
+            <a:ext cx="1441671" cy="0"/>
+          </a:xfrm>
+          <a:prstGeom prst="line">
+            <a:avLst/>
+          </a:prstGeom>
+        </p:spPr>
+        <p:style>
+          <a:lnRef idx="1">
+            <a:schemeClr val="dk1"/>
+          </a:lnRef>
+          <a:fillRef idx="0">
+            <a:schemeClr val="dk1"/>
+          </a:fillRef>
+          <a:effectRef idx="0">
+            <a:schemeClr val="dk1"/>
+          </a:effectRef>
+          <a:fontRef idx="minor">
+            <a:schemeClr val="tx1"/>
+          </a:fontRef>
+        </p:style>
+      </p:cxnSp>
+      <p:cxnSp>
+        <p:nvCxnSpPr>
+          <p:cNvPr id="104" name="Straight Connector 103"/>
+          <p:cNvCxnSpPr/>
+          <p:nvPr/>
+        </p:nvCxnSpPr>
+        <p:spPr>
+          <a:xfrm flipH="1">
+            <a:off x="3505410" y="2211158"/>
+            <a:ext cx="1733562" cy="0"/>
+          </a:xfrm>
+          <a:prstGeom prst="line">
+            <a:avLst/>
+          </a:prstGeom>
+        </p:spPr>
+        <p:style>
+          <a:lnRef idx="1">
+            <a:schemeClr val="dk1"/>
+          </a:lnRef>
+          <a:fillRef idx="0">
+            <a:schemeClr val="dk1"/>
+          </a:fillRef>
+          <a:effectRef idx="0">
+            <a:schemeClr val="dk1"/>
+          </a:effectRef>
+          <a:fontRef idx="minor">
+            <a:schemeClr val="tx1"/>
+          </a:fontRef>
+        </p:style>
+      </p:cxnSp>
+      <p:cxnSp>
+        <p:nvCxnSpPr>
+          <p:cNvPr id="106" name="Straight Connector 105"/>
+          <p:cNvCxnSpPr>
+            <a:endCxn id="11" idx="3"/>
+          </p:cNvCxnSpPr>
+          <p:nvPr/>
+        </p:nvCxnSpPr>
+        <p:spPr>
+          <a:xfrm flipH="1">
+            <a:off x="3136099" y="1093151"/>
+            <a:ext cx="2102873" cy="0"/>
+          </a:xfrm>
+          <a:prstGeom prst="line">
+            <a:avLst/>
+          </a:prstGeom>
+        </p:spPr>
+        <p:style>
+          <a:lnRef idx="1">
+            <a:schemeClr val="dk1"/>
+          </a:lnRef>
+          <a:fillRef idx="0">
+            <a:schemeClr val="dk1"/>
+          </a:fillRef>
+          <a:effectRef idx="0">
+            <a:schemeClr val="dk1"/>
+          </a:effectRef>
+          <a:fontRef idx="minor">
+            <a:schemeClr val="tx1"/>
+          </a:fontRef>
+        </p:style>
+      </p:cxnSp>
+      <p:cxnSp>
+        <p:nvCxnSpPr>
+          <p:cNvPr id="109" name="Straight Connector 108"/>
+          <p:cNvCxnSpPr>
+            <a:endCxn id="5" idx="3"/>
+          </p:cNvCxnSpPr>
+          <p:nvPr/>
+        </p:nvCxnSpPr>
+        <p:spPr>
+          <a:xfrm flipH="1">
+            <a:off x="6083110" y="2596323"/>
+            <a:ext cx="713900" cy="771"/>
+          </a:xfrm>
+          <a:prstGeom prst="line">
+            <a:avLst/>
+          </a:prstGeom>
+        </p:spPr>
+        <p:style>
+          <a:lnRef idx="1">
+            <a:schemeClr val="dk1"/>
+          </a:lnRef>
+          <a:fillRef idx="0">
+            <a:schemeClr val="dk1"/>
+          </a:fillRef>
+          <a:effectRef idx="0">
+            <a:schemeClr val="dk1"/>
+          </a:effectRef>
+          <a:fontRef idx="minor">
+            <a:schemeClr val="tx1"/>
+          </a:fontRef>
+        </p:style>
+      </p:cxnSp>
+      <p:cxnSp>
+        <p:nvCxnSpPr>
+          <p:cNvPr id="112" name="Straight Connector 111"/>
+          <p:cNvCxnSpPr/>
+          <p:nvPr/>
+        </p:nvCxnSpPr>
+        <p:spPr>
+          <a:xfrm flipH="1" flipV="1">
+            <a:off x="5238972" y="3044490"/>
+            <a:ext cx="1560541" cy="376"/>
+          </a:xfrm>
+          <a:prstGeom prst="line">
+            <a:avLst/>
+          </a:prstGeom>
+        </p:spPr>
+        <p:style>
+          <a:lnRef idx="1">
+            <a:schemeClr val="dk1"/>
+          </a:lnRef>
+          <a:fillRef idx="0">
+            <a:schemeClr val="dk1"/>
+          </a:fillRef>
+          <a:effectRef idx="0">
+            <a:schemeClr val="dk1"/>
+          </a:effectRef>
+          <a:fontRef idx="minor">
+            <a:schemeClr val="tx1"/>
+          </a:fontRef>
+        </p:style>
+      </p:cxnSp>
+      <p:cxnSp>
+        <p:nvCxnSpPr>
+          <p:cNvPr id="114" name="Straight Connector 113"/>
+          <p:cNvCxnSpPr>
+            <a:endCxn id="49" idx="3"/>
+          </p:cNvCxnSpPr>
+          <p:nvPr/>
+        </p:nvCxnSpPr>
+        <p:spPr>
+          <a:xfrm flipH="1">
+            <a:off x="3931478" y="3543950"/>
+            <a:ext cx="1307494" cy="0"/>
+          </a:xfrm>
+          <a:prstGeom prst="line">
+            <a:avLst/>
+          </a:prstGeom>
+        </p:spPr>
+        <p:style>
+          <a:lnRef idx="1">
+            <a:schemeClr val="dk1"/>
+          </a:lnRef>
+          <a:fillRef idx="0">
+            <a:schemeClr val="dk1"/>
+          </a:fillRef>
+          <a:effectRef idx="0">
+            <a:schemeClr val="dk1"/>
+          </a:effectRef>
+          <a:fontRef idx="minor">
+            <a:schemeClr val="tx1"/>
+          </a:fontRef>
+        </p:style>
+      </p:cxnSp>
+      <p:cxnSp>
+        <p:nvCxnSpPr>
+          <p:cNvPr id="120" name="Straight Connector 119"/>
+          <p:cNvCxnSpPr>
+            <a:endCxn id="6" idx="3"/>
+          </p:cNvCxnSpPr>
+          <p:nvPr/>
+        </p:nvCxnSpPr>
+        <p:spPr>
+          <a:xfrm flipH="1">
+            <a:off x="6083110" y="4106006"/>
+            <a:ext cx="597533" cy="1"/>
+          </a:xfrm>
+          <a:prstGeom prst="line">
+            <a:avLst/>
+          </a:prstGeom>
+        </p:spPr>
+        <p:style>
+          <a:lnRef idx="1">
+            <a:schemeClr val="dk1"/>
+          </a:lnRef>
+          <a:fillRef idx="0">
+            <a:schemeClr val="dk1"/>
+          </a:fillRef>
+          <a:effectRef idx="0">
+            <a:schemeClr val="dk1"/>
+          </a:effectRef>
+          <a:fontRef idx="minor">
+            <a:schemeClr val="tx1"/>
+          </a:fontRef>
+        </p:style>
+      </p:cxnSp>
+      <p:cxnSp>
+        <p:nvCxnSpPr>
+          <p:cNvPr id="123" name="Straight Connector 122"/>
+          <p:cNvCxnSpPr/>
+          <p:nvPr/>
+        </p:nvCxnSpPr>
+        <p:spPr>
+          <a:xfrm flipH="1" flipV="1">
+            <a:off x="5234545" y="4645610"/>
+            <a:ext cx="1443338" cy="5088"/>
+          </a:xfrm>
+          <a:prstGeom prst="line">
+            <a:avLst/>
+          </a:prstGeom>
+        </p:spPr>
+        <p:style>
+          <a:lnRef idx="1">
+            <a:schemeClr val="dk1"/>
+          </a:lnRef>
+          <a:fillRef idx="0">
+            <a:schemeClr val="dk1"/>
+          </a:fillRef>
+          <a:effectRef idx="0">
+            <a:schemeClr val="dk1"/>
+          </a:effectRef>
+          <a:fontRef idx="minor">
+            <a:schemeClr val="tx1"/>
+          </a:fontRef>
+        </p:style>
+      </p:cxnSp>
+      <p:cxnSp>
+        <p:nvCxnSpPr>
+          <p:cNvPr id="125" name="Straight Connector 124"/>
+          <p:cNvCxnSpPr>
+            <a:endCxn id="71" idx="3"/>
+          </p:cNvCxnSpPr>
+          <p:nvPr/>
+        </p:nvCxnSpPr>
+        <p:spPr>
+          <a:xfrm flipH="1">
+            <a:off x="3957396" y="5319574"/>
+            <a:ext cx="1281576" cy="1"/>
+          </a:xfrm>
+          <a:prstGeom prst="line">
+            <a:avLst/>
+          </a:prstGeom>
+        </p:spPr>
+        <p:style>
+          <a:lnRef idx="1">
+            <a:schemeClr val="dk1"/>
+          </a:lnRef>
+          <a:fillRef idx="0">
+            <a:schemeClr val="dk1"/>
+          </a:fillRef>
+          <a:effectRef idx="0">
+            <a:schemeClr val="dk1"/>
+          </a:effectRef>
+          <a:fontRef idx="minor">
+            <a:schemeClr val="tx1"/>
+          </a:fontRef>
+        </p:style>
+      </p:cxnSp>
+      <p:cxnSp>
+        <p:nvCxnSpPr>
+          <p:cNvPr id="128" name="Straight Connector 127"/>
+          <p:cNvCxnSpPr>
+            <a:stCxn id="58" idx="1"/>
+            <a:endCxn id="7" idx="3"/>
+          </p:cNvCxnSpPr>
+          <p:nvPr/>
+        </p:nvCxnSpPr>
+        <p:spPr>
+          <a:xfrm flipH="1">
+            <a:off x="6084521" y="6025357"/>
+            <a:ext cx="2197948" cy="932"/>
+          </a:xfrm>
+          <a:prstGeom prst="line">
+            <a:avLst/>
+          </a:prstGeom>
+        </p:spPr>
+        <p:style>
+          <a:lnRef idx="1">
+            <a:schemeClr val="dk1"/>
+          </a:lnRef>
+          <a:fillRef idx="0">
+            <a:schemeClr val="dk1"/>
+          </a:fillRef>
+          <a:effectRef idx="0">
+            <a:schemeClr val="dk1"/>
+          </a:effectRef>
+          <a:fontRef idx="minor">
+            <a:schemeClr val="tx1"/>
+          </a:fontRef>
+        </p:style>
+      </p:cxnSp>
+    </p:spTree>
+    <p:extLst>
+      <p:ext uri="{BB962C8B-B14F-4D97-AF65-F5344CB8AC3E}">
+        <p14:creationId xmlns:p14="http://schemas.microsoft.com/office/powerpoint/2010/main" val="3400702790"/>
+      </p:ext>
+    </p:extLst>
+  </p:cSld>
+  <p:clrMapOvr>
+    <a:masterClrMapping/>
+  </p:clrMapOvr>
+  <p:timing>
+    <p:tnLst>
+      <p:par>
+        <p:cTn id="1" dur="indefinite" restart="never" nodeType="tmRoot"/>
+      </p:par>
+    </p:tnLst>
+  </p:timing>
+</p:sld>
+</file>
+
 <file path=ppt/theme/theme1.xml><?xml version="1.0" encoding="utf-8"?>
 <a:theme xmlns:a="http://schemas.openxmlformats.org/drawingml/2006/main" name="Office Theme">
   <a:themeElements>

--- a/READMEfigs/READMEfigs.pptx
+++ b/READMEfigs/READMEfigs.pptx
@@ -3396,7 +3396,7 @@
           <a:p>
             <a:pPr algn="ctr"/>
             <a:r>
-              <a:rPr lang="en-US" dirty="0" err="1" smtClean="0">
+              <a:rPr lang="en-US" dirty="0" smtClean="0">
                 <a:solidFill>
                   <a:schemeClr val="tx1"/>
                 </a:solidFill>
@@ -3454,7 +3454,7 @@
           <a:p>
             <a:pPr algn="ctr"/>
             <a:r>
-              <a:rPr lang="en-US" dirty="0" err="1" smtClean="0">
+              <a:rPr lang="en-US" dirty="0" smtClean="0">
                 <a:solidFill>
                   <a:schemeClr val="tx1"/>
                 </a:solidFill>
@@ -3570,7 +3570,7 @@
           <a:p>
             <a:pPr algn="ctr"/>
             <a:r>
-              <a:rPr lang="en-US" dirty="0" err="1" smtClean="0">
+              <a:rPr lang="en-US" dirty="0" smtClean="0">
                 <a:solidFill>
                   <a:schemeClr val="tx1"/>
                 </a:solidFill>

--- a/READMEfigs/READMEfigs.pptx
+++ b/READMEfigs/READMEfigs.pptx
@@ -5675,36 +5675,6 @@
       </p:cxnSp>
       <p:cxnSp>
         <p:nvCxnSpPr>
-          <p:cNvPr id="112" name="Straight Connector 111"/>
-          <p:cNvCxnSpPr/>
-          <p:nvPr/>
-        </p:nvCxnSpPr>
-        <p:spPr>
-          <a:xfrm flipH="1" flipV="1">
-            <a:off x="5238972" y="3044490"/>
-            <a:ext cx="1560541" cy="376"/>
-          </a:xfrm>
-          <a:prstGeom prst="line">
-            <a:avLst/>
-          </a:prstGeom>
-        </p:spPr>
-        <p:style>
-          <a:lnRef idx="1">
-            <a:schemeClr val="dk1"/>
-          </a:lnRef>
-          <a:fillRef idx="0">
-            <a:schemeClr val="dk1"/>
-          </a:fillRef>
-          <a:effectRef idx="0">
-            <a:schemeClr val="dk1"/>
-          </a:effectRef>
-          <a:fontRef idx="minor">
-            <a:schemeClr val="tx1"/>
-          </a:fontRef>
-        </p:style>
-      </p:cxnSp>
-      <p:cxnSp>
-        <p:nvCxnSpPr>
           <p:cNvPr id="114" name="Straight Connector 113"/>
           <p:cNvCxnSpPr>
             <a:endCxn id="49" idx="3"/>

--- a/READMEfigs/READMEfigs.pptx
+++ b/READMEfigs/READMEfigs.pptx
@@ -4,11 +4,16 @@
   <p:sldMasterIdLst>
     <p:sldMasterId id="2147483648" r:id="rId1"/>
   </p:sldMasterIdLst>
+  <p:notesMasterIdLst>
+    <p:notesMasterId r:id="rId8"/>
+  </p:notesMasterIdLst>
   <p:sldIdLst>
-    <p:sldId id="256" r:id="rId2"/>
-    <p:sldId id="257" r:id="rId3"/>
-    <p:sldId id="259" r:id="rId4"/>
-    <p:sldId id="258" r:id="rId5"/>
+    <p:sldId id="260" r:id="rId2"/>
+    <p:sldId id="259" r:id="rId3"/>
+    <p:sldId id="262" r:id="rId4"/>
+    <p:sldId id="263" r:id="rId5"/>
+    <p:sldId id="264" r:id="rId6"/>
+    <p:sldId id="266" r:id="rId7"/>
   </p:sldIdLst>
   <p:sldSz cx="12192000" cy="6858000"/>
   <p:notesSz cx="6858000" cy="9144000"/>
@@ -115,6 +120,620 @@
 </p:presentation>
 </file>
 
+<file path=ppt/notesMasters/notesMaster1.xml><?xml version="1.0" encoding="utf-8"?>
+<p:notesMaster xmlns:a="http://schemas.openxmlformats.org/drawingml/2006/main" xmlns:r="http://schemas.openxmlformats.org/officeDocument/2006/relationships" xmlns:p="http://schemas.openxmlformats.org/presentationml/2006/main">
+  <p:cSld>
+    <p:bg>
+      <p:bgRef idx="1001">
+        <a:schemeClr val="bg1"/>
+      </p:bgRef>
+    </p:bg>
+    <p:spTree>
+      <p:nvGrpSpPr>
+        <p:cNvPr id="1" name=""/>
+        <p:cNvGrpSpPr/>
+        <p:nvPr/>
+      </p:nvGrpSpPr>
+      <p:grpSpPr>
+        <a:xfrm>
+          <a:off x="0" y="0"/>
+          <a:ext cx="0" cy="0"/>
+          <a:chOff x="0" y="0"/>
+          <a:chExt cx="0" cy="0"/>
+        </a:xfrm>
+      </p:grpSpPr>
+      <p:sp>
+        <p:nvSpPr>
+          <p:cNvPr id="2" name="Header Placeholder 1"/>
+          <p:cNvSpPr>
+            <a:spLocks noGrp="1"/>
+          </p:cNvSpPr>
+          <p:nvPr>
+            <p:ph type="hdr" sz="quarter"/>
+          </p:nvPr>
+        </p:nvSpPr>
+        <p:spPr>
+          <a:xfrm>
+            <a:off x="0" y="0"/>
+            <a:ext cx="2971800" cy="458788"/>
+          </a:xfrm>
+          <a:prstGeom prst="rect">
+            <a:avLst/>
+          </a:prstGeom>
+        </p:spPr>
+        <p:txBody>
+          <a:bodyPr vert="horz" lIns="91440" tIns="45720" rIns="91440" bIns="45720" rtlCol="0"/>
+          <a:lstStyle>
+            <a:lvl1pPr algn="l">
+              <a:defRPr sz="1200"/>
+            </a:lvl1pPr>
+          </a:lstStyle>
+          <a:p>
+            <a:endParaRPr lang="en-US"/>
+          </a:p>
+        </p:txBody>
+      </p:sp>
+      <p:sp>
+        <p:nvSpPr>
+          <p:cNvPr id="3" name="Date Placeholder 2"/>
+          <p:cNvSpPr>
+            <a:spLocks noGrp="1"/>
+          </p:cNvSpPr>
+          <p:nvPr>
+            <p:ph type="dt" idx="1"/>
+          </p:nvPr>
+        </p:nvSpPr>
+        <p:spPr>
+          <a:xfrm>
+            <a:off x="3884613" y="0"/>
+            <a:ext cx="2971800" cy="458788"/>
+          </a:xfrm>
+          <a:prstGeom prst="rect">
+            <a:avLst/>
+          </a:prstGeom>
+        </p:spPr>
+        <p:txBody>
+          <a:bodyPr vert="horz" lIns="91440" tIns="45720" rIns="91440" bIns="45720" rtlCol="0"/>
+          <a:lstStyle>
+            <a:lvl1pPr algn="r">
+              <a:defRPr sz="1200"/>
+            </a:lvl1pPr>
+          </a:lstStyle>
+          <a:p>
+            <a:fld id="{921607FB-4AF3-41D9-93C1-AF2B65302971}" type="datetimeFigureOut">
+              <a:rPr lang="en-US" smtClean="0"/>
+              <a:t>11/16/2018</a:t>
+            </a:fld>
+            <a:endParaRPr lang="en-US"/>
+          </a:p>
+        </p:txBody>
+      </p:sp>
+      <p:sp>
+        <p:nvSpPr>
+          <p:cNvPr id="4" name="Slide Image Placeholder 3"/>
+          <p:cNvSpPr>
+            <a:spLocks noGrp="1" noRot="1" noChangeAspect="1"/>
+          </p:cNvSpPr>
+          <p:nvPr>
+            <p:ph type="sldImg" idx="2"/>
+          </p:nvPr>
+        </p:nvSpPr>
+        <p:spPr>
+          <a:xfrm>
+            <a:off x="685800" y="1143000"/>
+            <a:ext cx="5486400" cy="3086100"/>
+          </a:xfrm>
+          <a:prstGeom prst="rect">
+            <a:avLst/>
+          </a:prstGeom>
+          <a:noFill/>
+          <a:ln w="12700">
+            <a:solidFill>
+              <a:prstClr val="black"/>
+            </a:solidFill>
+          </a:ln>
+        </p:spPr>
+        <p:txBody>
+          <a:bodyPr vert="horz" lIns="91440" tIns="45720" rIns="91440" bIns="45720" rtlCol="0" anchor="ctr"/>
+          <a:lstStyle/>
+          <a:p>
+            <a:endParaRPr lang="en-US"/>
+          </a:p>
+        </p:txBody>
+      </p:sp>
+      <p:sp>
+        <p:nvSpPr>
+          <p:cNvPr id="5" name="Notes Placeholder 4"/>
+          <p:cNvSpPr>
+            <a:spLocks noGrp="1"/>
+          </p:cNvSpPr>
+          <p:nvPr>
+            <p:ph type="body" sz="quarter" idx="3"/>
+          </p:nvPr>
+        </p:nvSpPr>
+        <p:spPr>
+          <a:xfrm>
+            <a:off x="685800" y="4400550"/>
+            <a:ext cx="5486400" cy="3600450"/>
+          </a:xfrm>
+          <a:prstGeom prst="rect">
+            <a:avLst/>
+          </a:prstGeom>
+        </p:spPr>
+        <p:txBody>
+          <a:bodyPr vert="horz" lIns="91440" tIns="45720" rIns="91440" bIns="45720" rtlCol="0"/>
+          <a:lstStyle/>
+          <a:p>
+            <a:pPr lvl="0"/>
+            <a:r>
+              <a:rPr lang="en-US" smtClean="0"/>
+              <a:t>Click to edit Master text styles</a:t>
+            </a:r>
+          </a:p>
+          <a:p>
+            <a:pPr lvl="1"/>
+            <a:r>
+              <a:rPr lang="en-US" smtClean="0"/>
+              <a:t>Second level</a:t>
+            </a:r>
+          </a:p>
+          <a:p>
+            <a:pPr lvl="2"/>
+            <a:r>
+              <a:rPr lang="en-US" smtClean="0"/>
+              <a:t>Third level</a:t>
+            </a:r>
+          </a:p>
+          <a:p>
+            <a:pPr lvl="3"/>
+            <a:r>
+              <a:rPr lang="en-US" smtClean="0"/>
+              <a:t>Fourth level</a:t>
+            </a:r>
+          </a:p>
+          <a:p>
+            <a:pPr lvl="4"/>
+            <a:r>
+              <a:rPr lang="en-US" smtClean="0"/>
+              <a:t>Fifth level</a:t>
+            </a:r>
+            <a:endParaRPr lang="en-US"/>
+          </a:p>
+        </p:txBody>
+      </p:sp>
+      <p:sp>
+        <p:nvSpPr>
+          <p:cNvPr id="6" name="Footer Placeholder 5"/>
+          <p:cNvSpPr>
+            <a:spLocks noGrp="1"/>
+          </p:cNvSpPr>
+          <p:nvPr>
+            <p:ph type="ftr" sz="quarter" idx="4"/>
+          </p:nvPr>
+        </p:nvSpPr>
+        <p:spPr>
+          <a:xfrm>
+            <a:off x="0" y="8685213"/>
+            <a:ext cx="2971800" cy="458787"/>
+          </a:xfrm>
+          <a:prstGeom prst="rect">
+            <a:avLst/>
+          </a:prstGeom>
+        </p:spPr>
+        <p:txBody>
+          <a:bodyPr vert="horz" lIns="91440" tIns="45720" rIns="91440" bIns="45720" rtlCol="0" anchor="b"/>
+          <a:lstStyle>
+            <a:lvl1pPr algn="l">
+              <a:defRPr sz="1200"/>
+            </a:lvl1pPr>
+          </a:lstStyle>
+          <a:p>
+            <a:endParaRPr lang="en-US"/>
+          </a:p>
+        </p:txBody>
+      </p:sp>
+      <p:sp>
+        <p:nvSpPr>
+          <p:cNvPr id="7" name="Slide Number Placeholder 6"/>
+          <p:cNvSpPr>
+            <a:spLocks noGrp="1"/>
+          </p:cNvSpPr>
+          <p:nvPr>
+            <p:ph type="sldNum" sz="quarter" idx="5"/>
+          </p:nvPr>
+        </p:nvSpPr>
+        <p:spPr>
+          <a:xfrm>
+            <a:off x="3884613" y="8685213"/>
+            <a:ext cx="2971800" cy="458787"/>
+          </a:xfrm>
+          <a:prstGeom prst="rect">
+            <a:avLst/>
+          </a:prstGeom>
+        </p:spPr>
+        <p:txBody>
+          <a:bodyPr vert="horz" lIns="91440" tIns="45720" rIns="91440" bIns="45720" rtlCol="0" anchor="b"/>
+          <a:lstStyle>
+            <a:lvl1pPr algn="r">
+              <a:defRPr sz="1200"/>
+            </a:lvl1pPr>
+          </a:lstStyle>
+          <a:p>
+            <a:fld id="{E8664A05-9D98-47C5-97FE-2EB410531E0A}" type="slidenum">
+              <a:rPr lang="en-US" smtClean="0"/>
+              <a:t>‹#›</a:t>
+            </a:fld>
+            <a:endParaRPr lang="en-US"/>
+          </a:p>
+        </p:txBody>
+      </p:sp>
+    </p:spTree>
+    <p:extLst>
+      <p:ext uri="{BB962C8B-B14F-4D97-AF65-F5344CB8AC3E}">
+        <p14:creationId xmlns:p14="http://schemas.microsoft.com/office/powerpoint/2010/main" val="2429982520"/>
+      </p:ext>
+    </p:extLst>
+  </p:cSld>
+  <p:clrMap bg1="lt1" tx1="dk1" bg2="lt2" tx2="dk2" accent1="accent1" accent2="accent2" accent3="accent3" accent4="accent4" accent5="accent5" accent6="accent6" hlink="hlink" folHlink="folHlink"/>
+  <p:notesStyle>
+    <a:lvl1pPr marL="0" algn="l" defTabSz="914400" rtl="0" eaLnBrk="1" latinLnBrk="0" hangingPunct="1">
+      <a:defRPr sz="1200" kern="1200">
+        <a:solidFill>
+          <a:schemeClr val="tx1"/>
+        </a:solidFill>
+        <a:latin typeface="+mn-lt"/>
+        <a:ea typeface="+mn-ea"/>
+        <a:cs typeface="+mn-cs"/>
+      </a:defRPr>
+    </a:lvl1pPr>
+    <a:lvl2pPr marL="457200" algn="l" defTabSz="914400" rtl="0" eaLnBrk="1" latinLnBrk="0" hangingPunct="1">
+      <a:defRPr sz="1200" kern="1200">
+        <a:solidFill>
+          <a:schemeClr val="tx1"/>
+        </a:solidFill>
+        <a:latin typeface="+mn-lt"/>
+        <a:ea typeface="+mn-ea"/>
+        <a:cs typeface="+mn-cs"/>
+      </a:defRPr>
+    </a:lvl2pPr>
+    <a:lvl3pPr marL="914400" algn="l" defTabSz="914400" rtl="0" eaLnBrk="1" latinLnBrk="0" hangingPunct="1">
+      <a:defRPr sz="1200" kern="1200">
+        <a:solidFill>
+          <a:schemeClr val="tx1"/>
+        </a:solidFill>
+        <a:latin typeface="+mn-lt"/>
+        <a:ea typeface="+mn-ea"/>
+        <a:cs typeface="+mn-cs"/>
+      </a:defRPr>
+    </a:lvl3pPr>
+    <a:lvl4pPr marL="1371600" algn="l" defTabSz="914400" rtl="0" eaLnBrk="1" latinLnBrk="0" hangingPunct="1">
+      <a:defRPr sz="1200" kern="1200">
+        <a:solidFill>
+          <a:schemeClr val="tx1"/>
+        </a:solidFill>
+        <a:latin typeface="+mn-lt"/>
+        <a:ea typeface="+mn-ea"/>
+        <a:cs typeface="+mn-cs"/>
+      </a:defRPr>
+    </a:lvl4pPr>
+    <a:lvl5pPr marL="1828800" algn="l" defTabSz="914400" rtl="0" eaLnBrk="1" latinLnBrk="0" hangingPunct="1">
+      <a:defRPr sz="1200" kern="1200">
+        <a:solidFill>
+          <a:schemeClr val="tx1"/>
+        </a:solidFill>
+        <a:latin typeface="+mn-lt"/>
+        <a:ea typeface="+mn-ea"/>
+        <a:cs typeface="+mn-cs"/>
+      </a:defRPr>
+    </a:lvl5pPr>
+    <a:lvl6pPr marL="2286000" algn="l" defTabSz="914400" rtl="0" eaLnBrk="1" latinLnBrk="0" hangingPunct="1">
+      <a:defRPr sz="1200" kern="1200">
+        <a:solidFill>
+          <a:schemeClr val="tx1"/>
+        </a:solidFill>
+        <a:latin typeface="+mn-lt"/>
+        <a:ea typeface="+mn-ea"/>
+        <a:cs typeface="+mn-cs"/>
+      </a:defRPr>
+    </a:lvl6pPr>
+    <a:lvl7pPr marL="2743200" algn="l" defTabSz="914400" rtl="0" eaLnBrk="1" latinLnBrk="0" hangingPunct="1">
+      <a:defRPr sz="1200" kern="1200">
+        <a:solidFill>
+          <a:schemeClr val="tx1"/>
+        </a:solidFill>
+        <a:latin typeface="+mn-lt"/>
+        <a:ea typeface="+mn-ea"/>
+        <a:cs typeface="+mn-cs"/>
+      </a:defRPr>
+    </a:lvl7pPr>
+    <a:lvl8pPr marL="3200400" algn="l" defTabSz="914400" rtl="0" eaLnBrk="1" latinLnBrk="0" hangingPunct="1">
+      <a:defRPr sz="1200" kern="1200">
+        <a:solidFill>
+          <a:schemeClr val="tx1"/>
+        </a:solidFill>
+        <a:latin typeface="+mn-lt"/>
+        <a:ea typeface="+mn-ea"/>
+        <a:cs typeface="+mn-cs"/>
+      </a:defRPr>
+    </a:lvl8pPr>
+    <a:lvl9pPr marL="3657600" algn="l" defTabSz="914400" rtl="0" eaLnBrk="1" latinLnBrk="0" hangingPunct="1">
+      <a:defRPr sz="1200" kern="1200">
+        <a:solidFill>
+          <a:schemeClr val="tx1"/>
+        </a:solidFill>
+        <a:latin typeface="+mn-lt"/>
+        <a:ea typeface="+mn-ea"/>
+        <a:cs typeface="+mn-cs"/>
+      </a:defRPr>
+    </a:lvl9pPr>
+  </p:notesStyle>
+</p:notesMaster>
+</file>
+
+<file path=ppt/notesSlides/notesSlide1.xml><?xml version="1.0" encoding="utf-8"?>
+<p:notes xmlns:a="http://schemas.openxmlformats.org/drawingml/2006/main" xmlns:r="http://schemas.openxmlformats.org/officeDocument/2006/relationships" xmlns:p="http://schemas.openxmlformats.org/presentationml/2006/main">
+  <p:cSld>
+    <p:spTree>
+      <p:nvGrpSpPr>
+        <p:cNvPr id="1" name=""/>
+        <p:cNvGrpSpPr/>
+        <p:nvPr/>
+      </p:nvGrpSpPr>
+      <p:grpSpPr>
+        <a:xfrm>
+          <a:off x="0" y="0"/>
+          <a:ext cx="0" cy="0"/>
+          <a:chOff x="0" y="0"/>
+          <a:chExt cx="0" cy="0"/>
+        </a:xfrm>
+      </p:grpSpPr>
+      <p:sp>
+        <p:nvSpPr>
+          <p:cNvPr id="2" name="Slide Image Placeholder 1"/>
+          <p:cNvSpPr>
+            <a:spLocks noGrp="1" noRot="1" noChangeAspect="1"/>
+          </p:cNvSpPr>
+          <p:nvPr>
+            <p:ph type="sldImg"/>
+          </p:nvPr>
+        </p:nvSpPr>
+        <p:spPr/>
+      </p:sp>
+      <p:sp>
+        <p:nvSpPr>
+          <p:cNvPr id="3" name="Notes Placeholder 2"/>
+          <p:cNvSpPr>
+            <a:spLocks noGrp="1"/>
+          </p:cNvSpPr>
+          <p:nvPr>
+            <p:ph type="body" idx="1"/>
+          </p:nvPr>
+        </p:nvSpPr>
+        <p:spPr/>
+        <p:txBody>
+          <a:bodyPr/>
+          <a:lstStyle/>
+          <a:p>
+            <a:r>
+              <a:rPr lang="en-US" dirty="0" smtClean="0"/>
+              <a:t>Installation Guide</a:t>
+            </a:r>
+            <a:endParaRPr lang="en-US" dirty="0"/>
+          </a:p>
+        </p:txBody>
+      </p:sp>
+      <p:sp>
+        <p:nvSpPr>
+          <p:cNvPr id="4" name="Slide Number Placeholder 3"/>
+          <p:cNvSpPr>
+            <a:spLocks noGrp="1"/>
+          </p:cNvSpPr>
+          <p:nvPr>
+            <p:ph type="sldNum" sz="quarter" idx="10"/>
+          </p:nvPr>
+        </p:nvSpPr>
+        <p:spPr/>
+        <p:txBody>
+          <a:bodyPr/>
+          <a:lstStyle/>
+          <a:p>
+            <a:fld id="{E8664A05-9D98-47C5-97FE-2EB410531E0A}" type="slidenum">
+              <a:rPr lang="en-US" smtClean="0"/>
+              <a:t>4</a:t>
+            </a:fld>
+            <a:endParaRPr lang="en-US"/>
+          </a:p>
+        </p:txBody>
+      </p:sp>
+    </p:spTree>
+    <p:extLst>
+      <p:ext uri="{BB962C8B-B14F-4D97-AF65-F5344CB8AC3E}">
+        <p14:creationId xmlns:p14="http://schemas.microsoft.com/office/powerpoint/2010/main" val="1074523546"/>
+      </p:ext>
+    </p:extLst>
+  </p:cSld>
+  <p:clrMapOvr>
+    <a:masterClrMapping/>
+  </p:clrMapOvr>
+</p:notes>
+</file>
+
+<file path=ppt/notesSlides/notesSlide2.xml><?xml version="1.0" encoding="utf-8"?>
+<p:notes xmlns:a="http://schemas.openxmlformats.org/drawingml/2006/main" xmlns:r="http://schemas.openxmlformats.org/officeDocument/2006/relationships" xmlns:p="http://schemas.openxmlformats.org/presentationml/2006/main">
+  <p:cSld>
+    <p:spTree>
+      <p:nvGrpSpPr>
+        <p:cNvPr id="1" name=""/>
+        <p:cNvGrpSpPr/>
+        <p:nvPr/>
+      </p:nvGrpSpPr>
+      <p:grpSpPr>
+        <a:xfrm>
+          <a:off x="0" y="0"/>
+          <a:ext cx="0" cy="0"/>
+          <a:chOff x="0" y="0"/>
+          <a:chExt cx="0" cy="0"/>
+        </a:xfrm>
+      </p:grpSpPr>
+      <p:sp>
+        <p:nvSpPr>
+          <p:cNvPr id="2" name="Slide Image Placeholder 1"/>
+          <p:cNvSpPr>
+            <a:spLocks noGrp="1" noRot="1" noChangeAspect="1"/>
+          </p:cNvSpPr>
+          <p:nvPr>
+            <p:ph type="sldImg"/>
+          </p:nvPr>
+        </p:nvSpPr>
+        <p:spPr/>
+      </p:sp>
+      <p:sp>
+        <p:nvSpPr>
+          <p:cNvPr id="3" name="Notes Placeholder 2"/>
+          <p:cNvSpPr>
+            <a:spLocks noGrp="1"/>
+          </p:cNvSpPr>
+          <p:nvPr>
+            <p:ph type="body" idx="1"/>
+          </p:nvPr>
+        </p:nvSpPr>
+        <p:spPr/>
+        <p:txBody>
+          <a:bodyPr/>
+          <a:lstStyle/>
+          <a:p>
+            <a:r>
+              <a:rPr lang="en-US" dirty="0" smtClean="0"/>
+              <a:t>Installation Guide</a:t>
+            </a:r>
+            <a:endParaRPr lang="en-US" dirty="0"/>
+          </a:p>
+        </p:txBody>
+      </p:sp>
+      <p:sp>
+        <p:nvSpPr>
+          <p:cNvPr id="4" name="Slide Number Placeholder 3"/>
+          <p:cNvSpPr>
+            <a:spLocks noGrp="1"/>
+          </p:cNvSpPr>
+          <p:nvPr>
+            <p:ph type="sldNum" sz="quarter" idx="10"/>
+          </p:nvPr>
+        </p:nvSpPr>
+        <p:spPr/>
+        <p:txBody>
+          <a:bodyPr/>
+          <a:lstStyle/>
+          <a:p>
+            <a:fld id="{E8664A05-9D98-47C5-97FE-2EB410531E0A}" type="slidenum">
+              <a:rPr lang="en-US" smtClean="0"/>
+              <a:t>5</a:t>
+            </a:fld>
+            <a:endParaRPr lang="en-US"/>
+          </a:p>
+        </p:txBody>
+      </p:sp>
+    </p:spTree>
+    <p:extLst>
+      <p:ext uri="{BB962C8B-B14F-4D97-AF65-F5344CB8AC3E}">
+        <p14:creationId xmlns:p14="http://schemas.microsoft.com/office/powerpoint/2010/main" val="3626372777"/>
+      </p:ext>
+    </p:extLst>
+  </p:cSld>
+  <p:clrMapOvr>
+    <a:masterClrMapping/>
+  </p:clrMapOvr>
+</p:notes>
+</file>
+
+<file path=ppt/notesSlides/notesSlide3.xml><?xml version="1.0" encoding="utf-8"?>
+<p:notes xmlns:a="http://schemas.openxmlformats.org/drawingml/2006/main" xmlns:r="http://schemas.openxmlformats.org/officeDocument/2006/relationships" xmlns:p="http://schemas.openxmlformats.org/presentationml/2006/main">
+  <p:cSld>
+    <p:spTree>
+      <p:nvGrpSpPr>
+        <p:cNvPr id="1" name=""/>
+        <p:cNvGrpSpPr/>
+        <p:nvPr/>
+      </p:nvGrpSpPr>
+      <p:grpSpPr>
+        <a:xfrm>
+          <a:off x="0" y="0"/>
+          <a:ext cx="0" cy="0"/>
+          <a:chOff x="0" y="0"/>
+          <a:chExt cx="0" cy="0"/>
+        </a:xfrm>
+      </p:grpSpPr>
+      <p:sp>
+        <p:nvSpPr>
+          <p:cNvPr id="2" name="Slide Image Placeholder 1"/>
+          <p:cNvSpPr>
+            <a:spLocks noGrp="1" noRot="1" noChangeAspect="1"/>
+          </p:cNvSpPr>
+          <p:nvPr>
+            <p:ph type="sldImg"/>
+          </p:nvPr>
+        </p:nvSpPr>
+        <p:spPr/>
+      </p:sp>
+      <p:sp>
+        <p:nvSpPr>
+          <p:cNvPr id="3" name="Notes Placeholder 2"/>
+          <p:cNvSpPr>
+            <a:spLocks noGrp="1"/>
+          </p:cNvSpPr>
+          <p:nvPr>
+            <p:ph type="body" idx="1"/>
+          </p:nvPr>
+        </p:nvSpPr>
+        <p:spPr/>
+        <p:txBody>
+          <a:bodyPr/>
+          <a:lstStyle/>
+          <a:p>
+            <a:r>
+              <a:rPr lang="en-US" dirty="0" smtClean="0"/>
+              <a:t>Installation Guide</a:t>
+            </a:r>
+            <a:endParaRPr lang="en-US" dirty="0"/>
+          </a:p>
+        </p:txBody>
+      </p:sp>
+      <p:sp>
+        <p:nvSpPr>
+          <p:cNvPr id="4" name="Slide Number Placeholder 3"/>
+          <p:cNvSpPr>
+            <a:spLocks noGrp="1"/>
+          </p:cNvSpPr>
+          <p:nvPr>
+            <p:ph type="sldNum" sz="quarter" idx="10"/>
+          </p:nvPr>
+        </p:nvSpPr>
+        <p:spPr/>
+        <p:txBody>
+          <a:bodyPr/>
+          <a:lstStyle/>
+          <a:p>
+            <a:fld id="{E8664A05-9D98-47C5-97FE-2EB410531E0A}" type="slidenum">
+              <a:rPr lang="en-US" smtClean="0"/>
+              <a:t>6</a:t>
+            </a:fld>
+            <a:endParaRPr lang="en-US"/>
+          </a:p>
+        </p:txBody>
+      </p:sp>
+    </p:spTree>
+    <p:extLst>
+      <p:ext uri="{BB962C8B-B14F-4D97-AF65-F5344CB8AC3E}">
+        <p14:creationId xmlns:p14="http://schemas.microsoft.com/office/powerpoint/2010/main" val="3194763968"/>
+      </p:ext>
+    </p:extLst>
+  </p:cSld>
+  <p:clrMapOvr>
+    <a:masterClrMapping/>
+  </p:clrMapOvr>
+</p:notes>
+</file>
+
 <file path=ppt/slideLayouts/slideLayout1.xml><?xml version="1.0" encoding="utf-8"?>
 <p:sldLayout xmlns:a="http://schemas.openxmlformats.org/drawingml/2006/main" xmlns:r="http://schemas.openxmlformats.org/officeDocument/2006/relationships" xmlns:p="http://schemas.openxmlformats.org/presentationml/2006/main" type="title" preserve="1">
   <p:cSld name="Title Slide">
@@ -246,7 +865,7 @@
           <a:p>
             <a:fld id="{11D67388-0790-496E-9A12-37055489AF4F}" type="datetimeFigureOut">
               <a:rPr lang="en-US" smtClean="0"/>
-              <a:t>11/1/2018</a:t>
+              <a:t>11/16/2018</a:t>
             </a:fld>
             <a:endParaRPr lang="en-US"/>
           </a:p>
@@ -416,7 +1035,7 @@
           <a:p>
             <a:fld id="{11D67388-0790-496E-9A12-37055489AF4F}" type="datetimeFigureOut">
               <a:rPr lang="en-US" smtClean="0"/>
-              <a:t>11/1/2018</a:t>
+              <a:t>11/16/2018</a:t>
             </a:fld>
             <a:endParaRPr lang="en-US"/>
           </a:p>
@@ -596,7 +1215,7 @@
           <a:p>
             <a:fld id="{11D67388-0790-496E-9A12-37055489AF4F}" type="datetimeFigureOut">
               <a:rPr lang="en-US" smtClean="0"/>
-              <a:t>11/1/2018</a:t>
+              <a:t>11/16/2018</a:t>
             </a:fld>
             <a:endParaRPr lang="en-US"/>
           </a:p>
@@ -766,7 +1385,7 @@
           <a:p>
             <a:fld id="{11D67388-0790-496E-9A12-37055489AF4F}" type="datetimeFigureOut">
               <a:rPr lang="en-US" smtClean="0"/>
-              <a:t>11/1/2018</a:t>
+              <a:t>11/16/2018</a:t>
             </a:fld>
             <a:endParaRPr lang="en-US"/>
           </a:p>
@@ -1012,7 +1631,7 @@
           <a:p>
             <a:fld id="{11D67388-0790-496E-9A12-37055489AF4F}" type="datetimeFigureOut">
               <a:rPr lang="en-US" smtClean="0"/>
-              <a:t>11/1/2018</a:t>
+              <a:t>11/16/2018</a:t>
             </a:fld>
             <a:endParaRPr lang="en-US"/>
           </a:p>
@@ -1244,7 +1863,7 @@
           <a:p>
             <a:fld id="{11D67388-0790-496E-9A12-37055489AF4F}" type="datetimeFigureOut">
               <a:rPr lang="en-US" smtClean="0"/>
-              <a:t>11/1/2018</a:t>
+              <a:t>11/16/2018</a:t>
             </a:fld>
             <a:endParaRPr lang="en-US"/>
           </a:p>
@@ -1611,7 +2230,7 @@
           <a:p>
             <a:fld id="{11D67388-0790-496E-9A12-37055489AF4F}" type="datetimeFigureOut">
               <a:rPr lang="en-US" smtClean="0"/>
-              <a:t>11/1/2018</a:t>
+              <a:t>11/16/2018</a:t>
             </a:fld>
             <a:endParaRPr lang="en-US"/>
           </a:p>
@@ -1729,7 +2348,7 @@
           <a:p>
             <a:fld id="{11D67388-0790-496E-9A12-37055489AF4F}" type="datetimeFigureOut">
               <a:rPr lang="en-US" smtClean="0"/>
-              <a:t>11/1/2018</a:t>
+              <a:t>11/16/2018</a:t>
             </a:fld>
             <a:endParaRPr lang="en-US"/>
           </a:p>
@@ -1824,7 +2443,7 @@
           <a:p>
             <a:fld id="{11D67388-0790-496E-9A12-37055489AF4F}" type="datetimeFigureOut">
               <a:rPr lang="en-US" smtClean="0"/>
-              <a:t>11/1/2018</a:t>
+              <a:t>11/16/2018</a:t>
             </a:fld>
             <a:endParaRPr lang="en-US"/>
           </a:p>
@@ -2101,7 +2720,7 @@
           <a:p>
             <a:fld id="{11D67388-0790-496E-9A12-37055489AF4F}" type="datetimeFigureOut">
               <a:rPr lang="en-US" smtClean="0"/>
-              <a:t>11/1/2018</a:t>
+              <a:t>11/16/2018</a:t>
             </a:fld>
             <a:endParaRPr lang="en-US"/>
           </a:p>
@@ -2354,7 +2973,7 @@
           <a:p>
             <a:fld id="{11D67388-0790-496E-9A12-37055489AF4F}" type="datetimeFigureOut">
               <a:rPr lang="en-US" smtClean="0"/>
-              <a:t>11/1/2018</a:t>
+              <a:t>11/16/2018</a:t>
             </a:fld>
             <a:endParaRPr lang="en-US"/>
           </a:p>
@@ -2567,7 +3186,7 @@
           <a:p>
             <a:fld id="{11D67388-0790-496E-9A12-37055489AF4F}" type="datetimeFigureOut">
               <a:rPr lang="en-US" smtClean="0"/>
-              <a:t>11/1/2018</a:t>
+              <a:t>11/16/2018</a:t>
             </a:fld>
             <a:endParaRPr lang="en-US"/>
           </a:p>
@@ -2972,10 +3591,52 @@
           <a:chExt cx="0" cy="0"/>
         </a:xfrm>
       </p:grpSpPr>
+      <p:sp>
+        <p:nvSpPr>
+          <p:cNvPr id="2" name="Title 1"/>
+          <p:cNvSpPr>
+            <a:spLocks noGrp="1"/>
+          </p:cNvSpPr>
+          <p:nvPr>
+            <p:ph type="title"/>
+          </p:nvPr>
+        </p:nvSpPr>
+        <p:spPr/>
+        <p:txBody>
+          <a:bodyPr/>
+          <a:lstStyle/>
+          <a:p>
+            <a:r>
+              <a:rPr lang="en-US" dirty="0" smtClean="0"/>
+              <a:t>Figures for SRN documentation</a:t>
+            </a:r>
+            <a:endParaRPr lang="en-US" dirty="0"/>
+          </a:p>
+        </p:txBody>
+      </p:sp>
+      <p:sp>
+        <p:nvSpPr>
+          <p:cNvPr id="3" name="Content Placeholder 2"/>
+          <p:cNvSpPr>
+            <a:spLocks noGrp="1"/>
+          </p:cNvSpPr>
+          <p:nvPr>
+            <p:ph idx="1"/>
+          </p:nvPr>
+        </p:nvSpPr>
+        <p:spPr/>
+        <p:txBody>
+          <a:bodyPr/>
+          <a:lstStyle/>
+          <a:p>
+            <a:endParaRPr lang="en-US" dirty="0"/>
+          </a:p>
+        </p:txBody>
+      </p:sp>
     </p:spTree>
     <p:extLst>
       <p:ext uri="{BB962C8B-B14F-4D97-AF65-F5344CB8AC3E}">
-        <p14:creationId xmlns:p14="http://schemas.microsoft.com/office/powerpoint/2010/main" val="2488431158"/>
+        <p14:creationId xmlns:p14="http://schemas.microsoft.com/office/powerpoint/2010/main" val="2546599830"/>
       </p:ext>
     </p:extLst>
   </p:cSld>
@@ -3002,40 +3663,1628 @@
           <a:chExt cx="0" cy="0"/>
         </a:xfrm>
       </p:grpSpPr>
-      <p:pic>
-        <p:nvPicPr>
-          <p:cNvPr id="4" name="Picture 3"/>
-          <p:cNvPicPr>
-            <a:picLocks noChangeAspect="1"/>
-          </p:cNvPicPr>
+      <p:sp>
+        <p:nvSpPr>
+          <p:cNvPr id="4" name="Rounded Rectangle 3"/>
+          <p:cNvSpPr/>
           <p:nvPr/>
-        </p:nvPicPr>
-        <p:blipFill>
-          <a:blip r:embed="rId2" cstate="print">
-            <a:extLst>
-              <a:ext uri="{28A0092B-C50C-407E-A947-70E740481C1C}">
-                <a14:useLocalDpi xmlns:a14="http://schemas.microsoft.com/office/drawing/2010/main" val="0"/>
-              </a:ext>
-            </a:extLst>
-          </a:blip>
-          <a:stretch>
-            <a:fillRect/>
-          </a:stretch>
-        </p:blipFill>
+        </p:nvSpPr>
         <p:spPr>
           <a:xfrm>
-            <a:off x="1630081" y="421881"/>
-            <a:ext cx="9251280" cy="5729631"/>
-          </a:xfrm>
-          <a:prstGeom prst="rect">
+            <a:off x="421777" y="735421"/>
+            <a:ext cx="1243583" cy="510782"/>
+          </a:xfrm>
+          <a:prstGeom prst="roundRect">
             <a:avLst/>
           </a:prstGeom>
-        </p:spPr>
-      </p:pic>
+          <a:solidFill>
+            <a:srgbClr val="E9FECE"/>
+          </a:solidFill>
+        </p:spPr>
+        <p:style>
+          <a:lnRef idx="2">
+            <a:schemeClr val="accent1">
+              <a:shade val="50000"/>
+            </a:schemeClr>
+          </a:lnRef>
+          <a:fillRef idx="1">
+            <a:schemeClr val="accent1"/>
+          </a:fillRef>
+          <a:effectRef idx="0">
+            <a:schemeClr val="accent1"/>
+          </a:effectRef>
+          <a:fontRef idx="minor">
+            <a:schemeClr val="lt1"/>
+          </a:fontRef>
+        </p:style>
+        <p:txBody>
+          <a:bodyPr rtlCol="0" anchor="ctr"/>
+          <a:lstStyle/>
+          <a:p>
+            <a:pPr algn="ctr"/>
+            <a:r>
+              <a:rPr lang="en-US" dirty="0" smtClean="0">
+                <a:solidFill>
+                  <a:schemeClr val="tx1"/>
+                </a:solidFill>
+              </a:rPr>
+              <a:t>SRN</a:t>
+            </a:r>
+            <a:endParaRPr lang="en-US" dirty="0" smtClean="0">
+              <a:solidFill>
+                <a:schemeClr val="tx1"/>
+              </a:solidFill>
+            </a:endParaRPr>
+          </a:p>
+        </p:txBody>
+      </p:sp>
+      <p:sp>
+        <p:nvSpPr>
+          <p:cNvPr id="9" name="Rounded Rectangle 8"/>
+          <p:cNvSpPr/>
+          <p:nvPr/>
+        </p:nvSpPr>
+        <p:spPr>
+          <a:xfrm>
+            <a:off x="2370995" y="2567670"/>
+            <a:ext cx="1691097" cy="304527"/>
+          </a:xfrm>
+          <a:prstGeom prst="roundRect">
+            <a:avLst/>
+          </a:prstGeom>
+          <a:solidFill>
+            <a:schemeClr val="accent4">
+              <a:lumMod val="20000"/>
+              <a:lumOff val="80000"/>
+            </a:schemeClr>
+          </a:solidFill>
+        </p:spPr>
+        <p:style>
+          <a:lnRef idx="2">
+            <a:schemeClr val="accent1">
+              <a:shade val="50000"/>
+            </a:schemeClr>
+          </a:lnRef>
+          <a:fillRef idx="1">
+            <a:schemeClr val="accent1"/>
+          </a:fillRef>
+          <a:effectRef idx="0">
+            <a:schemeClr val="accent1"/>
+          </a:effectRef>
+          <a:fontRef idx="minor">
+            <a:schemeClr val="lt1"/>
+          </a:fontRef>
+        </p:style>
+        <p:txBody>
+          <a:bodyPr rtlCol="0" anchor="ctr"/>
+          <a:lstStyle/>
+          <a:p>
+            <a:pPr algn="ctr"/>
+            <a:r>
+              <a:rPr lang="en-US" dirty="0" smtClean="0">
+                <a:solidFill>
+                  <a:schemeClr val="tx1"/>
+                </a:solidFill>
+              </a:rPr>
+              <a:t>Charting</a:t>
+            </a:r>
+            <a:endParaRPr lang="en-US" dirty="0">
+              <a:solidFill>
+                <a:schemeClr val="tx1"/>
+              </a:solidFill>
+            </a:endParaRPr>
+          </a:p>
+        </p:txBody>
+      </p:sp>
+      <p:sp>
+        <p:nvSpPr>
+          <p:cNvPr id="10" name="Rounded Rectangle 9"/>
+          <p:cNvSpPr/>
+          <p:nvPr/>
+        </p:nvSpPr>
+        <p:spPr>
+          <a:xfrm>
+            <a:off x="2370995" y="3626477"/>
+            <a:ext cx="1691097" cy="304527"/>
+          </a:xfrm>
+          <a:prstGeom prst="roundRect">
+            <a:avLst/>
+          </a:prstGeom>
+          <a:solidFill>
+            <a:schemeClr val="accent4">
+              <a:lumMod val="20000"/>
+              <a:lumOff val="80000"/>
+            </a:schemeClr>
+          </a:solidFill>
+        </p:spPr>
+        <p:style>
+          <a:lnRef idx="2">
+            <a:schemeClr val="accent1">
+              <a:shade val="50000"/>
+            </a:schemeClr>
+          </a:lnRef>
+          <a:fillRef idx="1">
+            <a:schemeClr val="accent1"/>
+          </a:fillRef>
+          <a:effectRef idx="0">
+            <a:schemeClr val="accent1"/>
+          </a:effectRef>
+          <a:fontRef idx="minor">
+            <a:schemeClr val="lt1"/>
+          </a:fontRef>
+        </p:style>
+        <p:txBody>
+          <a:bodyPr rtlCol="0" anchor="ctr"/>
+          <a:lstStyle/>
+          <a:p>
+            <a:pPr algn="ctr"/>
+            <a:r>
+              <a:rPr lang="en-US" dirty="0" smtClean="0">
+                <a:solidFill>
+                  <a:schemeClr val="tx1"/>
+                </a:solidFill>
+              </a:rPr>
+              <a:t>Mapping</a:t>
+            </a:r>
+            <a:endParaRPr lang="en-US" dirty="0">
+              <a:solidFill>
+                <a:schemeClr val="tx1"/>
+              </a:solidFill>
+            </a:endParaRPr>
+          </a:p>
+        </p:txBody>
+      </p:sp>
+      <p:sp>
+        <p:nvSpPr>
+          <p:cNvPr id="11" name="Rounded Rectangle 10"/>
+          <p:cNvSpPr/>
+          <p:nvPr/>
+        </p:nvSpPr>
+        <p:spPr>
+          <a:xfrm>
+            <a:off x="2370993" y="4685284"/>
+            <a:ext cx="1691097" cy="304527"/>
+          </a:xfrm>
+          <a:prstGeom prst="roundRect">
+            <a:avLst/>
+          </a:prstGeom>
+          <a:solidFill>
+            <a:schemeClr val="accent4">
+              <a:lumMod val="20000"/>
+              <a:lumOff val="80000"/>
+            </a:schemeClr>
+          </a:solidFill>
+        </p:spPr>
+        <p:style>
+          <a:lnRef idx="2">
+            <a:schemeClr val="accent1">
+              <a:shade val="50000"/>
+            </a:schemeClr>
+          </a:lnRef>
+          <a:fillRef idx="1">
+            <a:schemeClr val="accent1"/>
+          </a:fillRef>
+          <a:effectRef idx="0">
+            <a:schemeClr val="accent1"/>
+          </a:effectRef>
+          <a:fontRef idx="minor">
+            <a:schemeClr val="lt1"/>
+          </a:fontRef>
+        </p:style>
+        <p:txBody>
+          <a:bodyPr rtlCol="0" anchor="ctr"/>
+          <a:lstStyle/>
+          <a:p>
+            <a:pPr algn="ctr"/>
+            <a:r>
+              <a:rPr lang="en-US" dirty="0" smtClean="0">
+                <a:solidFill>
+                  <a:schemeClr val="tx1"/>
+                </a:solidFill>
+              </a:rPr>
+              <a:t>Nexus Links</a:t>
+            </a:r>
+            <a:endParaRPr lang="en-US" dirty="0">
+              <a:solidFill>
+                <a:schemeClr val="tx1"/>
+              </a:solidFill>
+            </a:endParaRPr>
+          </a:p>
+        </p:txBody>
+      </p:sp>
+      <p:cxnSp>
+        <p:nvCxnSpPr>
+          <p:cNvPr id="3" name="Elbow Connector 2"/>
+          <p:cNvCxnSpPr>
+            <a:stCxn id="4" idx="2"/>
+            <a:endCxn id="9" idx="1"/>
+          </p:cNvCxnSpPr>
+          <p:nvPr/>
+        </p:nvCxnSpPr>
+        <p:spPr>
+          <a:xfrm rot="16200000" flipH="1">
+            <a:off x="970417" y="1319355"/>
+            <a:ext cx="1473731" cy="1327426"/>
+          </a:xfrm>
+          <a:prstGeom prst="bentConnector2">
+            <a:avLst/>
+          </a:prstGeom>
+        </p:spPr>
+        <p:style>
+          <a:lnRef idx="1">
+            <a:schemeClr val="dk1"/>
+          </a:lnRef>
+          <a:fillRef idx="0">
+            <a:schemeClr val="dk1"/>
+          </a:fillRef>
+          <a:effectRef idx="0">
+            <a:schemeClr val="dk1"/>
+          </a:effectRef>
+          <a:fontRef idx="minor">
+            <a:schemeClr val="tx1"/>
+          </a:fontRef>
+        </p:style>
+      </p:cxnSp>
+      <p:cxnSp>
+        <p:nvCxnSpPr>
+          <p:cNvPr id="12" name="Elbow Connector 11"/>
+          <p:cNvCxnSpPr>
+            <a:stCxn id="4" idx="2"/>
+            <a:endCxn id="10" idx="1"/>
+          </p:cNvCxnSpPr>
+          <p:nvPr/>
+        </p:nvCxnSpPr>
+        <p:spPr>
+          <a:xfrm rot="16200000" flipH="1">
+            <a:off x="441013" y="1848759"/>
+            <a:ext cx="2532538" cy="1327426"/>
+          </a:xfrm>
+          <a:prstGeom prst="bentConnector2">
+            <a:avLst/>
+          </a:prstGeom>
+        </p:spPr>
+        <p:style>
+          <a:lnRef idx="1">
+            <a:schemeClr val="dk1"/>
+          </a:lnRef>
+          <a:fillRef idx="0">
+            <a:schemeClr val="dk1"/>
+          </a:fillRef>
+          <a:effectRef idx="0">
+            <a:schemeClr val="dk1"/>
+          </a:effectRef>
+          <a:fontRef idx="minor">
+            <a:schemeClr val="tx1"/>
+          </a:fontRef>
+        </p:style>
+      </p:cxnSp>
+      <p:cxnSp>
+        <p:nvCxnSpPr>
+          <p:cNvPr id="15" name="Elbow Connector 14"/>
+          <p:cNvCxnSpPr>
+            <a:stCxn id="4" idx="2"/>
+            <a:endCxn id="11" idx="1"/>
+          </p:cNvCxnSpPr>
+          <p:nvPr/>
+        </p:nvCxnSpPr>
+        <p:spPr>
+          <a:xfrm rot="16200000" flipH="1">
+            <a:off x="-88391" y="2378163"/>
+            <a:ext cx="3591345" cy="1327424"/>
+          </a:xfrm>
+          <a:prstGeom prst="bentConnector2">
+            <a:avLst/>
+          </a:prstGeom>
+        </p:spPr>
+        <p:style>
+          <a:lnRef idx="1">
+            <a:schemeClr val="dk1"/>
+          </a:lnRef>
+          <a:fillRef idx="0">
+            <a:schemeClr val="dk1"/>
+          </a:fillRef>
+          <a:effectRef idx="0">
+            <a:schemeClr val="dk1"/>
+          </a:effectRef>
+          <a:fontRef idx="minor">
+            <a:schemeClr val="tx1"/>
+          </a:fontRef>
+        </p:style>
+      </p:cxnSp>
+      <p:cxnSp>
+        <p:nvCxnSpPr>
+          <p:cNvPr id="18" name="Elbow Connector 17"/>
+          <p:cNvCxnSpPr>
+            <a:stCxn id="4" idx="2"/>
+            <a:endCxn id="21" idx="1"/>
+          </p:cNvCxnSpPr>
+          <p:nvPr/>
+        </p:nvCxnSpPr>
+        <p:spPr>
+          <a:xfrm rot="16200000" flipH="1">
+            <a:off x="-617796" y="2907567"/>
+            <a:ext cx="4650152" cy="1327423"/>
+          </a:xfrm>
+          <a:prstGeom prst="bentConnector2">
+            <a:avLst/>
+          </a:prstGeom>
+        </p:spPr>
+        <p:style>
+          <a:lnRef idx="1">
+            <a:schemeClr val="dk1"/>
+          </a:lnRef>
+          <a:fillRef idx="0">
+            <a:schemeClr val="dk1"/>
+          </a:fillRef>
+          <a:effectRef idx="0">
+            <a:schemeClr val="dk1"/>
+          </a:effectRef>
+          <a:fontRef idx="minor">
+            <a:schemeClr val="tx1"/>
+          </a:fontRef>
+        </p:style>
+      </p:cxnSp>
+      <p:sp>
+        <p:nvSpPr>
+          <p:cNvPr id="21" name="Rounded Rectangle 20"/>
+          <p:cNvSpPr/>
+          <p:nvPr/>
+        </p:nvSpPr>
+        <p:spPr>
+          <a:xfrm>
+            <a:off x="2370992" y="5744091"/>
+            <a:ext cx="1691097" cy="304527"/>
+          </a:xfrm>
+          <a:prstGeom prst="roundRect">
+            <a:avLst/>
+          </a:prstGeom>
+          <a:solidFill>
+            <a:schemeClr val="accent4">
+              <a:lumMod val="20000"/>
+              <a:lumOff val="80000"/>
+            </a:schemeClr>
+          </a:solidFill>
+        </p:spPr>
+        <p:style>
+          <a:lnRef idx="2">
+            <a:schemeClr val="accent1">
+              <a:shade val="50000"/>
+            </a:schemeClr>
+          </a:lnRef>
+          <a:fillRef idx="1">
+            <a:schemeClr val="accent1"/>
+          </a:fillRef>
+          <a:effectRef idx="0">
+            <a:schemeClr val="accent1"/>
+          </a:effectRef>
+          <a:fontRef idx="minor">
+            <a:schemeClr val="lt1"/>
+          </a:fontRef>
+        </p:style>
+        <p:txBody>
+          <a:bodyPr rtlCol="0" anchor="ctr"/>
+          <a:lstStyle/>
+          <a:p>
+            <a:pPr algn="ctr"/>
+            <a:r>
+              <a:rPr lang="en-US" dirty="0" smtClean="0">
+                <a:solidFill>
+                  <a:schemeClr val="tx1"/>
+                </a:solidFill>
+              </a:rPr>
+              <a:t>Forecasting</a:t>
+            </a:r>
+            <a:endParaRPr lang="en-US" dirty="0">
+              <a:solidFill>
+                <a:schemeClr val="tx1"/>
+              </a:solidFill>
+            </a:endParaRPr>
+          </a:p>
+        </p:txBody>
+      </p:sp>
+      <p:sp>
+        <p:nvSpPr>
+          <p:cNvPr id="40" name="Rounded Rectangle 39"/>
+          <p:cNvSpPr/>
+          <p:nvPr/>
+        </p:nvSpPr>
+        <p:spPr>
+          <a:xfrm>
+            <a:off x="2370992" y="1661126"/>
+            <a:ext cx="1691097" cy="304527"/>
+          </a:xfrm>
+          <a:prstGeom prst="roundRect">
+            <a:avLst/>
+          </a:prstGeom>
+          <a:solidFill>
+            <a:schemeClr val="accent4">
+              <a:lumMod val="20000"/>
+              <a:lumOff val="80000"/>
+            </a:schemeClr>
+          </a:solidFill>
+        </p:spPr>
+        <p:style>
+          <a:lnRef idx="2">
+            <a:schemeClr val="accent1">
+              <a:shade val="50000"/>
+            </a:schemeClr>
+          </a:lnRef>
+          <a:fillRef idx="1">
+            <a:schemeClr val="accent1"/>
+          </a:fillRef>
+          <a:effectRef idx="0">
+            <a:schemeClr val="accent1"/>
+          </a:effectRef>
+          <a:fontRef idx="minor">
+            <a:schemeClr val="lt1"/>
+          </a:fontRef>
+        </p:style>
+        <p:txBody>
+          <a:bodyPr rtlCol="0" anchor="ctr"/>
+          <a:lstStyle/>
+          <a:p>
+            <a:pPr algn="ctr"/>
+            <a:r>
+              <a:rPr lang="en-US" dirty="0" smtClean="0">
+                <a:solidFill>
+                  <a:schemeClr val="tx1"/>
+                </a:solidFill>
+              </a:rPr>
+              <a:t>GCAM</a:t>
+            </a:r>
+            <a:endParaRPr lang="en-US" dirty="0">
+              <a:solidFill>
+                <a:schemeClr val="tx1"/>
+              </a:solidFill>
+            </a:endParaRPr>
+          </a:p>
+        </p:txBody>
+      </p:sp>
+      <p:cxnSp>
+        <p:nvCxnSpPr>
+          <p:cNvPr id="41" name="Elbow Connector 40"/>
+          <p:cNvCxnSpPr>
+            <a:stCxn id="4" idx="2"/>
+            <a:endCxn id="40" idx="1"/>
+          </p:cNvCxnSpPr>
+          <p:nvPr/>
+        </p:nvCxnSpPr>
+        <p:spPr>
+          <a:xfrm rot="16200000" flipH="1">
+            <a:off x="1423687" y="866084"/>
+            <a:ext cx="567187" cy="1327423"/>
+          </a:xfrm>
+          <a:prstGeom prst="bentConnector2">
+            <a:avLst/>
+          </a:prstGeom>
+        </p:spPr>
+        <p:style>
+          <a:lnRef idx="1">
+            <a:schemeClr val="dk1"/>
+          </a:lnRef>
+          <a:fillRef idx="0">
+            <a:schemeClr val="dk1"/>
+          </a:fillRef>
+          <a:effectRef idx="0">
+            <a:schemeClr val="dk1"/>
+          </a:effectRef>
+          <a:fontRef idx="minor">
+            <a:schemeClr val="tx1"/>
+          </a:fontRef>
+        </p:style>
+      </p:cxnSp>
+      <p:sp>
+        <p:nvSpPr>
+          <p:cNvPr id="52" name="Rounded Rectangle 51"/>
+          <p:cNvSpPr/>
+          <p:nvPr/>
+        </p:nvSpPr>
+        <p:spPr>
+          <a:xfrm>
+            <a:off x="7159400" y="1482413"/>
+            <a:ext cx="4279744" cy="661951"/>
+          </a:xfrm>
+          <a:prstGeom prst="roundRect">
+            <a:avLst/>
+          </a:prstGeom>
+          <a:solidFill>
+            <a:srgbClr val="CDF7FF"/>
+          </a:solidFill>
+        </p:spPr>
+        <p:style>
+          <a:lnRef idx="2">
+            <a:schemeClr val="accent1">
+              <a:shade val="50000"/>
+            </a:schemeClr>
+          </a:lnRef>
+          <a:fillRef idx="1">
+            <a:schemeClr val="accent1"/>
+          </a:fillRef>
+          <a:effectRef idx="0">
+            <a:schemeClr val="accent1"/>
+          </a:effectRef>
+          <a:fontRef idx="minor">
+            <a:schemeClr val="lt1"/>
+          </a:fontRef>
+        </p:style>
+        <p:txBody>
+          <a:bodyPr rtlCol="0" anchor="ctr"/>
+          <a:lstStyle/>
+          <a:p>
+            <a:pPr marL="285750" indent="-285750">
+              <a:buFontTx/>
+              <a:buChar char="-"/>
+            </a:pPr>
+            <a:r>
+              <a:rPr lang="en-US" sz="1400" dirty="0" smtClean="0">
+                <a:solidFill>
+                  <a:schemeClr val="tx1"/>
+                </a:solidFill>
+              </a:rPr>
+              <a:t>Read GCAM data</a:t>
+            </a:r>
+          </a:p>
+          <a:p>
+            <a:pPr marL="285750" indent="-285750">
+              <a:buFontTx/>
+              <a:buChar char="-"/>
+            </a:pPr>
+            <a:r>
+              <a:rPr lang="en-US" sz="1400" dirty="0" smtClean="0">
+                <a:solidFill>
+                  <a:schemeClr val="tx1"/>
+                </a:solidFill>
+              </a:rPr>
+              <a:t>Create tables for selected parameters</a:t>
+            </a:r>
+          </a:p>
+          <a:p>
+            <a:pPr marL="285750" indent="-285750">
+              <a:buFontTx/>
+              <a:buChar char="-"/>
+            </a:pPr>
+            <a:r>
+              <a:rPr lang="en-US" sz="1400" dirty="0" smtClean="0">
+                <a:solidFill>
+                  <a:schemeClr val="tx1"/>
+                </a:solidFill>
+              </a:rPr>
+              <a:t>Create templates for stakeholder local data</a:t>
+            </a:r>
+            <a:endParaRPr lang="en-US" sz="1400" dirty="0">
+              <a:solidFill>
+                <a:schemeClr val="tx1"/>
+              </a:solidFill>
+            </a:endParaRPr>
+          </a:p>
+        </p:txBody>
+      </p:sp>
+      <p:sp>
+        <p:nvSpPr>
+          <p:cNvPr id="53" name="Rounded Rectangle 52"/>
+          <p:cNvSpPr/>
+          <p:nvPr/>
+        </p:nvSpPr>
+        <p:spPr>
+          <a:xfrm>
+            <a:off x="7159400" y="2396523"/>
+            <a:ext cx="4279744" cy="657306"/>
+          </a:xfrm>
+          <a:prstGeom prst="roundRect">
+            <a:avLst/>
+          </a:prstGeom>
+          <a:solidFill>
+            <a:srgbClr val="CDF7FF"/>
+          </a:solidFill>
+        </p:spPr>
+        <p:style>
+          <a:lnRef idx="2">
+            <a:schemeClr val="accent1">
+              <a:shade val="50000"/>
+            </a:schemeClr>
+          </a:lnRef>
+          <a:fillRef idx="1">
+            <a:schemeClr val="accent1"/>
+          </a:fillRef>
+          <a:effectRef idx="0">
+            <a:schemeClr val="accent1"/>
+          </a:effectRef>
+          <a:fontRef idx="minor">
+            <a:schemeClr val="lt1"/>
+          </a:fontRef>
+        </p:style>
+        <p:txBody>
+          <a:bodyPr rtlCol="0" anchor="ctr"/>
+          <a:lstStyle/>
+          <a:p>
+            <a:pPr marL="285750" indent="-285750">
+              <a:buFontTx/>
+              <a:buChar char="-"/>
+            </a:pPr>
+            <a:r>
+              <a:rPr lang="en-US" sz="1400" dirty="0">
+                <a:solidFill>
+                  <a:schemeClr val="tx1"/>
+                </a:solidFill>
+              </a:rPr>
+              <a:t>Create </a:t>
+            </a:r>
+            <a:r>
+              <a:rPr lang="en-US" sz="1400" dirty="0" smtClean="0">
+                <a:solidFill>
+                  <a:schemeClr val="tx1"/>
+                </a:solidFill>
+              </a:rPr>
+              <a:t>charts </a:t>
+            </a:r>
+            <a:r>
+              <a:rPr lang="en-US" sz="1400" dirty="0">
+                <a:solidFill>
+                  <a:schemeClr val="tx1"/>
+                </a:solidFill>
+              </a:rPr>
+              <a:t>for each region, scenario</a:t>
+            </a:r>
+          </a:p>
+          <a:p>
+            <a:pPr marL="285750" indent="-285750">
+              <a:buFontTx/>
+              <a:buChar char="-"/>
+            </a:pPr>
+            <a:r>
+              <a:rPr lang="en-US" sz="1400" dirty="0">
+                <a:solidFill>
+                  <a:schemeClr val="tx1"/>
+                </a:solidFill>
+              </a:rPr>
+              <a:t>Create </a:t>
+            </a:r>
+            <a:r>
+              <a:rPr lang="en-US" sz="1400" dirty="0" smtClean="0">
+                <a:solidFill>
+                  <a:schemeClr val="tx1"/>
+                </a:solidFill>
+              </a:rPr>
+              <a:t>diff-plots </a:t>
+            </a:r>
+            <a:r>
+              <a:rPr lang="en-US" sz="1400" dirty="0">
+                <a:solidFill>
+                  <a:schemeClr val="tx1"/>
+                </a:solidFill>
+              </a:rPr>
+              <a:t>to compare scenarios</a:t>
+            </a:r>
+          </a:p>
+          <a:p>
+            <a:pPr marL="285750" indent="-285750">
+              <a:buFontTx/>
+              <a:buChar char="-"/>
+            </a:pPr>
+            <a:r>
+              <a:rPr lang="en-US" sz="1400" dirty="0">
+                <a:solidFill>
+                  <a:schemeClr val="tx1"/>
+                </a:solidFill>
+              </a:rPr>
+              <a:t>Create combined plots to compare regions</a:t>
+            </a:r>
+            <a:endParaRPr lang="en-US" sz="1400" dirty="0">
+              <a:solidFill>
+                <a:schemeClr val="tx1"/>
+              </a:solidFill>
+            </a:endParaRPr>
+          </a:p>
+        </p:txBody>
+      </p:sp>
+      <p:sp>
+        <p:nvSpPr>
+          <p:cNvPr id="54" name="Rounded Rectangle 53"/>
+          <p:cNvSpPr/>
+          <p:nvPr/>
+        </p:nvSpPr>
+        <p:spPr>
+          <a:xfrm>
+            <a:off x="7159400" y="3450087"/>
+            <a:ext cx="4279744" cy="657306"/>
+          </a:xfrm>
+          <a:prstGeom prst="roundRect">
+            <a:avLst/>
+          </a:prstGeom>
+          <a:solidFill>
+            <a:srgbClr val="CDF7FF"/>
+          </a:solidFill>
+        </p:spPr>
+        <p:style>
+          <a:lnRef idx="2">
+            <a:schemeClr val="accent1">
+              <a:shade val="50000"/>
+            </a:schemeClr>
+          </a:lnRef>
+          <a:fillRef idx="1">
+            <a:schemeClr val="accent1"/>
+          </a:fillRef>
+          <a:effectRef idx="0">
+            <a:schemeClr val="accent1"/>
+          </a:effectRef>
+          <a:fontRef idx="minor">
+            <a:schemeClr val="lt1"/>
+          </a:fontRef>
+        </p:style>
+        <p:txBody>
+          <a:bodyPr rtlCol="0" anchor="ctr"/>
+          <a:lstStyle/>
+          <a:p>
+            <a:pPr marL="285750" indent="-285750">
+              <a:buFontTx/>
+              <a:buChar char="-"/>
+            </a:pPr>
+            <a:r>
+              <a:rPr lang="en-US" sz="1400" dirty="0">
+                <a:solidFill>
+                  <a:schemeClr val="tx1"/>
+                </a:solidFill>
+              </a:rPr>
+              <a:t>Aggregate gridded data to given boundary shapefile</a:t>
+            </a:r>
+          </a:p>
+          <a:p>
+            <a:pPr marL="285750" indent="-285750">
+              <a:buFontTx/>
+              <a:buChar char="-"/>
+            </a:pPr>
+            <a:r>
+              <a:rPr lang="en-US" sz="1400" dirty="0">
+                <a:solidFill>
+                  <a:schemeClr val="tx1"/>
+                </a:solidFill>
+              </a:rPr>
+              <a:t>Create diff maps to compare scenarios</a:t>
+            </a:r>
+          </a:p>
+          <a:p>
+            <a:pPr marL="285750" indent="-285750">
+              <a:buFontTx/>
+              <a:buChar char="-"/>
+            </a:pPr>
+            <a:r>
+              <a:rPr lang="en-US" sz="1400" dirty="0">
+                <a:solidFill>
+                  <a:schemeClr val="tx1"/>
+                </a:solidFill>
+              </a:rPr>
+              <a:t>Create combined maps to compare regions</a:t>
+            </a:r>
+            <a:endParaRPr lang="en-US" sz="1400" dirty="0">
+              <a:solidFill>
+                <a:schemeClr val="tx1"/>
+              </a:solidFill>
+            </a:endParaRPr>
+          </a:p>
+        </p:txBody>
+      </p:sp>
+      <p:sp>
+        <p:nvSpPr>
+          <p:cNvPr id="55" name="Rounded Rectangle 54"/>
+          <p:cNvSpPr/>
+          <p:nvPr/>
+        </p:nvSpPr>
+        <p:spPr>
+          <a:xfrm>
+            <a:off x="7159400" y="4503651"/>
+            <a:ext cx="4279744" cy="657306"/>
+          </a:xfrm>
+          <a:prstGeom prst="roundRect">
+            <a:avLst/>
+          </a:prstGeom>
+          <a:solidFill>
+            <a:srgbClr val="CDF7FF"/>
+          </a:solidFill>
+        </p:spPr>
+        <p:style>
+          <a:lnRef idx="2">
+            <a:schemeClr val="accent1">
+              <a:shade val="50000"/>
+            </a:schemeClr>
+          </a:lnRef>
+          <a:fillRef idx="1">
+            <a:schemeClr val="accent1"/>
+          </a:fillRef>
+          <a:effectRef idx="0">
+            <a:schemeClr val="accent1"/>
+          </a:effectRef>
+          <a:fontRef idx="minor">
+            <a:schemeClr val="lt1"/>
+          </a:fontRef>
+        </p:style>
+        <p:txBody>
+          <a:bodyPr rtlCol="0" anchor="ctr"/>
+          <a:lstStyle/>
+          <a:p>
+            <a:pPr marL="285750" indent="-285750">
+              <a:buFontTx/>
+              <a:buChar char="-"/>
+            </a:pPr>
+            <a:r>
+              <a:rPr lang="en-US" sz="1400" dirty="0">
+                <a:solidFill>
+                  <a:schemeClr val="tx1"/>
+                </a:solidFill>
+              </a:rPr>
+              <a:t>Create links between different sectors</a:t>
+            </a:r>
+            <a:endParaRPr lang="en-US" sz="1400" dirty="0">
+              <a:solidFill>
+                <a:schemeClr val="tx1"/>
+              </a:solidFill>
+            </a:endParaRPr>
+          </a:p>
+          <a:p>
+            <a:pPr marL="285750" indent="-285750">
+              <a:buFontTx/>
+              <a:buChar char="-"/>
+            </a:pPr>
+            <a:r>
+              <a:rPr lang="en-US" sz="1400" dirty="0">
+                <a:solidFill>
+                  <a:schemeClr val="tx1"/>
+                </a:solidFill>
+              </a:rPr>
+              <a:t>Harmonize links across sectors, regions and periods</a:t>
+            </a:r>
+          </a:p>
+        </p:txBody>
+      </p:sp>
+      <p:sp>
+        <p:nvSpPr>
+          <p:cNvPr id="56" name="Rounded Rectangle 55"/>
+          <p:cNvSpPr/>
+          <p:nvPr/>
+        </p:nvSpPr>
+        <p:spPr>
+          <a:xfrm>
+            <a:off x="7159400" y="5567701"/>
+            <a:ext cx="4517488" cy="657306"/>
+          </a:xfrm>
+          <a:prstGeom prst="roundRect">
+            <a:avLst/>
+          </a:prstGeom>
+          <a:solidFill>
+            <a:srgbClr val="CDF7FF"/>
+          </a:solidFill>
+        </p:spPr>
+        <p:style>
+          <a:lnRef idx="2">
+            <a:schemeClr val="accent1">
+              <a:shade val="50000"/>
+            </a:schemeClr>
+          </a:lnRef>
+          <a:fillRef idx="1">
+            <a:schemeClr val="accent1"/>
+          </a:fillRef>
+          <a:effectRef idx="0">
+            <a:schemeClr val="accent1"/>
+          </a:effectRef>
+          <a:fontRef idx="minor">
+            <a:schemeClr val="lt1"/>
+          </a:fontRef>
+        </p:style>
+        <p:txBody>
+          <a:bodyPr rtlCol="0" anchor="ctr"/>
+          <a:lstStyle/>
+          <a:p>
+            <a:pPr marL="285750" indent="-285750">
+              <a:buFontTx/>
+              <a:buChar char="-"/>
+            </a:pPr>
+            <a:r>
+              <a:rPr lang="en-US" sz="1400" dirty="0">
+                <a:solidFill>
+                  <a:schemeClr val="tx1"/>
+                </a:solidFill>
+              </a:rPr>
+              <a:t>Given changes in one sector, sub-region, period</a:t>
+            </a:r>
+          </a:p>
+          <a:p>
+            <a:pPr marL="285750" indent="-285750">
+              <a:buFontTx/>
+              <a:buChar char="-"/>
+            </a:pPr>
+            <a:r>
+              <a:rPr lang="en-US" sz="1400" dirty="0">
+                <a:solidFill>
+                  <a:schemeClr val="tx1"/>
+                </a:solidFill>
+              </a:rPr>
+              <a:t>Forecast changes in other sectors, regions and periods.</a:t>
+            </a:r>
+          </a:p>
+        </p:txBody>
+      </p:sp>
+      <p:cxnSp>
+        <p:nvCxnSpPr>
+          <p:cNvPr id="57" name="Straight Connector 56"/>
+          <p:cNvCxnSpPr>
+            <a:stCxn id="52" idx="1"/>
+            <a:endCxn id="40" idx="3"/>
+          </p:cNvCxnSpPr>
+          <p:nvPr/>
+        </p:nvCxnSpPr>
+        <p:spPr>
+          <a:xfrm flipH="1">
+            <a:off x="4062089" y="1813389"/>
+            <a:ext cx="3097311" cy="1"/>
+          </a:xfrm>
+          <a:prstGeom prst="line">
+            <a:avLst/>
+          </a:prstGeom>
+        </p:spPr>
+        <p:style>
+          <a:lnRef idx="1">
+            <a:schemeClr val="dk1"/>
+          </a:lnRef>
+          <a:fillRef idx="0">
+            <a:schemeClr val="dk1"/>
+          </a:fillRef>
+          <a:effectRef idx="0">
+            <a:schemeClr val="dk1"/>
+          </a:effectRef>
+          <a:fontRef idx="minor">
+            <a:schemeClr val="tx1"/>
+          </a:fontRef>
+        </p:style>
+      </p:cxnSp>
+      <p:cxnSp>
+        <p:nvCxnSpPr>
+          <p:cNvPr id="61" name="Straight Connector 60"/>
+          <p:cNvCxnSpPr>
+            <a:stCxn id="53" idx="1"/>
+            <a:endCxn id="9" idx="3"/>
+          </p:cNvCxnSpPr>
+          <p:nvPr/>
+        </p:nvCxnSpPr>
+        <p:spPr>
+          <a:xfrm flipH="1" flipV="1">
+            <a:off x="4062092" y="2719934"/>
+            <a:ext cx="3097308" cy="5242"/>
+          </a:xfrm>
+          <a:prstGeom prst="line">
+            <a:avLst/>
+          </a:prstGeom>
+        </p:spPr>
+        <p:style>
+          <a:lnRef idx="1">
+            <a:schemeClr val="dk1"/>
+          </a:lnRef>
+          <a:fillRef idx="0">
+            <a:schemeClr val="dk1"/>
+          </a:fillRef>
+          <a:effectRef idx="0">
+            <a:schemeClr val="dk1"/>
+          </a:effectRef>
+          <a:fontRef idx="minor">
+            <a:schemeClr val="tx1"/>
+          </a:fontRef>
+        </p:style>
+      </p:cxnSp>
+      <p:cxnSp>
+        <p:nvCxnSpPr>
+          <p:cNvPr id="66" name="Straight Connector 65"/>
+          <p:cNvCxnSpPr>
+            <a:stCxn id="54" idx="1"/>
+            <a:endCxn id="10" idx="3"/>
+          </p:cNvCxnSpPr>
+          <p:nvPr/>
+        </p:nvCxnSpPr>
+        <p:spPr>
+          <a:xfrm flipH="1">
+            <a:off x="4062092" y="3778740"/>
+            <a:ext cx="3097308" cy="1"/>
+          </a:xfrm>
+          <a:prstGeom prst="line">
+            <a:avLst/>
+          </a:prstGeom>
+        </p:spPr>
+        <p:style>
+          <a:lnRef idx="1">
+            <a:schemeClr val="dk1"/>
+          </a:lnRef>
+          <a:fillRef idx="0">
+            <a:schemeClr val="dk1"/>
+          </a:fillRef>
+          <a:effectRef idx="0">
+            <a:schemeClr val="dk1"/>
+          </a:effectRef>
+          <a:fontRef idx="minor">
+            <a:schemeClr val="tx1"/>
+          </a:fontRef>
+        </p:style>
+      </p:cxnSp>
+      <p:cxnSp>
+        <p:nvCxnSpPr>
+          <p:cNvPr id="70" name="Straight Connector 69"/>
+          <p:cNvCxnSpPr>
+            <a:stCxn id="55" idx="1"/>
+            <a:endCxn id="11" idx="3"/>
+          </p:cNvCxnSpPr>
+          <p:nvPr/>
+        </p:nvCxnSpPr>
+        <p:spPr>
+          <a:xfrm flipH="1">
+            <a:off x="4062090" y="4832304"/>
+            <a:ext cx="3097310" cy="5244"/>
+          </a:xfrm>
+          <a:prstGeom prst="line">
+            <a:avLst/>
+          </a:prstGeom>
+        </p:spPr>
+        <p:style>
+          <a:lnRef idx="1">
+            <a:schemeClr val="dk1"/>
+          </a:lnRef>
+          <a:fillRef idx="0">
+            <a:schemeClr val="dk1"/>
+          </a:fillRef>
+          <a:effectRef idx="0">
+            <a:schemeClr val="dk1"/>
+          </a:effectRef>
+          <a:fontRef idx="minor">
+            <a:schemeClr val="tx1"/>
+          </a:fontRef>
+        </p:style>
+      </p:cxnSp>
+      <p:cxnSp>
+        <p:nvCxnSpPr>
+          <p:cNvPr id="71" name="Straight Connector 70"/>
+          <p:cNvCxnSpPr>
+            <a:stCxn id="56" idx="1"/>
+            <a:endCxn id="21" idx="3"/>
+          </p:cNvCxnSpPr>
+          <p:nvPr/>
+        </p:nvCxnSpPr>
+        <p:spPr>
+          <a:xfrm flipH="1">
+            <a:off x="4062089" y="5896354"/>
+            <a:ext cx="3097311" cy="1"/>
+          </a:xfrm>
+          <a:prstGeom prst="line">
+            <a:avLst/>
+          </a:prstGeom>
+        </p:spPr>
+        <p:style>
+          <a:lnRef idx="1">
+            <a:schemeClr val="dk1"/>
+          </a:lnRef>
+          <a:fillRef idx="0">
+            <a:schemeClr val="dk1"/>
+          </a:fillRef>
+          <a:effectRef idx="0">
+            <a:schemeClr val="dk1"/>
+          </a:effectRef>
+          <a:fontRef idx="minor">
+            <a:schemeClr val="tx1"/>
+          </a:fontRef>
+        </p:style>
+      </p:cxnSp>
+      <p:sp>
+        <p:nvSpPr>
+          <p:cNvPr id="101" name="Rounded Rectangle 100"/>
+          <p:cNvSpPr/>
+          <p:nvPr/>
+        </p:nvSpPr>
+        <p:spPr>
+          <a:xfrm>
+            <a:off x="4580344" y="1678025"/>
+            <a:ext cx="2060800" cy="270726"/>
+          </a:xfrm>
+          <a:prstGeom prst="roundRect">
+            <a:avLst/>
+          </a:prstGeom>
+          <a:solidFill>
+            <a:srgbClr val="FFE7D5"/>
+          </a:solidFill>
+        </p:spPr>
+        <p:style>
+          <a:lnRef idx="2">
+            <a:schemeClr val="accent1">
+              <a:shade val="50000"/>
+            </a:schemeClr>
+          </a:lnRef>
+          <a:fillRef idx="1">
+            <a:schemeClr val="accent1"/>
+          </a:fillRef>
+          <a:effectRef idx="0">
+            <a:schemeClr val="accent1"/>
+          </a:effectRef>
+          <a:fontRef idx="minor">
+            <a:schemeClr val="lt1"/>
+          </a:fontRef>
+        </p:style>
+        <p:txBody>
+          <a:bodyPr rtlCol="0" anchor="ctr"/>
+          <a:lstStyle/>
+          <a:p>
+            <a:pPr marL="285750" indent="-285750">
+              <a:buFontTx/>
+              <a:buChar char="-"/>
+            </a:pPr>
+            <a:r>
+              <a:rPr lang="en-US" sz="1400" dirty="0" smtClean="0">
+                <a:solidFill>
+                  <a:schemeClr val="tx1"/>
+                </a:solidFill>
+              </a:rPr>
+              <a:t>s</a:t>
+            </a:r>
+            <a:r>
+              <a:rPr lang="en-US" sz="1400" dirty="0" smtClean="0">
+                <a:solidFill>
+                  <a:schemeClr val="tx1"/>
+                </a:solidFill>
+              </a:rPr>
+              <a:t>rn.readgcam.R</a:t>
+            </a:r>
+            <a:endParaRPr lang="en-US" sz="1400" dirty="0">
+              <a:solidFill>
+                <a:schemeClr val="tx1"/>
+              </a:solidFill>
+            </a:endParaRPr>
+          </a:p>
+        </p:txBody>
+      </p:sp>
+      <p:sp>
+        <p:nvSpPr>
+          <p:cNvPr id="102" name="Rounded Rectangle 101"/>
+          <p:cNvSpPr/>
+          <p:nvPr/>
+        </p:nvSpPr>
+        <p:spPr>
+          <a:xfrm>
+            <a:off x="4580344" y="2489427"/>
+            <a:ext cx="2060800" cy="450526"/>
+          </a:xfrm>
+          <a:prstGeom prst="roundRect">
+            <a:avLst/>
+          </a:prstGeom>
+          <a:solidFill>
+            <a:srgbClr val="FFE7D5"/>
+          </a:solidFill>
+        </p:spPr>
+        <p:style>
+          <a:lnRef idx="2">
+            <a:schemeClr val="accent1">
+              <a:shade val="50000"/>
+            </a:schemeClr>
+          </a:lnRef>
+          <a:fillRef idx="1">
+            <a:schemeClr val="accent1"/>
+          </a:fillRef>
+          <a:effectRef idx="0">
+            <a:schemeClr val="accent1"/>
+          </a:effectRef>
+          <a:fontRef idx="minor">
+            <a:schemeClr val="lt1"/>
+          </a:fontRef>
+        </p:style>
+        <p:txBody>
+          <a:bodyPr rtlCol="0" anchor="ctr"/>
+          <a:lstStyle/>
+          <a:p>
+            <a:pPr marL="285750" indent="-285750">
+              <a:buFontTx/>
+              <a:buChar char="-"/>
+            </a:pPr>
+            <a:r>
+              <a:rPr lang="en-US" sz="1400" dirty="0" smtClean="0">
+                <a:solidFill>
+                  <a:schemeClr val="tx1"/>
+                </a:solidFill>
+              </a:rPr>
+              <a:t>s</a:t>
+            </a:r>
+            <a:r>
+              <a:rPr lang="en-US" sz="1400" dirty="0" smtClean="0">
+                <a:solidFill>
+                  <a:schemeClr val="tx1"/>
+                </a:solidFill>
+              </a:rPr>
+              <a:t>rn.chartsProcess.R</a:t>
+            </a:r>
+          </a:p>
+          <a:p>
+            <a:pPr marL="285750" indent="-285750">
+              <a:buFontTx/>
+              <a:buChar char="-"/>
+            </a:pPr>
+            <a:r>
+              <a:rPr lang="en-US" sz="1400" dirty="0">
+                <a:solidFill>
+                  <a:schemeClr val="tx1"/>
+                </a:solidFill>
+              </a:rPr>
+              <a:t>s</a:t>
+            </a:r>
+            <a:r>
+              <a:rPr lang="en-US" sz="1400" dirty="0" smtClean="0">
+                <a:solidFill>
+                  <a:schemeClr val="tx1"/>
+                </a:solidFill>
+              </a:rPr>
+              <a:t>rn.chart.R</a:t>
+            </a:r>
+            <a:endParaRPr lang="en-US" sz="1400" dirty="0">
+              <a:solidFill>
+                <a:schemeClr val="tx1"/>
+              </a:solidFill>
+            </a:endParaRPr>
+          </a:p>
+        </p:txBody>
+      </p:sp>
+      <p:sp>
+        <p:nvSpPr>
+          <p:cNvPr id="103" name="Rounded Rectangle 102"/>
+          <p:cNvSpPr/>
+          <p:nvPr/>
+        </p:nvSpPr>
+        <p:spPr>
+          <a:xfrm>
+            <a:off x="4580344" y="3547751"/>
+            <a:ext cx="2060800" cy="450526"/>
+          </a:xfrm>
+          <a:prstGeom prst="roundRect">
+            <a:avLst/>
+          </a:prstGeom>
+          <a:solidFill>
+            <a:srgbClr val="FFE7D5"/>
+          </a:solidFill>
+        </p:spPr>
+        <p:style>
+          <a:lnRef idx="2">
+            <a:schemeClr val="accent1">
+              <a:shade val="50000"/>
+            </a:schemeClr>
+          </a:lnRef>
+          <a:fillRef idx="1">
+            <a:schemeClr val="accent1"/>
+          </a:fillRef>
+          <a:effectRef idx="0">
+            <a:schemeClr val="accent1"/>
+          </a:effectRef>
+          <a:fontRef idx="minor">
+            <a:schemeClr val="lt1"/>
+          </a:fontRef>
+        </p:style>
+        <p:txBody>
+          <a:bodyPr rtlCol="0" anchor="ctr"/>
+          <a:lstStyle/>
+          <a:p>
+            <a:pPr marL="285750" indent="-285750">
+              <a:buFontTx/>
+              <a:buChar char="-"/>
+            </a:pPr>
+            <a:r>
+              <a:rPr lang="en-US" sz="1400" dirty="0" smtClean="0">
+                <a:solidFill>
+                  <a:schemeClr val="tx1"/>
+                </a:solidFill>
+              </a:rPr>
+              <a:t>s</a:t>
+            </a:r>
+            <a:r>
+              <a:rPr lang="en-US" sz="1400" dirty="0" smtClean="0">
+                <a:solidFill>
+                  <a:schemeClr val="tx1"/>
+                </a:solidFill>
+              </a:rPr>
+              <a:t>rn.mapsProcess.R</a:t>
+            </a:r>
+          </a:p>
+          <a:p>
+            <a:pPr marL="285750" indent="-285750">
+              <a:buFontTx/>
+              <a:buChar char="-"/>
+            </a:pPr>
+            <a:r>
+              <a:rPr lang="en-US" sz="1400" dirty="0" smtClean="0">
+                <a:solidFill>
+                  <a:schemeClr val="tx1"/>
+                </a:solidFill>
+              </a:rPr>
+              <a:t>srn.map.R</a:t>
+            </a:r>
+            <a:endParaRPr lang="en-US" sz="1400" dirty="0">
+              <a:solidFill>
+                <a:schemeClr val="tx1"/>
+              </a:solidFill>
+            </a:endParaRPr>
+          </a:p>
+        </p:txBody>
+      </p:sp>
+      <p:sp>
+        <p:nvSpPr>
+          <p:cNvPr id="104" name="Rounded Rectangle 103"/>
+          <p:cNvSpPr/>
+          <p:nvPr/>
+        </p:nvSpPr>
+        <p:spPr>
+          <a:xfrm>
+            <a:off x="4901684" y="861086"/>
+            <a:ext cx="1418120" cy="259453"/>
+          </a:xfrm>
+          <a:prstGeom prst="roundRect">
+            <a:avLst/>
+          </a:prstGeom>
+          <a:noFill/>
+          <a:ln>
+            <a:noFill/>
+          </a:ln>
+        </p:spPr>
+        <p:style>
+          <a:lnRef idx="2">
+            <a:schemeClr val="accent1">
+              <a:shade val="50000"/>
+            </a:schemeClr>
+          </a:lnRef>
+          <a:fillRef idx="1">
+            <a:schemeClr val="accent1"/>
+          </a:fillRef>
+          <a:effectRef idx="0">
+            <a:schemeClr val="accent1"/>
+          </a:effectRef>
+          <a:fontRef idx="minor">
+            <a:schemeClr val="lt1"/>
+          </a:fontRef>
+        </p:style>
+        <p:txBody>
+          <a:bodyPr rtlCol="0" anchor="ctr"/>
+          <a:lstStyle/>
+          <a:p>
+            <a:pPr algn="ctr"/>
+            <a:r>
+              <a:rPr lang="en-US" b="1" u="sng" dirty="0" smtClean="0">
+                <a:solidFill>
+                  <a:schemeClr val="tx1"/>
+                </a:solidFill>
+              </a:rPr>
+              <a:t>Key Functions</a:t>
+            </a:r>
+            <a:endParaRPr lang="en-US" b="1" u="sng" dirty="0">
+              <a:solidFill>
+                <a:schemeClr val="tx1"/>
+              </a:solidFill>
+            </a:endParaRPr>
+          </a:p>
+        </p:txBody>
+      </p:sp>
+      <p:sp>
+        <p:nvSpPr>
+          <p:cNvPr id="110" name="Rounded Rectangle 109"/>
+          <p:cNvSpPr/>
+          <p:nvPr/>
+        </p:nvSpPr>
+        <p:spPr>
+          <a:xfrm>
+            <a:off x="8590212" y="861086"/>
+            <a:ext cx="1418120" cy="259453"/>
+          </a:xfrm>
+          <a:prstGeom prst="roundRect">
+            <a:avLst/>
+          </a:prstGeom>
+          <a:noFill/>
+          <a:ln>
+            <a:noFill/>
+          </a:ln>
+        </p:spPr>
+        <p:style>
+          <a:lnRef idx="2">
+            <a:schemeClr val="accent1">
+              <a:shade val="50000"/>
+            </a:schemeClr>
+          </a:lnRef>
+          <a:fillRef idx="1">
+            <a:schemeClr val="accent1"/>
+          </a:fillRef>
+          <a:effectRef idx="0">
+            <a:schemeClr val="accent1"/>
+          </a:effectRef>
+          <a:fontRef idx="minor">
+            <a:schemeClr val="lt1"/>
+          </a:fontRef>
+        </p:style>
+        <p:txBody>
+          <a:bodyPr rtlCol="0" anchor="ctr"/>
+          <a:lstStyle/>
+          <a:p>
+            <a:pPr algn="ctr"/>
+            <a:r>
+              <a:rPr lang="en-US" b="1" u="sng" dirty="0" smtClean="0">
+                <a:solidFill>
+                  <a:schemeClr val="tx1"/>
+                </a:solidFill>
+              </a:rPr>
+              <a:t>Descriptions</a:t>
+            </a:r>
+            <a:endParaRPr lang="en-US" b="1" u="sng" dirty="0">
+              <a:solidFill>
+                <a:schemeClr val="tx1"/>
+              </a:solidFill>
+            </a:endParaRPr>
+          </a:p>
+        </p:txBody>
+      </p:sp>
+      <p:sp>
+        <p:nvSpPr>
+          <p:cNvPr id="111" name="Rounded Rectangle 110"/>
+          <p:cNvSpPr/>
+          <p:nvPr/>
+        </p:nvSpPr>
+        <p:spPr>
+          <a:xfrm>
+            <a:off x="2555524" y="861086"/>
+            <a:ext cx="1418120" cy="259453"/>
+          </a:xfrm>
+          <a:prstGeom prst="roundRect">
+            <a:avLst/>
+          </a:prstGeom>
+          <a:noFill/>
+          <a:ln>
+            <a:noFill/>
+          </a:ln>
+        </p:spPr>
+        <p:style>
+          <a:lnRef idx="2">
+            <a:schemeClr val="accent1">
+              <a:shade val="50000"/>
+            </a:schemeClr>
+          </a:lnRef>
+          <a:fillRef idx="1">
+            <a:schemeClr val="accent1"/>
+          </a:fillRef>
+          <a:effectRef idx="0">
+            <a:schemeClr val="accent1"/>
+          </a:effectRef>
+          <a:fontRef idx="minor">
+            <a:schemeClr val="lt1"/>
+          </a:fontRef>
+        </p:style>
+        <p:txBody>
+          <a:bodyPr rtlCol="0" anchor="ctr"/>
+          <a:lstStyle/>
+          <a:p>
+            <a:pPr algn="ctr"/>
+            <a:r>
+              <a:rPr lang="en-US" b="1" u="sng" dirty="0" smtClean="0">
+                <a:solidFill>
+                  <a:schemeClr val="tx1"/>
+                </a:solidFill>
+              </a:rPr>
+              <a:t>Modules</a:t>
+            </a:r>
+            <a:endParaRPr lang="en-US" b="1" u="sng" dirty="0">
+              <a:solidFill>
+                <a:schemeClr val="tx1"/>
+              </a:solidFill>
+            </a:endParaRPr>
+          </a:p>
+        </p:txBody>
+      </p:sp>
+      <p:sp>
+        <p:nvSpPr>
+          <p:cNvPr id="117" name="Rounded Rectangle 116"/>
+          <p:cNvSpPr/>
+          <p:nvPr/>
+        </p:nvSpPr>
+        <p:spPr>
+          <a:xfrm>
+            <a:off x="4732086" y="4567508"/>
+            <a:ext cx="1745412" cy="311359"/>
+          </a:xfrm>
+          <a:prstGeom prst="roundRect">
+            <a:avLst/>
+          </a:prstGeom>
+          <a:noFill/>
+          <a:ln>
+            <a:noFill/>
+          </a:ln>
+        </p:spPr>
+        <p:style>
+          <a:lnRef idx="2">
+            <a:schemeClr val="accent1">
+              <a:shade val="50000"/>
+            </a:schemeClr>
+          </a:lnRef>
+          <a:fillRef idx="1">
+            <a:schemeClr val="accent1"/>
+          </a:fillRef>
+          <a:effectRef idx="0">
+            <a:schemeClr val="accent1"/>
+          </a:effectRef>
+          <a:fontRef idx="minor">
+            <a:schemeClr val="lt1"/>
+          </a:fontRef>
+        </p:style>
+        <p:txBody>
+          <a:bodyPr rtlCol="0" anchor="ctr"/>
+          <a:lstStyle/>
+          <a:p>
+            <a:pPr algn="ctr"/>
+            <a:r>
+              <a:rPr lang="en-US" sz="1400" i="1" dirty="0" smtClean="0">
+                <a:solidFill>
+                  <a:srgbClr val="FF0000"/>
+                </a:solidFill>
+              </a:rPr>
+              <a:t>Future developments</a:t>
+            </a:r>
+            <a:endParaRPr lang="en-US" sz="1400" i="1" dirty="0">
+              <a:solidFill>
+                <a:srgbClr val="FF0000"/>
+              </a:solidFill>
+            </a:endParaRPr>
+          </a:p>
+        </p:txBody>
+      </p:sp>
+      <p:sp>
+        <p:nvSpPr>
+          <p:cNvPr id="119" name="Rounded Rectangle 118"/>
+          <p:cNvSpPr/>
+          <p:nvPr/>
+        </p:nvSpPr>
+        <p:spPr>
+          <a:xfrm>
+            <a:off x="4732086" y="5624487"/>
+            <a:ext cx="1745412" cy="311359"/>
+          </a:xfrm>
+          <a:prstGeom prst="roundRect">
+            <a:avLst/>
+          </a:prstGeom>
+          <a:noFill/>
+          <a:ln>
+            <a:noFill/>
+          </a:ln>
+        </p:spPr>
+        <p:style>
+          <a:lnRef idx="2">
+            <a:schemeClr val="accent1">
+              <a:shade val="50000"/>
+            </a:schemeClr>
+          </a:lnRef>
+          <a:fillRef idx="1">
+            <a:schemeClr val="accent1"/>
+          </a:fillRef>
+          <a:effectRef idx="0">
+            <a:schemeClr val="accent1"/>
+          </a:effectRef>
+          <a:fontRef idx="minor">
+            <a:schemeClr val="lt1"/>
+          </a:fontRef>
+        </p:style>
+        <p:txBody>
+          <a:bodyPr rtlCol="0" anchor="ctr"/>
+          <a:lstStyle/>
+          <a:p>
+            <a:pPr algn="ctr"/>
+            <a:r>
+              <a:rPr lang="en-US" sz="1400" i="1" dirty="0" smtClean="0">
+                <a:solidFill>
+                  <a:srgbClr val="FF0000"/>
+                </a:solidFill>
+              </a:rPr>
+              <a:t>Future developments</a:t>
+            </a:r>
+            <a:endParaRPr lang="en-US" sz="1400" i="1" dirty="0">
+              <a:solidFill>
+                <a:srgbClr val="FF0000"/>
+              </a:solidFill>
+            </a:endParaRPr>
+          </a:p>
+        </p:txBody>
+      </p:sp>
     </p:spTree>
     <p:extLst>
       <p:ext uri="{BB962C8B-B14F-4D97-AF65-F5344CB8AC3E}">
-        <p14:creationId xmlns:p14="http://schemas.microsoft.com/office/powerpoint/2010/main" val="3024537267"/>
+        <p14:creationId xmlns:p14="http://schemas.microsoft.com/office/powerpoint/2010/main" val="3072357493"/>
       </p:ext>
     </p:extLst>
   </p:cSld>
@@ -3062,6 +5311,126 @@
           <a:chExt cx="0" cy="0"/>
         </a:xfrm>
       </p:grpSpPr>
+      <p:cxnSp>
+        <p:nvCxnSpPr>
+          <p:cNvPr id="122" name="Straight Connector 121"/>
+          <p:cNvCxnSpPr/>
+          <p:nvPr/>
+        </p:nvCxnSpPr>
+        <p:spPr>
+          <a:xfrm flipH="1">
+            <a:off x="3505409" y="5840782"/>
+            <a:ext cx="4838162" cy="0"/>
+          </a:xfrm>
+          <a:prstGeom prst="line">
+            <a:avLst/>
+          </a:prstGeom>
+        </p:spPr>
+        <p:style>
+          <a:lnRef idx="1">
+            <a:schemeClr val="dk1"/>
+          </a:lnRef>
+          <a:fillRef idx="0">
+            <a:schemeClr val="dk1"/>
+          </a:fillRef>
+          <a:effectRef idx="0">
+            <a:schemeClr val="dk1"/>
+          </a:effectRef>
+          <a:fontRef idx="minor">
+            <a:schemeClr val="tx1"/>
+          </a:fontRef>
+        </p:style>
+      </p:cxnSp>
+      <p:cxnSp>
+        <p:nvCxnSpPr>
+          <p:cNvPr id="121" name="Straight Connector 120"/>
+          <p:cNvCxnSpPr/>
+          <p:nvPr/>
+        </p:nvCxnSpPr>
+        <p:spPr>
+          <a:xfrm flipH="1">
+            <a:off x="2614205" y="3900566"/>
+            <a:ext cx="4838162" cy="0"/>
+          </a:xfrm>
+          <a:prstGeom prst="line">
+            <a:avLst/>
+          </a:prstGeom>
+        </p:spPr>
+        <p:style>
+          <a:lnRef idx="1">
+            <a:schemeClr val="dk1"/>
+          </a:lnRef>
+          <a:fillRef idx="0">
+            <a:schemeClr val="dk1"/>
+          </a:fillRef>
+          <a:effectRef idx="0">
+            <a:schemeClr val="dk1"/>
+          </a:effectRef>
+          <a:fontRef idx="minor">
+            <a:schemeClr val="tx1"/>
+          </a:fontRef>
+        </p:style>
+      </p:cxnSp>
+      <p:cxnSp>
+        <p:nvCxnSpPr>
+          <p:cNvPr id="119" name="Straight Connector 118"/>
+          <p:cNvCxnSpPr/>
+          <p:nvPr/>
+        </p:nvCxnSpPr>
+        <p:spPr>
+          <a:xfrm flipH="1">
+            <a:off x="2462503" y="1112318"/>
+            <a:ext cx="4838162" cy="0"/>
+          </a:xfrm>
+          <a:prstGeom prst="line">
+            <a:avLst/>
+          </a:prstGeom>
+        </p:spPr>
+        <p:style>
+          <a:lnRef idx="1">
+            <a:schemeClr val="dk1"/>
+          </a:lnRef>
+          <a:fillRef idx="0">
+            <a:schemeClr val="dk1"/>
+          </a:fillRef>
+          <a:effectRef idx="0">
+            <a:schemeClr val="dk1"/>
+          </a:effectRef>
+          <a:fontRef idx="minor">
+            <a:schemeClr val="tx1"/>
+          </a:fontRef>
+        </p:style>
+      </p:cxnSp>
+      <p:cxnSp>
+        <p:nvCxnSpPr>
+          <p:cNvPr id="109" name="Straight Connector 108"/>
+          <p:cNvCxnSpPr/>
+          <p:nvPr/>
+        </p:nvCxnSpPr>
+        <p:spPr>
+          <a:xfrm flipH="1">
+            <a:off x="2156802" y="2194916"/>
+            <a:ext cx="4838162" cy="0"/>
+          </a:xfrm>
+          <a:prstGeom prst="line">
+            <a:avLst/>
+          </a:prstGeom>
+        </p:spPr>
+        <p:style>
+          <a:lnRef idx="1">
+            <a:schemeClr val="dk1"/>
+          </a:lnRef>
+          <a:fillRef idx="0">
+            <a:schemeClr val="dk1"/>
+          </a:fillRef>
+          <a:effectRef idx="0">
+            <a:schemeClr val="dk1"/>
+          </a:effectRef>
+          <a:fontRef idx="minor">
+            <a:schemeClr val="tx1"/>
+          </a:fontRef>
+        </p:style>
+      </p:cxnSp>
       <p:sp>
         <p:nvSpPr>
           <p:cNvPr id="4" name="Rounded Rectangle 3"/>
@@ -3070,8 +5439,8 @@
         </p:nvSpPr>
         <p:spPr>
           <a:xfrm>
-            <a:off x="2962657" y="2131834"/>
-            <a:ext cx="1536192" cy="675206"/>
+            <a:off x="4392013" y="945808"/>
+            <a:ext cx="1691097" cy="304527"/>
           </a:xfrm>
           <a:prstGeom prst="roundRect">
             <a:avLst/>
@@ -3110,18 +5479,7 @@
                   <a:schemeClr val="tx1"/>
                 </a:solidFill>
               </a:rPr>
-              <a:t>SRN</a:t>
-            </a:r>
-          </a:p>
-          <a:p>
-            <a:pPr algn="ctr"/>
-            <a:r>
-              <a:rPr lang="en-US" dirty="0" smtClean="0">
-                <a:solidFill>
-                  <a:schemeClr val="tx1"/>
-                </a:solidFill>
-              </a:rPr>
-              <a:t>Phase 1</a:t>
+              <a:t>srn.readgcam.R</a:t>
             </a:r>
             <a:endParaRPr lang="en-US" dirty="0">
               <a:solidFill>
@@ -3139,16 +5497,16 @@
         </p:nvSpPr>
         <p:spPr>
           <a:xfrm>
-            <a:off x="7266433" y="2131834"/>
-            <a:ext cx="1536192" cy="675206"/>
+            <a:off x="4196464" y="1899683"/>
+            <a:ext cx="2137139" cy="590466"/>
           </a:xfrm>
           <a:prstGeom prst="roundRect">
             <a:avLst/>
           </a:prstGeom>
           <a:solidFill>
-            <a:schemeClr val="accent2">
-              <a:lumMod val="40000"/>
-              <a:lumOff val="60000"/>
+            <a:schemeClr val="accent4">
+              <a:lumMod val="20000"/>
+              <a:lumOff val="80000"/>
             </a:schemeClr>
           </a:solidFill>
         </p:spPr>
@@ -3179,7 +5537,7 @@
                   <a:schemeClr val="tx1"/>
                 </a:solidFill>
               </a:rPr>
-              <a:t>SRN</a:t>
+              <a:t>srn.chartsProcess.R</a:t>
             </a:r>
           </a:p>
           <a:p>
@@ -3190,7 +5548,7 @@
                   <a:schemeClr val="tx1"/>
                 </a:solidFill>
               </a:rPr>
-              <a:t>Phase 2</a:t>
+              <a:t>srn.chart.R</a:t>
             </a:r>
             <a:endParaRPr lang="en-US" dirty="0">
               <a:solidFill>
@@ -3208,16 +5566,18 @@
         </p:nvSpPr>
         <p:spPr>
           <a:xfrm>
-            <a:off x="2876325" y="3034750"/>
-            <a:ext cx="1708855" cy="1061649"/>
+            <a:off x="4392013" y="3743472"/>
+            <a:ext cx="1691097" cy="304527"/>
           </a:xfrm>
           <a:prstGeom prst="roundRect">
             <a:avLst/>
           </a:prstGeom>
-          <a:noFill/>
-          <a:ln>
-            <a:noFill/>
-          </a:ln>
+          <a:solidFill>
+            <a:schemeClr val="accent4">
+              <a:lumMod val="20000"/>
+              <a:lumOff val="80000"/>
+            </a:schemeClr>
+          </a:solidFill>
         </p:spPr>
         <p:style>
           <a:lnRef idx="2">
@@ -3246,7 +5606,7 @@
                   <a:schemeClr val="tx1"/>
                 </a:solidFill>
               </a:rPr>
-              <a:t>WEL accounting by sub-region</a:t>
+              <a:t>srn.grid2poly.R</a:t>
             </a:r>
             <a:endParaRPr lang="en-US" dirty="0">
               <a:solidFill>
@@ -3264,16 +5624,18 @@
         </p:nvSpPr>
         <p:spPr>
           <a:xfrm>
-            <a:off x="7180101" y="3025718"/>
-            <a:ext cx="1708855" cy="1061649"/>
+            <a:off x="4388995" y="5675958"/>
+            <a:ext cx="1691097" cy="304527"/>
           </a:xfrm>
           <a:prstGeom prst="roundRect">
             <a:avLst/>
           </a:prstGeom>
-          <a:noFill/>
-          <a:ln>
-            <a:noFill/>
-          </a:ln>
+          <a:solidFill>
+            <a:schemeClr val="accent4">
+              <a:lumMod val="20000"/>
+              <a:lumOff val="80000"/>
+            </a:schemeClr>
+          </a:solidFill>
         </p:spPr>
         <p:style>
           <a:lnRef idx="2">
@@ -3302,18 +5664,7 @@
                   <a:schemeClr val="tx1"/>
                 </a:solidFill>
               </a:rPr>
-              <a:t>WEL </a:t>
-            </a:r>
-          </a:p>
-          <a:p>
-            <a:pPr algn="ctr"/>
-            <a:r>
-              <a:rPr lang="en-US" dirty="0" smtClean="0">
-                <a:solidFill>
-                  <a:schemeClr val="tx1"/>
-                </a:solidFill>
-              </a:rPr>
-              <a:t>inter-sectoral dynamics</a:t>
+              <a:t>srn.maps.R</a:t>
             </a:r>
             <a:endParaRPr lang="en-US" dirty="0">
               <a:solidFill>
@@ -3323,52 +5674,22 @@
           </a:p>
         </p:txBody>
       </p:sp>
-    </p:spTree>
-    <p:extLst>
-      <p:ext uri="{BB962C8B-B14F-4D97-AF65-F5344CB8AC3E}">
-        <p14:creationId xmlns:p14="http://schemas.microsoft.com/office/powerpoint/2010/main" val="3072357493"/>
-      </p:ext>
-    </p:extLst>
-  </p:cSld>
-  <p:clrMapOvr>
-    <a:masterClrMapping/>
-  </p:clrMapOvr>
-</p:sld>
-</file>
-
-<file path=ppt/slides/slide4.xml><?xml version="1.0" encoding="utf-8"?>
-<p:sld xmlns:a="http://schemas.openxmlformats.org/drawingml/2006/main" xmlns:r="http://schemas.openxmlformats.org/officeDocument/2006/relationships" xmlns:p="http://schemas.openxmlformats.org/presentationml/2006/main">
-  <p:cSld>
-    <p:spTree>
-      <p:nvGrpSpPr>
-        <p:cNvPr id="1" name=""/>
-        <p:cNvGrpSpPr/>
-        <p:nvPr/>
-      </p:nvGrpSpPr>
-      <p:grpSpPr>
-        <a:xfrm>
-          <a:off x="0" y="0"/>
-          <a:ext cx="0" cy="0"/>
-          <a:chOff x="0" y="0"/>
-          <a:chExt cx="0" cy="0"/>
-        </a:xfrm>
-      </p:grpSpPr>
-      <p:sp>
-        <p:nvSpPr>
-          <p:cNvPr id="4" name="Rounded Rectangle 3"/>
+      <p:sp>
+        <p:nvSpPr>
+          <p:cNvPr id="11" name="Rounded Rectangle 10"/>
           <p:cNvSpPr/>
           <p:nvPr/>
         </p:nvSpPr>
         <p:spPr>
           <a:xfrm>
-            <a:off x="4392013" y="1305229"/>
-            <a:ext cx="1691097" cy="304527"/>
+            <a:off x="1411943" y="847287"/>
+            <a:ext cx="1626705" cy="499860"/>
           </a:xfrm>
           <a:prstGeom prst="roundRect">
             <a:avLst/>
           </a:prstGeom>
           <a:solidFill>
-            <a:schemeClr val="accent4">
+            <a:schemeClr val="accent6">
               <a:lumMod val="20000"/>
               <a:lumOff val="80000"/>
             </a:schemeClr>
@@ -3396,315 +5717,41 @@
           <a:p>
             <a:pPr algn="ctr"/>
             <a:r>
-              <a:rPr lang="en-US" dirty="0" smtClean="0">
+              <a:rPr lang="en-US" sz="1400" dirty="0" smtClean="0">
                 <a:solidFill>
                   <a:schemeClr val="tx1"/>
                 </a:solidFill>
               </a:rPr>
-              <a:t>srn.readgcam.R</a:t>
-            </a:r>
-            <a:endParaRPr lang="en-US" dirty="0">
-              <a:solidFill>
-                <a:schemeClr val="tx1"/>
-              </a:solidFill>
-            </a:endParaRPr>
-          </a:p>
-        </p:txBody>
-      </p:sp>
-      <p:sp>
-        <p:nvSpPr>
-          <p:cNvPr id="5" name="Rounded Rectangle 4"/>
-          <p:cNvSpPr/>
-          <p:nvPr/>
-        </p:nvSpPr>
-        <p:spPr>
-          <a:xfrm>
-            <a:off x="4392013" y="2444830"/>
-            <a:ext cx="1691097" cy="304527"/>
-          </a:xfrm>
-          <a:prstGeom prst="roundRect">
-            <a:avLst/>
-          </a:prstGeom>
-          <a:solidFill>
-            <a:schemeClr val="accent4">
-              <a:lumMod val="20000"/>
-              <a:lumOff val="80000"/>
-            </a:schemeClr>
-          </a:solidFill>
-        </p:spPr>
-        <p:style>
-          <a:lnRef idx="2">
-            <a:schemeClr val="accent1">
-              <a:shade val="50000"/>
-            </a:schemeClr>
-          </a:lnRef>
-          <a:fillRef idx="1">
-            <a:schemeClr val="accent1"/>
-          </a:fillRef>
-          <a:effectRef idx="0">
-            <a:schemeClr val="accent1"/>
-          </a:effectRef>
-          <a:fontRef idx="minor">
-            <a:schemeClr val="lt1"/>
-          </a:fontRef>
-        </p:style>
-        <p:txBody>
-          <a:bodyPr rtlCol="0" anchor="ctr"/>
-          <a:lstStyle/>
-          <a:p>
-            <a:pPr algn="ctr"/>
-            <a:r>
-              <a:rPr lang="en-US" dirty="0" smtClean="0">
+              <a:t>GCAM </a:t>
+            </a:r>
+            <a:r>
+              <a:rPr lang="en-US" sz="1400" dirty="0" smtClean="0">
                 <a:solidFill>
                   <a:schemeClr val="tx1"/>
                 </a:solidFill>
               </a:rPr>
-              <a:t>srn.chart.R</a:t>
-            </a:r>
-            <a:endParaRPr lang="en-US" dirty="0">
-              <a:solidFill>
-                <a:schemeClr val="tx1"/>
-              </a:solidFill>
-            </a:endParaRPr>
-          </a:p>
-        </p:txBody>
-      </p:sp>
-      <p:sp>
-        <p:nvSpPr>
-          <p:cNvPr id="6" name="Rounded Rectangle 5"/>
-          <p:cNvSpPr/>
-          <p:nvPr/>
-        </p:nvSpPr>
-        <p:spPr>
-          <a:xfrm>
-            <a:off x="4392013" y="3953743"/>
-            <a:ext cx="1691097" cy="304527"/>
-          </a:xfrm>
-          <a:prstGeom prst="roundRect">
-            <a:avLst/>
-          </a:prstGeom>
-          <a:solidFill>
-            <a:schemeClr val="accent4">
-              <a:lumMod val="20000"/>
-              <a:lumOff val="80000"/>
-            </a:schemeClr>
-          </a:solidFill>
-        </p:spPr>
-        <p:style>
-          <a:lnRef idx="2">
-            <a:schemeClr val="accent1">
-              <a:shade val="50000"/>
-            </a:schemeClr>
-          </a:lnRef>
-          <a:fillRef idx="1">
-            <a:schemeClr val="accent1"/>
-          </a:fillRef>
-          <a:effectRef idx="0">
-            <a:schemeClr val="accent1"/>
-          </a:effectRef>
-          <a:fontRef idx="minor">
-            <a:schemeClr val="lt1"/>
-          </a:fontRef>
-        </p:style>
-        <p:txBody>
-          <a:bodyPr rtlCol="0" anchor="ctr"/>
-          <a:lstStyle/>
+              <a:t>database</a:t>
+            </a:r>
+          </a:p>
           <a:p>
             <a:pPr algn="ctr"/>
             <a:r>
-              <a:rPr lang="en-US" dirty="0" smtClean="0">
+              <a:rPr lang="en-US" sz="1400" dirty="0" smtClean="0">
                 <a:solidFill>
                   <a:schemeClr val="tx1"/>
                 </a:solidFill>
               </a:rPr>
-              <a:t>srn.grid2poly.R</a:t>
-            </a:r>
-            <a:endParaRPr lang="en-US" dirty="0">
-              <a:solidFill>
-                <a:schemeClr val="tx1"/>
-              </a:solidFill>
-            </a:endParaRPr>
-          </a:p>
-        </p:txBody>
-      </p:sp>
-      <p:sp>
-        <p:nvSpPr>
-          <p:cNvPr id="7" name="Rounded Rectangle 6"/>
-          <p:cNvSpPr/>
-          <p:nvPr/>
-        </p:nvSpPr>
-        <p:spPr>
-          <a:xfrm>
-            <a:off x="4393424" y="5874025"/>
-            <a:ext cx="1691097" cy="304527"/>
-          </a:xfrm>
-          <a:prstGeom prst="roundRect">
-            <a:avLst/>
-          </a:prstGeom>
-          <a:solidFill>
-            <a:schemeClr val="accent4">
-              <a:lumMod val="20000"/>
-              <a:lumOff val="80000"/>
-            </a:schemeClr>
-          </a:solidFill>
-        </p:spPr>
-        <p:style>
-          <a:lnRef idx="2">
-            <a:schemeClr val="accent1">
-              <a:shade val="50000"/>
-            </a:schemeClr>
-          </a:lnRef>
-          <a:fillRef idx="1">
-            <a:schemeClr val="accent1"/>
-          </a:fillRef>
-          <a:effectRef idx="0">
-            <a:schemeClr val="accent1"/>
-          </a:effectRef>
-          <a:fontRef idx="minor">
-            <a:schemeClr val="lt1"/>
-          </a:fontRef>
-        </p:style>
-        <p:txBody>
-          <a:bodyPr rtlCol="0" anchor="ctr"/>
-          <a:lstStyle/>
-          <a:p>
-            <a:pPr algn="ctr"/>
-            <a:r>
-              <a:rPr lang="en-US" dirty="0" smtClean="0">
+              <a:t>Query File</a:t>
+            </a:r>
+            <a:r>
+              <a:rPr lang="en-US" sz="1400" dirty="0" smtClean="0">
                 <a:solidFill>
                   <a:schemeClr val="tx1"/>
                 </a:solidFill>
               </a:rPr>
-              <a:t>srn.maps.R</a:t>
-            </a:r>
-            <a:endParaRPr lang="en-US" dirty="0">
-              <a:solidFill>
-                <a:schemeClr val="tx1"/>
-              </a:solidFill>
-            </a:endParaRPr>
-          </a:p>
-        </p:txBody>
-      </p:sp>
-      <p:sp>
-        <p:nvSpPr>
-          <p:cNvPr id="10" name="Rounded Rectangle 9"/>
-          <p:cNvSpPr/>
-          <p:nvPr/>
-        </p:nvSpPr>
-        <p:spPr>
-          <a:xfrm>
-            <a:off x="4471417" y="175130"/>
-            <a:ext cx="1536192" cy="675206"/>
-          </a:xfrm>
-          <a:prstGeom prst="roundRect">
-            <a:avLst/>
-          </a:prstGeom>
-          <a:solidFill>
-            <a:schemeClr val="accent4">
-              <a:lumMod val="20000"/>
-              <a:lumOff val="80000"/>
-            </a:schemeClr>
-          </a:solidFill>
-        </p:spPr>
-        <p:style>
-          <a:lnRef idx="2">
-            <a:schemeClr val="accent1">
-              <a:shade val="50000"/>
-            </a:schemeClr>
-          </a:lnRef>
-          <a:fillRef idx="1">
-            <a:schemeClr val="accent1"/>
-          </a:fillRef>
-          <a:effectRef idx="0">
-            <a:schemeClr val="accent1"/>
-          </a:effectRef>
-          <a:fontRef idx="minor">
-            <a:schemeClr val="lt1"/>
-          </a:fontRef>
-        </p:style>
-        <p:txBody>
-          <a:bodyPr rtlCol="0" anchor="ctr"/>
-          <a:lstStyle/>
-          <a:p>
-            <a:pPr algn="ctr"/>
-            <a:r>
-              <a:rPr lang="en-US" dirty="0" smtClean="0">
-                <a:solidFill>
-                  <a:schemeClr val="tx1"/>
-                </a:solidFill>
-              </a:rPr>
-              <a:t>SRN</a:t>
-            </a:r>
-          </a:p>
-          <a:p>
-            <a:pPr algn="ctr"/>
-            <a:r>
-              <a:rPr lang="en-US" dirty="0" smtClean="0">
-                <a:solidFill>
-                  <a:schemeClr val="tx1"/>
-                </a:solidFill>
-              </a:rPr>
-              <a:t>Phase 1</a:t>
-            </a:r>
-            <a:endParaRPr lang="en-US" dirty="0">
-              <a:solidFill>
-                <a:schemeClr val="tx1"/>
-              </a:solidFill>
-            </a:endParaRPr>
-          </a:p>
-        </p:txBody>
-      </p:sp>
-      <p:sp>
-        <p:nvSpPr>
-          <p:cNvPr id="11" name="Rounded Rectangle 10"/>
-          <p:cNvSpPr/>
-          <p:nvPr/>
-        </p:nvSpPr>
-        <p:spPr>
-          <a:xfrm>
-            <a:off x="1427244" y="940887"/>
-            <a:ext cx="1708855" cy="304528"/>
-          </a:xfrm>
-          <a:prstGeom prst="roundRect">
-            <a:avLst/>
-          </a:prstGeom>
-          <a:solidFill>
-            <a:schemeClr val="accent6">
-              <a:lumMod val="20000"/>
-              <a:lumOff val="80000"/>
-            </a:schemeClr>
-          </a:solidFill>
-        </p:spPr>
-        <p:style>
-          <a:lnRef idx="2">
-            <a:schemeClr val="accent1">
-              <a:shade val="50000"/>
-            </a:schemeClr>
-          </a:lnRef>
-          <a:fillRef idx="1">
-            <a:schemeClr val="accent1"/>
-          </a:fillRef>
-          <a:effectRef idx="0">
-            <a:schemeClr val="accent1"/>
-          </a:effectRef>
-          <a:fontRef idx="minor">
-            <a:schemeClr val="lt1"/>
-          </a:fontRef>
-        </p:style>
-        <p:txBody>
-          <a:bodyPr rtlCol="0" anchor="ctr"/>
-          <a:lstStyle/>
-          <a:p>
-            <a:pPr algn="ctr"/>
-            <a:r>
-              <a:rPr lang="en-US" dirty="0" smtClean="0">
-                <a:solidFill>
-                  <a:schemeClr val="tx1"/>
-                </a:solidFill>
-              </a:rPr>
-              <a:t>GCAM database </a:t>
-            </a:r>
-            <a:endParaRPr lang="en-US" dirty="0">
+              <a:t> </a:t>
+            </a:r>
+            <a:endParaRPr lang="en-US" sz="1400" dirty="0">
               <a:solidFill>
                 <a:schemeClr val="tx1"/>
               </a:solidFill>
@@ -3720,7 +5767,7 @@
         </p:nvGrpSpPr>
         <p:grpSpPr>
           <a:xfrm>
-            <a:off x="6797010" y="2166022"/>
+            <a:off x="6797010" y="1690461"/>
             <a:ext cx="5110739" cy="1441563"/>
             <a:chOff x="5980933" y="1955276"/>
             <a:chExt cx="5110739" cy="1441563"/>
@@ -3925,7 +5972,7 @@
         </p:nvGrpSpPr>
         <p:grpSpPr>
           <a:xfrm>
-            <a:off x="6692960" y="691115"/>
+            <a:off x="6674923" y="333103"/>
             <a:ext cx="5232826" cy="1404084"/>
             <a:chOff x="6025896" y="533680"/>
             <a:chExt cx="5232826" cy="1404084"/>
@@ -4216,7 +6263,7 @@
         </p:nvGrpSpPr>
         <p:grpSpPr>
           <a:xfrm>
-            <a:off x="861716" y="1508265"/>
+            <a:off x="861716" y="1599705"/>
             <a:ext cx="2693273" cy="1076986"/>
             <a:chOff x="296232" y="1234871"/>
             <a:chExt cx="2693273" cy="1076986"/>
@@ -4373,7 +6420,7 @@
         </p:nvGrpSpPr>
         <p:grpSpPr>
           <a:xfrm>
-            <a:off x="631867" y="2825275"/>
+            <a:off x="631867" y="3181891"/>
             <a:ext cx="3384404" cy="1437350"/>
             <a:chOff x="37949" y="2526164"/>
             <a:chExt cx="3384404" cy="1437350"/>
@@ -4593,280 +6640,295 @@
       </p:grpSp>
       <p:grpSp>
         <p:nvGrpSpPr>
-          <p:cNvPr id="61" name="Group 60"/>
-          <p:cNvGrpSpPr>
-            <a:grpSpLocks noChangeAspect="1"/>
-          </p:cNvGrpSpPr>
+          <p:cNvPr id="60" name="Group 59"/>
+          <p:cNvGrpSpPr/>
           <p:nvPr/>
         </p:nvGrpSpPr>
         <p:grpSpPr>
           <a:xfrm>
-            <a:off x="6675120" y="3744424"/>
-            <a:ext cx="5297126" cy="1395071"/>
-            <a:chOff x="5998172" y="394540"/>
-            <a:chExt cx="5297126" cy="1395071"/>
+            <a:off x="6703816" y="3226500"/>
+            <a:ext cx="5297126" cy="1391220"/>
+            <a:chOff x="6675120" y="3744424"/>
+            <a:chExt cx="5297126" cy="1391220"/>
           </a:xfrm>
         </p:grpSpPr>
-        <p:sp>
-          <p:nvSpPr>
-            <p:cNvPr id="64" name="Rounded Rectangle 63"/>
-            <p:cNvSpPr/>
+        <p:grpSp>
+          <p:nvGrpSpPr>
+            <p:cNvPr id="61" name="Group 60"/>
+            <p:cNvGrpSpPr>
+              <a:grpSpLocks noChangeAspect="1"/>
+            </p:cNvGrpSpPr>
             <p:nvPr/>
-          </p:nvSpPr>
-          <p:spPr>
+          </p:nvGrpSpPr>
+          <p:grpSpPr>
             <a:xfrm>
-              <a:off x="5998172" y="512763"/>
-              <a:ext cx="5297126" cy="1276848"/>
+              <a:off x="6675120" y="3744424"/>
+              <a:ext cx="5297126" cy="1391220"/>
+              <a:chOff x="5998172" y="394540"/>
+              <a:chExt cx="5297126" cy="1391220"/>
             </a:xfrm>
-            <a:prstGeom prst="roundRect">
-              <a:avLst/>
-            </a:prstGeom>
-            <a:solidFill>
-              <a:schemeClr val="accent5">
-                <a:lumMod val="20000"/>
-                <a:lumOff val="80000"/>
-              </a:schemeClr>
-            </a:solidFill>
-          </p:spPr>
-          <p:style>
-            <a:lnRef idx="2">
-              <a:schemeClr val="accent1">
-                <a:shade val="50000"/>
-              </a:schemeClr>
-            </a:lnRef>
-            <a:fillRef idx="1">
-              <a:schemeClr val="accent1"/>
-            </a:fillRef>
-            <a:effectRef idx="0">
-              <a:schemeClr val="accent1"/>
-            </a:effectRef>
-            <a:fontRef idx="minor">
-              <a:schemeClr val="lt1"/>
-            </a:fontRef>
-          </p:style>
-          <p:txBody>
-            <a:bodyPr rtlCol="0" anchor="ctr"/>
-            <a:lstStyle/>
-            <a:p>
-              <a:pPr algn="ctr"/>
-              <a:endParaRPr lang="en-US"/>
-            </a:p>
-          </p:txBody>
-        </p:sp>
-        <p:sp>
-          <p:nvSpPr>
-            <p:cNvPr id="65" name="Rounded Rectangle 64"/>
-            <p:cNvSpPr/>
-            <p:nvPr/>
-          </p:nvSpPr>
-          <p:spPr>
-            <a:xfrm>
-              <a:off x="7364910" y="394540"/>
-              <a:ext cx="2621042" cy="518785"/>
-            </a:xfrm>
-            <a:prstGeom prst="roundRect">
-              <a:avLst/>
-            </a:prstGeom>
-            <a:noFill/>
-            <a:ln>
+          </p:grpSpPr>
+          <p:sp>
+            <p:nvSpPr>
+              <p:cNvPr id="64" name="Rounded Rectangle 63"/>
+              <p:cNvSpPr/>
+              <p:nvPr/>
+            </p:nvSpPr>
+            <p:spPr>
+              <a:xfrm>
+                <a:off x="5998172" y="512763"/>
+                <a:ext cx="5297126" cy="1272997"/>
+              </a:xfrm>
+              <a:prstGeom prst="roundRect">
+                <a:avLst/>
+              </a:prstGeom>
+              <a:solidFill>
+                <a:schemeClr val="accent5">
+                  <a:lumMod val="20000"/>
+                  <a:lumOff val="80000"/>
+                </a:schemeClr>
+              </a:solidFill>
+            </p:spPr>
+            <p:style>
+              <a:lnRef idx="2">
+                <a:schemeClr val="accent1">
+                  <a:shade val="50000"/>
+                </a:schemeClr>
+              </a:lnRef>
+              <a:fillRef idx="1">
+                <a:schemeClr val="accent1"/>
+              </a:fillRef>
+              <a:effectRef idx="0">
+                <a:schemeClr val="accent1"/>
+              </a:effectRef>
+              <a:fontRef idx="minor">
+                <a:schemeClr val="lt1"/>
+              </a:fontRef>
+            </p:style>
+            <p:txBody>
+              <a:bodyPr rtlCol="0" anchor="ctr"/>
+              <a:lstStyle/>
+              <a:p>
+                <a:pPr algn="ctr"/>
+                <a:endParaRPr lang="en-US"/>
+              </a:p>
+            </p:txBody>
+          </p:sp>
+          <p:sp>
+            <p:nvSpPr>
+              <p:cNvPr id="65" name="Rounded Rectangle 64"/>
+              <p:cNvSpPr/>
+              <p:nvPr/>
+            </p:nvSpPr>
+            <p:spPr>
+              <a:xfrm>
+                <a:off x="7364910" y="394540"/>
+                <a:ext cx="2621042" cy="518785"/>
+              </a:xfrm>
+              <a:prstGeom prst="roundRect">
+                <a:avLst/>
+              </a:prstGeom>
               <a:noFill/>
-            </a:ln>
-          </p:spPr>
-          <p:style>
-            <a:lnRef idx="2">
-              <a:schemeClr val="accent1">
-                <a:shade val="50000"/>
-              </a:schemeClr>
-            </a:lnRef>
-            <a:fillRef idx="1">
-              <a:schemeClr val="accent1"/>
-            </a:fillRef>
-            <a:effectRef idx="0">
-              <a:schemeClr val="accent1"/>
-            </a:effectRef>
-            <a:fontRef idx="minor">
-              <a:schemeClr val="lt1"/>
-            </a:fontRef>
-          </p:style>
-          <p:txBody>
-            <a:bodyPr rtlCol="0" anchor="ctr"/>
-            <a:lstStyle/>
-            <a:p>
-              <a:r>
-                <a:rPr lang="en-US" sz="1600" u="sng" dirty="0" smtClean="0">
+              <a:ln>
+                <a:noFill/>
+              </a:ln>
+            </p:spPr>
+            <p:style>
+              <a:lnRef idx="2">
+                <a:schemeClr val="accent1">
+                  <a:shade val="50000"/>
+                </a:schemeClr>
+              </a:lnRef>
+              <a:fillRef idx="1">
+                <a:schemeClr val="accent1"/>
+              </a:fillRef>
+              <a:effectRef idx="0">
+                <a:schemeClr val="accent1"/>
+              </a:effectRef>
+              <a:fontRef idx="minor">
+                <a:schemeClr val="lt1"/>
+              </a:fontRef>
+            </p:style>
+            <p:txBody>
+              <a:bodyPr rtlCol="0" anchor="ctr"/>
+              <a:lstStyle/>
+              <a:p>
+                <a:r>
+                  <a:rPr lang="en-US" sz="1600" u="sng" dirty="0" smtClean="0">
+                    <a:solidFill>
+                      <a:schemeClr val="tx1"/>
+                    </a:solidFill>
+                  </a:rPr>
+                  <a:t>Standardized Polygon Tables</a:t>
+                </a:r>
+                <a:endParaRPr lang="en-US" sz="1600" dirty="0">
                   <a:solidFill>
                     <a:schemeClr val="tx1"/>
                   </a:solidFill>
-                </a:rPr>
-                <a:t>Standardized Polygon Tables</a:t>
-              </a:r>
-              <a:endParaRPr lang="en-US" sz="1600" dirty="0">
-                <a:solidFill>
-                  <a:schemeClr val="tx1"/>
-                </a:solidFill>
-              </a:endParaRPr>
-            </a:p>
-          </p:txBody>
-        </p:sp>
-        <p:sp>
-          <p:nvSpPr>
-            <p:cNvPr id="66" name="Rounded Rectangle 65"/>
-            <p:cNvSpPr/>
-            <p:nvPr/>
-          </p:nvSpPr>
-          <p:spPr>
-            <a:xfrm>
-              <a:off x="6440669" y="666937"/>
-              <a:ext cx="1927996" cy="518785"/>
-            </a:xfrm>
-            <a:prstGeom prst="roundRect">
-              <a:avLst/>
-            </a:prstGeom>
-            <a:noFill/>
-            <a:ln>
+                </a:endParaRPr>
+              </a:p>
+            </p:txBody>
+          </p:sp>
+          <p:sp>
+            <p:nvSpPr>
+              <p:cNvPr id="66" name="Rounded Rectangle 65"/>
+              <p:cNvSpPr/>
+              <p:nvPr/>
+            </p:nvSpPr>
+            <p:spPr>
+              <a:xfrm>
+                <a:off x="6440669" y="666937"/>
+                <a:ext cx="1927996" cy="518785"/>
+              </a:xfrm>
+              <a:prstGeom prst="roundRect">
+                <a:avLst/>
+              </a:prstGeom>
               <a:noFill/>
-            </a:ln>
-          </p:spPr>
-          <p:style>
-            <a:lnRef idx="2">
-              <a:schemeClr val="accent1">
-                <a:shade val="50000"/>
-              </a:schemeClr>
-            </a:lnRef>
-            <a:fillRef idx="1">
-              <a:schemeClr val="accent1"/>
-            </a:fillRef>
-            <a:effectRef idx="0">
-              <a:schemeClr val="accent1"/>
-            </a:effectRef>
-            <a:fontRef idx="minor">
-              <a:schemeClr val="lt1"/>
-            </a:fontRef>
-          </p:style>
-          <p:txBody>
-            <a:bodyPr rtlCol="0" anchor="ctr"/>
-            <a:lstStyle/>
-            <a:p>
-              <a:r>
-                <a:rPr lang="en-US" sz="1600" dirty="0" smtClean="0">
+              <a:ln>
+                <a:noFill/>
+              </a:ln>
+            </p:spPr>
+            <p:style>
+              <a:lnRef idx="2">
+                <a:schemeClr val="accent1">
+                  <a:shade val="50000"/>
+                </a:schemeClr>
+              </a:lnRef>
+              <a:fillRef idx="1">
+                <a:schemeClr val="accent1"/>
+              </a:fillRef>
+              <a:effectRef idx="0">
+                <a:schemeClr val="accent1"/>
+              </a:effectRef>
+              <a:fontRef idx="minor">
+                <a:schemeClr val="lt1"/>
+              </a:fontRef>
+            </p:style>
+            <p:txBody>
+              <a:bodyPr rtlCol="0" anchor="ctr"/>
+              <a:lstStyle/>
+              <a:p>
+                <a:r>
+                  <a:rPr lang="en-US" sz="1600" dirty="0" smtClean="0">
+                    <a:solidFill>
+                      <a:schemeClr val="tx1"/>
+                    </a:solidFill>
+                  </a:rPr>
+                  <a:t>1. Default Values</a:t>
+                </a:r>
+                <a:endParaRPr lang="en-US" sz="1600" dirty="0">
                   <a:solidFill>
                     <a:schemeClr val="tx1"/>
                   </a:solidFill>
-                </a:rPr>
-                <a:t>1. Default Values</a:t>
-              </a:r>
-              <a:endParaRPr lang="en-US" sz="1600" dirty="0">
-                <a:solidFill>
-                  <a:schemeClr val="tx1"/>
-                </a:solidFill>
-              </a:endParaRPr>
-            </a:p>
-          </p:txBody>
-        </p:sp>
-        <p:sp>
-          <p:nvSpPr>
-            <p:cNvPr id="67" name="Rounded Rectangle 66"/>
-            <p:cNvSpPr/>
-            <p:nvPr/>
-          </p:nvSpPr>
-          <p:spPr>
-            <a:xfrm>
-              <a:off x="8792713" y="654656"/>
-              <a:ext cx="2502585" cy="518785"/>
-            </a:xfrm>
-            <a:prstGeom prst="roundRect">
-              <a:avLst/>
-            </a:prstGeom>
-            <a:noFill/>
-            <a:ln>
+                </a:endParaRPr>
+              </a:p>
+            </p:txBody>
+          </p:sp>
+          <p:sp>
+            <p:nvSpPr>
+              <p:cNvPr id="67" name="Rounded Rectangle 66"/>
+              <p:cNvSpPr/>
+              <p:nvPr/>
+            </p:nvSpPr>
+            <p:spPr>
+              <a:xfrm>
+                <a:off x="8792713" y="654656"/>
+                <a:ext cx="2502585" cy="518785"/>
+              </a:xfrm>
+              <a:prstGeom prst="roundRect">
+                <a:avLst/>
+              </a:prstGeom>
               <a:noFill/>
-            </a:ln>
-          </p:spPr>
-          <p:style>
-            <a:lnRef idx="2">
-              <a:schemeClr val="accent1">
-                <a:shade val="50000"/>
-              </a:schemeClr>
-            </a:lnRef>
-            <a:fillRef idx="1">
-              <a:schemeClr val="accent1"/>
-            </a:fillRef>
-            <a:effectRef idx="0">
-              <a:schemeClr val="accent1"/>
-            </a:effectRef>
-            <a:fontRef idx="minor">
-              <a:schemeClr val="lt1"/>
-            </a:fontRef>
-          </p:style>
-          <p:txBody>
-            <a:bodyPr rtlCol="0" anchor="ctr"/>
-            <a:lstStyle/>
-            <a:p>
-              <a:r>
-                <a:rPr lang="en-US" sz="1600" dirty="0" smtClean="0">
+              <a:ln>
+                <a:noFill/>
+              </a:ln>
+            </p:spPr>
+            <p:style>
+              <a:lnRef idx="2">
+                <a:schemeClr val="accent1">
+                  <a:shade val="50000"/>
+                </a:schemeClr>
+              </a:lnRef>
+              <a:fillRef idx="1">
+                <a:schemeClr val="accent1"/>
+              </a:fillRef>
+              <a:effectRef idx="0">
+                <a:schemeClr val="accent1"/>
+              </a:effectRef>
+              <a:fontRef idx="minor">
+                <a:schemeClr val="lt1"/>
+              </a:fontRef>
+            </p:style>
+            <p:txBody>
+              <a:bodyPr rtlCol="0" anchor="ctr"/>
+              <a:lstStyle/>
+              <a:p>
+                <a:r>
+                  <a:rPr lang="en-US" sz="1600" dirty="0" smtClean="0">
+                    <a:solidFill>
+                      <a:schemeClr val="tx1"/>
+                    </a:solidFill>
+                  </a:rPr>
+                  <a:t>2. Blank Template for users</a:t>
+                </a:r>
+                <a:endParaRPr lang="en-US" sz="1600" dirty="0">
                   <a:solidFill>
                     <a:schemeClr val="tx1"/>
                   </a:solidFill>
-                </a:rPr>
-                <a:t>2. Blank Template for users</a:t>
-              </a:r>
-              <a:endParaRPr lang="en-US" sz="1600" dirty="0">
-                <a:solidFill>
-                  <a:schemeClr val="tx1"/>
-                </a:solidFill>
-              </a:endParaRPr>
-            </a:p>
-          </p:txBody>
-        </p:sp>
+                </a:endParaRPr>
+              </a:p>
+            </p:txBody>
+          </p:sp>
+        </p:grpSp>
+        <p:pic>
+          <p:nvPicPr>
+            <p:cNvPr id="68" name="Picture 67"/>
+            <p:cNvPicPr>
+              <a:picLocks noChangeAspect="1"/>
+            </p:cNvPicPr>
+            <p:nvPr/>
+          </p:nvPicPr>
+          <p:blipFill>
+            <a:blip r:embed="rId8"/>
+            <a:stretch>
+              <a:fillRect/>
+            </a:stretch>
+          </p:blipFill>
+          <p:spPr>
+            <a:xfrm>
+              <a:off x="6785116" y="4408939"/>
+              <a:ext cx="2397702" cy="659486"/>
+            </a:xfrm>
+            <a:prstGeom prst="rect">
+              <a:avLst/>
+            </a:prstGeom>
+          </p:spPr>
+        </p:pic>
+        <p:pic>
+          <p:nvPicPr>
+            <p:cNvPr id="69" name="Picture 68"/>
+            <p:cNvPicPr>
+              <a:picLocks noChangeAspect="1"/>
+            </p:cNvPicPr>
+            <p:nvPr/>
+          </p:nvPicPr>
+          <p:blipFill>
+            <a:blip r:embed="rId8"/>
+            <a:stretch>
+              <a:fillRect/>
+            </a:stretch>
+          </p:blipFill>
+          <p:spPr>
+            <a:xfrm>
+              <a:off x="9521182" y="4397724"/>
+              <a:ext cx="2397702" cy="659486"/>
+            </a:xfrm>
+            <a:prstGeom prst="rect">
+              <a:avLst/>
+            </a:prstGeom>
+          </p:spPr>
+        </p:pic>
       </p:grpSp>
-      <p:pic>
-        <p:nvPicPr>
-          <p:cNvPr id="68" name="Picture 67"/>
-          <p:cNvPicPr>
-            <a:picLocks noChangeAspect="1"/>
-          </p:cNvPicPr>
-          <p:nvPr/>
-        </p:nvPicPr>
-        <p:blipFill>
-          <a:blip r:embed="rId8"/>
-          <a:stretch>
-            <a:fillRect/>
-          </a:stretch>
-        </p:blipFill>
-        <p:spPr>
-          <a:xfrm>
-            <a:off x="6767231" y="4337288"/>
-            <a:ext cx="2397702" cy="659486"/>
-          </a:xfrm>
-          <a:prstGeom prst="rect">
-            <a:avLst/>
-          </a:prstGeom>
-        </p:spPr>
-      </p:pic>
-      <p:pic>
-        <p:nvPicPr>
-          <p:cNvPr id="69" name="Picture 68"/>
-          <p:cNvPicPr>
-            <a:picLocks noChangeAspect="1"/>
-          </p:cNvPicPr>
-          <p:nvPr/>
-        </p:nvPicPr>
-        <p:blipFill>
-          <a:blip r:embed="rId8"/>
-          <a:stretch>
-            <a:fillRect/>
-          </a:stretch>
-        </p:blipFill>
-        <p:spPr>
-          <a:xfrm>
-            <a:off x="9510047" y="4342439"/>
-            <a:ext cx="2397702" cy="659486"/>
-          </a:xfrm>
-          <a:prstGeom prst="rect">
-            <a:avLst/>
-          </a:prstGeom>
-        </p:spPr>
-      </p:pic>
       <p:grpSp>
         <p:nvGrpSpPr>
           <p:cNvPr id="70" name="Group 69"/>
@@ -4875,7 +6937,7 @@
         </p:nvGrpSpPr>
         <p:grpSpPr>
           <a:xfrm>
-            <a:off x="657785" y="4522740"/>
+            <a:off x="657785" y="5043948"/>
             <a:ext cx="3389190" cy="1593669"/>
             <a:chOff x="37949" y="2526163"/>
             <a:chExt cx="3389190" cy="1593669"/>
@@ -5101,7 +7163,7 @@
         </p:nvGrpSpPr>
         <p:grpSpPr>
           <a:xfrm>
-            <a:off x="8268636" y="5338856"/>
+            <a:off x="8250599" y="5147654"/>
             <a:ext cx="2309129" cy="1324925"/>
             <a:chOff x="6454560" y="5148751"/>
             <a:chExt cx="2309129" cy="1324925"/>
@@ -5386,19 +7448,18 @@
       </p:grpSp>
       <p:cxnSp>
         <p:nvCxnSpPr>
-          <p:cNvPr id="82" name="Straight Connector 81"/>
+          <p:cNvPr id="83" name="Elbow Connector 82"/>
           <p:cNvCxnSpPr>
-            <a:stCxn id="10" idx="2"/>
-            <a:endCxn id="4" idx="0"/>
+            <a:endCxn id="24" idx="0"/>
           </p:cNvCxnSpPr>
           <p:nvPr/>
         </p:nvCxnSpPr>
         <p:spPr>
-          <a:xfrm flipH="1">
-            <a:off x="5237562" y="850336"/>
-            <a:ext cx="1951" cy="454893"/>
-          </a:xfrm>
-          <a:prstGeom prst="line">
+          <a:xfrm rot="10800000" flipV="1">
+            <a:off x="2183563" y="1473237"/>
+            <a:ext cx="4472598" cy="261621"/>
+          </a:xfrm>
+          <a:prstGeom prst="bentConnector2">
             <a:avLst/>
           </a:prstGeom>
         </p:spPr>
@@ -5419,402 +7480,22 @@
       </p:cxnSp>
       <p:cxnSp>
         <p:nvCxnSpPr>
-          <p:cNvPr id="84" name="Straight Connector 83"/>
+          <p:cNvPr id="96" name="Elbow Connector 95"/>
           <p:cNvCxnSpPr>
-            <a:stCxn id="20" idx="1"/>
-            <a:endCxn id="4" idx="3"/>
+            <a:stCxn id="64" idx="2"/>
+            <a:endCxn id="71" idx="0"/>
           </p:cNvCxnSpPr>
           <p:nvPr/>
         </p:nvCxnSpPr>
         <p:spPr>
-          <a:xfrm flipH="1">
-            <a:off x="6083110" y="1456775"/>
-            <a:ext cx="609850" cy="718"/>
-          </a:xfrm>
-          <a:prstGeom prst="line">
-            <a:avLst/>
-          </a:prstGeom>
-        </p:spPr>
-        <p:style>
-          <a:lnRef idx="1">
-            <a:schemeClr val="dk1"/>
-          </a:lnRef>
-          <a:fillRef idx="0">
-            <a:schemeClr val="dk1"/>
-          </a:fillRef>
-          <a:effectRef idx="0">
-            <a:schemeClr val="dk1"/>
-          </a:effectRef>
-          <a:fontRef idx="minor">
-            <a:schemeClr val="tx1"/>
-          </a:fontRef>
-        </p:style>
-      </p:cxnSp>
-      <p:cxnSp>
-        <p:nvCxnSpPr>
-          <p:cNvPr id="88" name="Straight Connector 87"/>
-          <p:cNvCxnSpPr>
-            <a:stCxn id="4" idx="2"/>
-            <a:endCxn id="5" idx="0"/>
-          </p:cNvCxnSpPr>
-          <p:nvPr/>
-        </p:nvCxnSpPr>
-        <p:spPr>
-          <a:xfrm>
-            <a:off x="5237562" y="1609756"/>
-            <a:ext cx="0" cy="835074"/>
-          </a:xfrm>
-          <a:prstGeom prst="line">
-            <a:avLst/>
-          </a:prstGeom>
-        </p:spPr>
-        <p:style>
-          <a:lnRef idx="1">
-            <a:schemeClr val="dk1"/>
-          </a:lnRef>
-          <a:fillRef idx="0">
-            <a:schemeClr val="dk1"/>
-          </a:fillRef>
-          <a:effectRef idx="0">
-            <a:schemeClr val="dk1"/>
-          </a:effectRef>
-          <a:fontRef idx="minor">
-            <a:schemeClr val="tx1"/>
-          </a:fontRef>
-        </p:style>
-      </p:cxnSp>
-      <p:cxnSp>
-        <p:nvCxnSpPr>
-          <p:cNvPr id="91" name="Straight Connector 90"/>
-          <p:cNvCxnSpPr>
-            <a:stCxn id="5" idx="2"/>
-            <a:endCxn id="6" idx="0"/>
-          </p:cNvCxnSpPr>
-          <p:nvPr/>
-        </p:nvCxnSpPr>
-        <p:spPr>
-          <a:xfrm>
-            <a:off x="5237562" y="2749357"/>
-            <a:ext cx="0" cy="1204386"/>
-          </a:xfrm>
-          <a:prstGeom prst="line">
-            <a:avLst/>
-          </a:prstGeom>
-        </p:spPr>
-        <p:style>
-          <a:lnRef idx="1">
-            <a:schemeClr val="dk1"/>
-          </a:lnRef>
-          <a:fillRef idx="0">
-            <a:schemeClr val="dk1"/>
-          </a:fillRef>
-          <a:effectRef idx="0">
-            <a:schemeClr val="dk1"/>
-          </a:effectRef>
-          <a:fontRef idx="minor">
-            <a:schemeClr val="tx1"/>
-          </a:fontRef>
-        </p:style>
-      </p:cxnSp>
-      <p:cxnSp>
-        <p:nvCxnSpPr>
-          <p:cNvPr id="94" name="Straight Connector 93"/>
-          <p:cNvCxnSpPr>
-            <a:stCxn id="6" idx="2"/>
-            <a:endCxn id="7" idx="0"/>
-          </p:cNvCxnSpPr>
-          <p:nvPr/>
-        </p:nvCxnSpPr>
-        <p:spPr>
-          <a:xfrm>
-            <a:off x="5237562" y="4258270"/>
-            <a:ext cx="1411" cy="1615755"/>
-          </a:xfrm>
-          <a:prstGeom prst="line">
-            <a:avLst/>
-          </a:prstGeom>
-        </p:spPr>
-        <p:style>
-          <a:lnRef idx="1">
-            <a:schemeClr val="dk1"/>
-          </a:lnRef>
-          <a:fillRef idx="0">
-            <a:schemeClr val="dk1"/>
-          </a:fillRef>
-          <a:effectRef idx="0">
-            <a:schemeClr val="dk1"/>
-          </a:effectRef>
-          <a:fontRef idx="minor">
-            <a:schemeClr val="tx1"/>
-          </a:fontRef>
-        </p:style>
-      </p:cxnSp>
-      <p:cxnSp>
-        <p:nvCxnSpPr>
-          <p:cNvPr id="102" name="Straight Connector 101"/>
-          <p:cNvCxnSpPr/>
-          <p:nvPr/>
-        </p:nvCxnSpPr>
-        <p:spPr>
-          <a:xfrm flipH="1">
-            <a:off x="5238972" y="1940579"/>
-            <a:ext cx="1441671" cy="0"/>
-          </a:xfrm>
-          <a:prstGeom prst="line">
-            <a:avLst/>
-          </a:prstGeom>
-        </p:spPr>
-        <p:style>
-          <a:lnRef idx="1">
-            <a:schemeClr val="dk1"/>
-          </a:lnRef>
-          <a:fillRef idx="0">
-            <a:schemeClr val="dk1"/>
-          </a:fillRef>
-          <a:effectRef idx="0">
-            <a:schemeClr val="dk1"/>
-          </a:effectRef>
-          <a:fontRef idx="minor">
-            <a:schemeClr val="tx1"/>
-          </a:fontRef>
-        </p:style>
-      </p:cxnSp>
-      <p:cxnSp>
-        <p:nvCxnSpPr>
-          <p:cNvPr id="104" name="Straight Connector 103"/>
-          <p:cNvCxnSpPr/>
-          <p:nvPr/>
-        </p:nvCxnSpPr>
-        <p:spPr>
-          <a:xfrm flipH="1">
-            <a:off x="3505410" y="2211158"/>
-            <a:ext cx="1733562" cy="0"/>
-          </a:xfrm>
-          <a:prstGeom prst="line">
-            <a:avLst/>
-          </a:prstGeom>
-        </p:spPr>
-        <p:style>
-          <a:lnRef idx="1">
-            <a:schemeClr val="dk1"/>
-          </a:lnRef>
-          <a:fillRef idx="0">
-            <a:schemeClr val="dk1"/>
-          </a:fillRef>
-          <a:effectRef idx="0">
-            <a:schemeClr val="dk1"/>
-          </a:effectRef>
-          <a:fontRef idx="minor">
-            <a:schemeClr val="tx1"/>
-          </a:fontRef>
-        </p:style>
-      </p:cxnSp>
-      <p:cxnSp>
-        <p:nvCxnSpPr>
-          <p:cNvPr id="106" name="Straight Connector 105"/>
-          <p:cNvCxnSpPr>
-            <a:endCxn id="11" idx="3"/>
-          </p:cNvCxnSpPr>
-          <p:nvPr/>
-        </p:nvCxnSpPr>
-        <p:spPr>
-          <a:xfrm flipH="1">
-            <a:off x="3136099" y="1093151"/>
-            <a:ext cx="2102873" cy="0"/>
-          </a:xfrm>
-          <a:prstGeom prst="line">
-            <a:avLst/>
-          </a:prstGeom>
-        </p:spPr>
-        <p:style>
-          <a:lnRef idx="1">
-            <a:schemeClr val="dk1"/>
-          </a:lnRef>
-          <a:fillRef idx="0">
-            <a:schemeClr val="dk1"/>
-          </a:fillRef>
-          <a:effectRef idx="0">
-            <a:schemeClr val="dk1"/>
-          </a:effectRef>
-          <a:fontRef idx="minor">
-            <a:schemeClr val="tx1"/>
-          </a:fontRef>
-        </p:style>
-      </p:cxnSp>
-      <p:cxnSp>
-        <p:nvCxnSpPr>
-          <p:cNvPr id="109" name="Straight Connector 108"/>
-          <p:cNvCxnSpPr>
-            <a:endCxn id="5" idx="3"/>
-          </p:cNvCxnSpPr>
-          <p:nvPr/>
-        </p:nvCxnSpPr>
-        <p:spPr>
-          <a:xfrm flipH="1">
-            <a:off x="6083110" y="2596323"/>
-            <a:ext cx="713900" cy="771"/>
-          </a:xfrm>
-          <a:prstGeom prst="line">
-            <a:avLst/>
-          </a:prstGeom>
-        </p:spPr>
-        <p:style>
-          <a:lnRef idx="1">
-            <a:schemeClr val="dk1"/>
-          </a:lnRef>
-          <a:fillRef idx="0">
-            <a:schemeClr val="dk1"/>
-          </a:fillRef>
-          <a:effectRef idx="0">
-            <a:schemeClr val="dk1"/>
-          </a:effectRef>
-          <a:fontRef idx="minor">
-            <a:schemeClr val="tx1"/>
-          </a:fontRef>
-        </p:style>
-      </p:cxnSp>
-      <p:cxnSp>
-        <p:nvCxnSpPr>
-          <p:cNvPr id="114" name="Straight Connector 113"/>
-          <p:cNvCxnSpPr>
-            <a:endCxn id="49" idx="3"/>
-          </p:cNvCxnSpPr>
-          <p:nvPr/>
-        </p:nvCxnSpPr>
-        <p:spPr>
-          <a:xfrm flipH="1">
-            <a:off x="3931478" y="3543950"/>
-            <a:ext cx="1307494" cy="0"/>
-          </a:xfrm>
-          <a:prstGeom prst="line">
-            <a:avLst/>
-          </a:prstGeom>
-        </p:spPr>
-        <p:style>
-          <a:lnRef idx="1">
-            <a:schemeClr val="dk1"/>
-          </a:lnRef>
-          <a:fillRef idx="0">
-            <a:schemeClr val="dk1"/>
-          </a:fillRef>
-          <a:effectRef idx="0">
-            <a:schemeClr val="dk1"/>
-          </a:effectRef>
-          <a:fontRef idx="minor">
-            <a:schemeClr val="tx1"/>
-          </a:fontRef>
-        </p:style>
-      </p:cxnSp>
-      <p:cxnSp>
-        <p:nvCxnSpPr>
-          <p:cNvPr id="120" name="Straight Connector 119"/>
-          <p:cNvCxnSpPr>
-            <a:endCxn id="6" idx="3"/>
-          </p:cNvCxnSpPr>
-          <p:nvPr/>
-        </p:nvCxnSpPr>
-        <p:spPr>
-          <a:xfrm flipH="1">
-            <a:off x="6083110" y="4106006"/>
-            <a:ext cx="597533" cy="1"/>
-          </a:xfrm>
-          <a:prstGeom prst="line">
-            <a:avLst/>
-          </a:prstGeom>
-        </p:spPr>
-        <p:style>
-          <a:lnRef idx="1">
-            <a:schemeClr val="dk1"/>
-          </a:lnRef>
-          <a:fillRef idx="0">
-            <a:schemeClr val="dk1"/>
-          </a:fillRef>
-          <a:effectRef idx="0">
-            <a:schemeClr val="dk1"/>
-          </a:effectRef>
-          <a:fontRef idx="minor">
-            <a:schemeClr val="tx1"/>
-          </a:fontRef>
-        </p:style>
-      </p:cxnSp>
-      <p:cxnSp>
-        <p:nvCxnSpPr>
-          <p:cNvPr id="123" name="Straight Connector 122"/>
-          <p:cNvCxnSpPr/>
-          <p:nvPr/>
-        </p:nvCxnSpPr>
-        <p:spPr>
-          <a:xfrm flipH="1" flipV="1">
-            <a:off x="5234545" y="4645610"/>
-            <a:ext cx="1443338" cy="5088"/>
-          </a:xfrm>
-          <a:prstGeom prst="line">
-            <a:avLst/>
-          </a:prstGeom>
-        </p:spPr>
-        <p:style>
-          <a:lnRef idx="1">
-            <a:schemeClr val="dk1"/>
-          </a:lnRef>
-          <a:fillRef idx="0">
-            <a:schemeClr val="dk1"/>
-          </a:fillRef>
-          <a:effectRef idx="0">
-            <a:schemeClr val="dk1"/>
-          </a:effectRef>
-          <a:fontRef idx="minor">
-            <a:schemeClr val="tx1"/>
-          </a:fontRef>
-        </p:style>
-      </p:cxnSp>
-      <p:cxnSp>
-        <p:nvCxnSpPr>
-          <p:cNvPr id="125" name="Straight Connector 124"/>
-          <p:cNvCxnSpPr>
-            <a:endCxn id="71" idx="3"/>
-          </p:cNvCxnSpPr>
-          <p:nvPr/>
-        </p:nvCxnSpPr>
-        <p:spPr>
-          <a:xfrm flipH="1">
-            <a:off x="3957396" y="5319574"/>
-            <a:ext cx="1281576" cy="1"/>
-          </a:xfrm>
-          <a:prstGeom prst="line">
-            <a:avLst/>
-          </a:prstGeom>
-        </p:spPr>
-        <p:style>
-          <a:lnRef idx="1">
-            <a:schemeClr val="dk1"/>
-          </a:lnRef>
-          <a:fillRef idx="0">
-            <a:schemeClr val="dk1"/>
-          </a:fillRef>
-          <a:effectRef idx="0">
-            <a:schemeClr val="dk1"/>
-          </a:effectRef>
-          <a:fontRef idx="minor">
-            <a:schemeClr val="tx1"/>
-          </a:fontRef>
-        </p:style>
-      </p:cxnSp>
-      <p:cxnSp>
-        <p:nvCxnSpPr>
-          <p:cNvPr id="128" name="Straight Connector 127"/>
-          <p:cNvCxnSpPr>
-            <a:stCxn id="58" idx="1"/>
-            <a:endCxn id="7" idx="3"/>
-          </p:cNvCxnSpPr>
-          <p:nvPr/>
-        </p:nvCxnSpPr>
-        <p:spPr>
-          <a:xfrm flipH="1">
-            <a:off x="6084521" y="6025357"/>
-            <a:ext cx="2197948" cy="932"/>
-          </a:xfrm>
-          <a:prstGeom prst="line">
-            <a:avLst/>
+          <a:xfrm rot="5400000">
+            <a:off x="5616871" y="1308440"/>
+            <a:ext cx="426228" cy="7044788"/>
+          </a:xfrm>
+          <a:prstGeom prst="bentConnector3">
+            <a:avLst>
+              <a:gd name="adj1" fmla="val 50000"/>
+            </a:avLst>
           </a:prstGeom>
         </p:spPr>
         <p:style>
@@ -5835,7 +7516,7 @@
     </p:spTree>
     <p:extLst>
       <p:ext uri="{BB962C8B-B14F-4D97-AF65-F5344CB8AC3E}">
-        <p14:creationId xmlns:p14="http://schemas.microsoft.com/office/powerpoint/2010/main" val="3400702790"/>
+        <p14:creationId xmlns:p14="http://schemas.microsoft.com/office/powerpoint/2010/main" val="854133369"/>
       </p:ext>
     </p:extLst>
   </p:cSld>
@@ -5849,6 +7530,1616 @@
       </p:par>
     </p:tnLst>
   </p:timing>
+</p:sld>
+</file>
+
+<file path=ppt/slides/slide4.xml><?xml version="1.0" encoding="utf-8"?>
+<p:sld xmlns:a="http://schemas.openxmlformats.org/drawingml/2006/main" xmlns:r="http://schemas.openxmlformats.org/officeDocument/2006/relationships" xmlns:p="http://schemas.openxmlformats.org/presentationml/2006/main">
+  <p:cSld>
+    <p:spTree>
+      <p:nvGrpSpPr>
+        <p:cNvPr id="1" name=""/>
+        <p:cNvGrpSpPr/>
+        <p:nvPr/>
+      </p:nvGrpSpPr>
+      <p:grpSpPr>
+        <a:xfrm>
+          <a:off x="0" y="0"/>
+          <a:ext cx="0" cy="0"/>
+          <a:chOff x="0" y="0"/>
+          <a:chExt cx="0" cy="0"/>
+        </a:xfrm>
+      </p:grpSpPr>
+      <p:pic>
+        <p:nvPicPr>
+          <p:cNvPr id="4" name="Picture 3"/>
+          <p:cNvPicPr>
+            <a:picLocks noChangeAspect="1"/>
+          </p:cNvPicPr>
+          <p:nvPr/>
+        </p:nvPicPr>
+        <p:blipFill rotWithShape="1">
+          <a:blip r:embed="rId3"/>
+          <a:srcRect r="36518"/>
+          <a:stretch/>
+        </p:blipFill>
+        <p:spPr>
+          <a:xfrm>
+            <a:off x="486156" y="714375"/>
+            <a:ext cx="1306068" cy="5429250"/>
+          </a:xfrm>
+          <a:prstGeom prst="rect">
+            <a:avLst/>
+          </a:prstGeom>
+          <a:ln w="3175">
+            <a:noFill/>
+          </a:ln>
+          <a:effectLst/>
+        </p:spPr>
+      </p:pic>
+      <p:pic>
+        <p:nvPicPr>
+          <p:cNvPr id="7" name="Picture 6"/>
+          <p:cNvPicPr>
+            <a:picLocks noChangeAspect="1"/>
+          </p:cNvPicPr>
+          <p:nvPr/>
+        </p:nvPicPr>
+        <p:blipFill>
+          <a:blip r:embed="rId4"/>
+          <a:stretch>
+            <a:fillRect/>
+          </a:stretch>
+        </p:blipFill>
+        <p:spPr>
+          <a:xfrm>
+            <a:off x="2245423" y="572066"/>
+            <a:ext cx="1104900" cy="638175"/>
+          </a:xfrm>
+          <a:prstGeom prst="rect">
+            <a:avLst/>
+          </a:prstGeom>
+          <a:ln w="3175">
+            <a:solidFill>
+              <a:schemeClr val="tx1"/>
+            </a:solidFill>
+          </a:ln>
+          <a:effectLst>
+            <a:outerShdw blurRad="50800" dist="38100" dir="2700000" algn="tl" rotWithShape="0">
+              <a:prstClr val="black">
+                <a:alpha val="40000"/>
+              </a:prstClr>
+            </a:outerShdw>
+          </a:effectLst>
+        </p:spPr>
+      </p:pic>
+      <p:pic>
+        <p:nvPicPr>
+          <p:cNvPr id="8" name="Picture 7"/>
+          <p:cNvPicPr>
+            <a:picLocks noChangeAspect="1"/>
+          </p:cNvPicPr>
+          <p:nvPr/>
+        </p:nvPicPr>
+        <p:blipFill>
+          <a:blip r:embed="rId5"/>
+          <a:stretch>
+            <a:fillRect/>
+          </a:stretch>
+        </p:blipFill>
+        <p:spPr>
+          <a:xfrm>
+            <a:off x="4117800" y="505390"/>
+            <a:ext cx="2009775" cy="771525"/>
+          </a:xfrm>
+          <a:prstGeom prst="rect">
+            <a:avLst/>
+          </a:prstGeom>
+          <a:ln w="3175">
+            <a:solidFill>
+              <a:schemeClr val="tx1"/>
+            </a:solidFill>
+          </a:ln>
+          <a:effectLst>
+            <a:outerShdw blurRad="50800" dist="38100" dir="2700000" algn="tl" rotWithShape="0">
+              <a:prstClr val="black">
+                <a:alpha val="40000"/>
+              </a:prstClr>
+            </a:outerShdw>
+          </a:effectLst>
+        </p:spPr>
+      </p:pic>
+      <p:pic>
+        <p:nvPicPr>
+          <p:cNvPr id="9" name="Picture 8"/>
+          <p:cNvPicPr>
+            <a:picLocks noChangeAspect="1"/>
+          </p:cNvPicPr>
+          <p:nvPr/>
+        </p:nvPicPr>
+        <p:blipFill>
+          <a:blip r:embed="rId6"/>
+          <a:stretch>
+            <a:fillRect/>
+          </a:stretch>
+        </p:blipFill>
+        <p:spPr>
+          <a:xfrm>
+            <a:off x="2797873" y="2048256"/>
+            <a:ext cx="8648510" cy="3739896"/>
+          </a:xfrm>
+          <a:prstGeom prst="rect">
+            <a:avLst/>
+          </a:prstGeom>
+          <a:ln w="3175">
+            <a:solidFill>
+              <a:schemeClr val="tx1"/>
+            </a:solidFill>
+          </a:ln>
+          <a:effectLst>
+            <a:outerShdw blurRad="50800" dist="38100" dir="2700000" algn="tl" rotWithShape="0">
+              <a:prstClr val="black">
+                <a:alpha val="40000"/>
+              </a:prstClr>
+            </a:outerShdw>
+          </a:effectLst>
+        </p:spPr>
+      </p:pic>
+      <p:cxnSp>
+        <p:nvCxnSpPr>
+          <p:cNvPr id="11" name="Straight Connector 10"/>
+          <p:cNvCxnSpPr>
+            <a:endCxn id="7" idx="1"/>
+          </p:cNvCxnSpPr>
+          <p:nvPr/>
+        </p:nvCxnSpPr>
+        <p:spPr>
+          <a:xfrm>
+            <a:off x="1426464" y="891154"/>
+            <a:ext cx="818959" cy="0"/>
+          </a:xfrm>
+          <a:prstGeom prst="line">
+            <a:avLst/>
+          </a:prstGeom>
+        </p:spPr>
+        <p:style>
+          <a:lnRef idx="1">
+            <a:schemeClr val="dk1"/>
+          </a:lnRef>
+          <a:fillRef idx="0">
+            <a:schemeClr val="dk1"/>
+          </a:fillRef>
+          <a:effectRef idx="0">
+            <a:schemeClr val="dk1"/>
+          </a:effectRef>
+          <a:fontRef idx="minor">
+            <a:schemeClr val="tx1"/>
+          </a:fontRef>
+        </p:style>
+      </p:cxnSp>
+      <p:cxnSp>
+        <p:nvCxnSpPr>
+          <p:cNvPr id="12" name="Straight Connector 11"/>
+          <p:cNvCxnSpPr>
+            <a:endCxn id="8" idx="1"/>
+          </p:cNvCxnSpPr>
+          <p:nvPr/>
+        </p:nvCxnSpPr>
+        <p:spPr>
+          <a:xfrm>
+            <a:off x="2986040" y="741807"/>
+            <a:ext cx="1131760" cy="149346"/>
+          </a:xfrm>
+          <a:prstGeom prst="line">
+            <a:avLst/>
+          </a:prstGeom>
+        </p:spPr>
+        <p:style>
+          <a:lnRef idx="1">
+            <a:schemeClr val="dk1"/>
+          </a:lnRef>
+          <a:fillRef idx="0">
+            <a:schemeClr val="dk1"/>
+          </a:fillRef>
+          <a:effectRef idx="0">
+            <a:schemeClr val="dk1"/>
+          </a:effectRef>
+          <a:fontRef idx="minor">
+            <a:schemeClr val="tx1"/>
+          </a:fontRef>
+        </p:style>
+      </p:cxnSp>
+      <p:cxnSp>
+        <p:nvCxnSpPr>
+          <p:cNvPr id="16" name="Straight Connector 15"/>
+          <p:cNvCxnSpPr>
+            <a:endCxn id="9" idx="0"/>
+          </p:cNvCxnSpPr>
+          <p:nvPr/>
+        </p:nvCxnSpPr>
+        <p:spPr>
+          <a:xfrm>
+            <a:off x="5404104" y="967354"/>
+            <a:ext cx="1718024" cy="1080902"/>
+          </a:xfrm>
+          <a:prstGeom prst="line">
+            <a:avLst/>
+          </a:prstGeom>
+        </p:spPr>
+        <p:style>
+          <a:lnRef idx="1">
+            <a:schemeClr val="dk1"/>
+          </a:lnRef>
+          <a:fillRef idx="0">
+            <a:schemeClr val="dk1"/>
+          </a:fillRef>
+          <a:effectRef idx="0">
+            <a:schemeClr val="dk1"/>
+          </a:effectRef>
+          <a:fontRef idx="minor">
+            <a:schemeClr val="tx1"/>
+          </a:fontRef>
+        </p:style>
+      </p:cxnSp>
+    </p:spTree>
+    <p:extLst>
+      <p:ext uri="{BB962C8B-B14F-4D97-AF65-F5344CB8AC3E}">
+        <p14:creationId xmlns:p14="http://schemas.microsoft.com/office/powerpoint/2010/main" val="572325030"/>
+      </p:ext>
+    </p:extLst>
+  </p:cSld>
+  <p:clrMapOvr>
+    <a:masterClrMapping/>
+  </p:clrMapOvr>
+</p:sld>
+</file>
+
+<file path=ppt/slides/slide5.xml><?xml version="1.0" encoding="utf-8"?>
+<p:sld xmlns:a="http://schemas.openxmlformats.org/drawingml/2006/main" xmlns:r="http://schemas.openxmlformats.org/officeDocument/2006/relationships" xmlns:p="http://schemas.openxmlformats.org/presentationml/2006/main">
+  <p:cSld>
+    <p:spTree>
+      <p:nvGrpSpPr>
+        <p:cNvPr id="1" name=""/>
+        <p:cNvGrpSpPr/>
+        <p:nvPr/>
+      </p:nvGrpSpPr>
+      <p:grpSpPr>
+        <a:xfrm>
+          <a:off x="0" y="0"/>
+          <a:ext cx="0" cy="0"/>
+          <a:chOff x="0" y="0"/>
+          <a:chExt cx="0" cy="0"/>
+        </a:xfrm>
+      </p:grpSpPr>
+      <p:pic>
+        <p:nvPicPr>
+          <p:cNvPr id="4" name="Picture 3"/>
+          <p:cNvPicPr>
+            <a:picLocks noChangeAspect="1"/>
+          </p:cNvPicPr>
+          <p:nvPr/>
+        </p:nvPicPr>
+        <p:blipFill>
+          <a:blip r:embed="rId3"/>
+          <a:stretch>
+            <a:fillRect/>
+          </a:stretch>
+        </p:blipFill>
+        <p:spPr>
+          <a:xfrm>
+            <a:off x="486156" y="714375"/>
+            <a:ext cx="2057400" cy="5429250"/>
+          </a:xfrm>
+          <a:prstGeom prst="rect">
+            <a:avLst/>
+          </a:prstGeom>
+        </p:spPr>
+      </p:pic>
+      <p:pic>
+        <p:nvPicPr>
+          <p:cNvPr id="2" name="Picture 1"/>
+          <p:cNvPicPr>
+            <a:picLocks noChangeAspect="1"/>
+          </p:cNvPicPr>
+          <p:nvPr/>
+        </p:nvPicPr>
+        <p:blipFill>
+          <a:blip r:embed="rId4"/>
+          <a:stretch>
+            <a:fillRect/>
+          </a:stretch>
+        </p:blipFill>
+        <p:spPr>
+          <a:xfrm>
+            <a:off x="2388108" y="714375"/>
+            <a:ext cx="1628775" cy="1238250"/>
+          </a:xfrm>
+          <a:prstGeom prst="rect">
+            <a:avLst/>
+          </a:prstGeom>
+          <a:ln w="3175">
+            <a:solidFill>
+              <a:schemeClr val="tx1"/>
+            </a:solidFill>
+          </a:ln>
+          <a:effectLst>
+            <a:outerShdw blurRad="50800" dist="38100" dir="2700000" algn="tl" rotWithShape="0">
+              <a:prstClr val="black">
+                <a:alpha val="40000"/>
+              </a:prstClr>
+            </a:outerShdw>
+          </a:effectLst>
+        </p:spPr>
+      </p:pic>
+      <p:pic>
+        <p:nvPicPr>
+          <p:cNvPr id="3" name="Picture 2"/>
+          <p:cNvPicPr>
+            <a:picLocks noChangeAspect="1"/>
+          </p:cNvPicPr>
+          <p:nvPr/>
+        </p:nvPicPr>
+        <p:blipFill>
+          <a:blip r:embed="rId5"/>
+          <a:stretch>
+            <a:fillRect/>
+          </a:stretch>
+        </p:blipFill>
+        <p:spPr>
+          <a:xfrm>
+            <a:off x="4600956" y="447675"/>
+            <a:ext cx="2324100" cy="1771650"/>
+          </a:xfrm>
+          <a:prstGeom prst="rect">
+            <a:avLst/>
+          </a:prstGeom>
+          <a:ln w="3175">
+            <a:solidFill>
+              <a:schemeClr val="tx1"/>
+            </a:solidFill>
+          </a:ln>
+          <a:effectLst>
+            <a:outerShdw blurRad="50800" dist="38100" dir="2700000" algn="tl" rotWithShape="0">
+              <a:prstClr val="black">
+                <a:alpha val="40000"/>
+              </a:prstClr>
+            </a:outerShdw>
+          </a:effectLst>
+        </p:spPr>
+      </p:pic>
+      <p:pic>
+        <p:nvPicPr>
+          <p:cNvPr id="7" name="Picture 6"/>
+          <p:cNvPicPr>
+            <a:picLocks noChangeAspect="1"/>
+          </p:cNvPicPr>
+          <p:nvPr/>
+        </p:nvPicPr>
+        <p:blipFill>
+          <a:blip r:embed="rId6"/>
+          <a:stretch>
+            <a:fillRect/>
+          </a:stretch>
+        </p:blipFill>
+        <p:spPr>
+          <a:xfrm>
+            <a:off x="7592483" y="1859599"/>
+            <a:ext cx="2457450" cy="647700"/>
+          </a:xfrm>
+          <a:prstGeom prst="rect">
+            <a:avLst/>
+          </a:prstGeom>
+          <a:ln w="3175">
+            <a:solidFill>
+              <a:schemeClr val="tx1"/>
+            </a:solidFill>
+          </a:ln>
+          <a:effectLst>
+            <a:outerShdw blurRad="50800" dist="38100" dir="2700000" algn="tl" rotWithShape="0">
+              <a:prstClr val="black">
+                <a:alpha val="40000"/>
+              </a:prstClr>
+            </a:outerShdw>
+          </a:effectLst>
+        </p:spPr>
+      </p:pic>
+      <p:pic>
+        <p:nvPicPr>
+          <p:cNvPr id="8" name="Picture 7"/>
+          <p:cNvPicPr>
+            <a:picLocks noChangeAspect="1"/>
+          </p:cNvPicPr>
+          <p:nvPr/>
+        </p:nvPicPr>
+        <p:blipFill>
+          <a:blip r:embed="rId7"/>
+          <a:stretch>
+            <a:fillRect/>
+          </a:stretch>
+        </p:blipFill>
+        <p:spPr>
+          <a:xfrm>
+            <a:off x="7726161" y="498007"/>
+            <a:ext cx="2181225" cy="628650"/>
+          </a:xfrm>
+          <a:prstGeom prst="rect">
+            <a:avLst/>
+          </a:prstGeom>
+          <a:ln w="3175">
+            <a:solidFill>
+              <a:schemeClr val="tx1"/>
+            </a:solidFill>
+          </a:ln>
+          <a:effectLst>
+            <a:outerShdw blurRad="50800" dist="38100" dir="2700000" algn="tl" rotWithShape="0">
+              <a:prstClr val="black">
+                <a:alpha val="40000"/>
+              </a:prstClr>
+            </a:outerShdw>
+          </a:effectLst>
+        </p:spPr>
+      </p:pic>
+      <p:pic>
+        <p:nvPicPr>
+          <p:cNvPr id="9" name="Picture 8"/>
+          <p:cNvPicPr>
+            <a:picLocks noChangeAspect="1"/>
+          </p:cNvPicPr>
+          <p:nvPr/>
+        </p:nvPicPr>
+        <p:blipFill>
+          <a:blip r:embed="rId8"/>
+          <a:stretch>
+            <a:fillRect/>
+          </a:stretch>
+        </p:blipFill>
+        <p:spPr>
+          <a:xfrm>
+            <a:off x="1836978" y="2967228"/>
+            <a:ext cx="4517650" cy="2528316"/>
+          </a:xfrm>
+          <a:prstGeom prst="rect">
+            <a:avLst/>
+          </a:prstGeom>
+          <a:ln w="3175">
+            <a:solidFill>
+              <a:schemeClr val="tx1"/>
+            </a:solidFill>
+          </a:ln>
+          <a:effectLst>
+            <a:outerShdw blurRad="50800" dist="38100" dir="2700000" algn="tl" rotWithShape="0">
+              <a:prstClr val="black">
+                <a:alpha val="40000"/>
+              </a:prstClr>
+            </a:outerShdw>
+          </a:effectLst>
+        </p:spPr>
+      </p:pic>
+      <p:pic>
+        <p:nvPicPr>
+          <p:cNvPr id="10" name="Picture 9"/>
+          <p:cNvPicPr>
+            <a:picLocks noChangeAspect="1"/>
+          </p:cNvPicPr>
+          <p:nvPr/>
+        </p:nvPicPr>
+        <p:blipFill>
+          <a:blip r:embed="rId9"/>
+          <a:stretch>
+            <a:fillRect/>
+          </a:stretch>
+        </p:blipFill>
+        <p:spPr>
+          <a:xfrm>
+            <a:off x="6657403" y="3272899"/>
+            <a:ext cx="5126697" cy="1011065"/>
+          </a:xfrm>
+          <a:prstGeom prst="rect">
+            <a:avLst/>
+          </a:prstGeom>
+          <a:ln w="3175">
+            <a:solidFill>
+              <a:schemeClr val="tx1"/>
+            </a:solidFill>
+          </a:ln>
+          <a:effectLst>
+            <a:outerShdw blurRad="50800" dist="38100" dir="2700000" algn="tl" rotWithShape="0">
+              <a:prstClr val="black">
+                <a:alpha val="40000"/>
+              </a:prstClr>
+            </a:outerShdw>
+          </a:effectLst>
+        </p:spPr>
+      </p:pic>
+      <p:cxnSp>
+        <p:nvCxnSpPr>
+          <p:cNvPr id="11" name="Straight Connector 10"/>
+          <p:cNvCxnSpPr>
+            <a:endCxn id="2" idx="1"/>
+          </p:cNvCxnSpPr>
+          <p:nvPr/>
+        </p:nvCxnSpPr>
+        <p:spPr>
+          <a:xfrm flipV="1">
+            <a:off x="1380744" y="1333500"/>
+            <a:ext cx="1007364" cy="544830"/>
+          </a:xfrm>
+          <a:prstGeom prst="line">
+            <a:avLst/>
+          </a:prstGeom>
+        </p:spPr>
+        <p:style>
+          <a:lnRef idx="1">
+            <a:schemeClr val="dk1"/>
+          </a:lnRef>
+          <a:fillRef idx="0">
+            <a:schemeClr val="dk1"/>
+          </a:fillRef>
+          <a:effectRef idx="0">
+            <a:schemeClr val="dk1"/>
+          </a:effectRef>
+          <a:fontRef idx="minor">
+            <a:schemeClr val="tx1"/>
+          </a:fontRef>
+        </p:style>
+      </p:cxnSp>
+      <p:cxnSp>
+        <p:nvCxnSpPr>
+          <p:cNvPr id="14" name="Straight Connector 13"/>
+          <p:cNvCxnSpPr>
+            <a:endCxn id="3" idx="1"/>
+          </p:cNvCxnSpPr>
+          <p:nvPr/>
+        </p:nvCxnSpPr>
+        <p:spPr>
+          <a:xfrm flipV="1">
+            <a:off x="3209544" y="1333500"/>
+            <a:ext cx="1391412" cy="367284"/>
+          </a:xfrm>
+          <a:prstGeom prst="line">
+            <a:avLst/>
+          </a:prstGeom>
+        </p:spPr>
+        <p:style>
+          <a:lnRef idx="1">
+            <a:schemeClr val="dk1"/>
+          </a:lnRef>
+          <a:fillRef idx="0">
+            <a:schemeClr val="dk1"/>
+          </a:fillRef>
+          <a:effectRef idx="0">
+            <a:schemeClr val="dk1"/>
+          </a:effectRef>
+          <a:fontRef idx="minor">
+            <a:schemeClr val="tx1"/>
+          </a:fontRef>
+        </p:style>
+      </p:cxnSp>
+      <p:cxnSp>
+        <p:nvCxnSpPr>
+          <p:cNvPr id="17" name="Straight Connector 16"/>
+          <p:cNvCxnSpPr>
+            <a:stCxn id="9" idx="0"/>
+          </p:cNvCxnSpPr>
+          <p:nvPr/>
+        </p:nvCxnSpPr>
+        <p:spPr>
+          <a:xfrm flipV="1">
+            <a:off x="4095803" y="1841183"/>
+            <a:ext cx="1006549" cy="1126045"/>
+          </a:xfrm>
+          <a:prstGeom prst="line">
+            <a:avLst/>
+          </a:prstGeom>
+        </p:spPr>
+        <p:style>
+          <a:lnRef idx="1">
+            <a:schemeClr val="dk1"/>
+          </a:lnRef>
+          <a:fillRef idx="0">
+            <a:schemeClr val="dk1"/>
+          </a:fillRef>
+          <a:effectRef idx="0">
+            <a:schemeClr val="dk1"/>
+          </a:effectRef>
+          <a:fontRef idx="minor">
+            <a:schemeClr val="tx1"/>
+          </a:fontRef>
+        </p:style>
+      </p:cxnSp>
+      <p:cxnSp>
+        <p:nvCxnSpPr>
+          <p:cNvPr id="20" name="Straight Connector 19"/>
+          <p:cNvCxnSpPr>
+            <a:stCxn id="7" idx="1"/>
+          </p:cNvCxnSpPr>
+          <p:nvPr/>
+        </p:nvCxnSpPr>
+        <p:spPr>
+          <a:xfrm flipH="1" flipV="1">
+            <a:off x="5989320" y="1211518"/>
+            <a:ext cx="1603163" cy="971931"/>
+          </a:xfrm>
+          <a:prstGeom prst="line">
+            <a:avLst/>
+          </a:prstGeom>
+        </p:spPr>
+        <p:style>
+          <a:lnRef idx="1">
+            <a:schemeClr val="dk1"/>
+          </a:lnRef>
+          <a:fillRef idx="0">
+            <a:schemeClr val="dk1"/>
+          </a:fillRef>
+          <a:effectRef idx="0">
+            <a:schemeClr val="dk1"/>
+          </a:effectRef>
+          <a:fontRef idx="minor">
+            <a:schemeClr val="tx1"/>
+          </a:fontRef>
+        </p:style>
+      </p:cxnSp>
+      <p:cxnSp>
+        <p:nvCxnSpPr>
+          <p:cNvPr id="25" name="Straight Connector 24"/>
+          <p:cNvCxnSpPr>
+            <a:stCxn id="8" idx="1"/>
+          </p:cNvCxnSpPr>
+          <p:nvPr/>
+        </p:nvCxnSpPr>
+        <p:spPr>
+          <a:xfrm flipH="1">
+            <a:off x="5763007" y="812332"/>
+            <a:ext cx="1963154" cy="163770"/>
+          </a:xfrm>
+          <a:prstGeom prst="line">
+            <a:avLst/>
+          </a:prstGeom>
+        </p:spPr>
+        <p:style>
+          <a:lnRef idx="1">
+            <a:schemeClr val="dk1"/>
+          </a:lnRef>
+          <a:fillRef idx="0">
+            <a:schemeClr val="dk1"/>
+          </a:fillRef>
+          <a:effectRef idx="0">
+            <a:schemeClr val="dk1"/>
+          </a:effectRef>
+          <a:fontRef idx="minor">
+            <a:schemeClr val="tx1"/>
+          </a:fontRef>
+        </p:style>
+      </p:cxnSp>
+      <p:cxnSp>
+        <p:nvCxnSpPr>
+          <p:cNvPr id="28" name="Straight Connector 27"/>
+          <p:cNvCxnSpPr>
+            <a:stCxn id="7" idx="2"/>
+            <a:endCxn id="10" idx="0"/>
+          </p:cNvCxnSpPr>
+          <p:nvPr/>
+        </p:nvCxnSpPr>
+        <p:spPr>
+          <a:xfrm>
+            <a:off x="8821208" y="2507299"/>
+            <a:ext cx="399544" cy="765600"/>
+          </a:xfrm>
+          <a:prstGeom prst="line">
+            <a:avLst/>
+          </a:prstGeom>
+        </p:spPr>
+        <p:style>
+          <a:lnRef idx="1">
+            <a:schemeClr val="dk1"/>
+          </a:lnRef>
+          <a:fillRef idx="0">
+            <a:schemeClr val="dk1"/>
+          </a:fillRef>
+          <a:effectRef idx="0">
+            <a:schemeClr val="dk1"/>
+          </a:effectRef>
+          <a:fontRef idx="minor">
+            <a:schemeClr val="tx1"/>
+          </a:fontRef>
+        </p:style>
+      </p:cxnSp>
+      <p:sp>
+        <p:nvSpPr>
+          <p:cNvPr id="33" name="Rounded Rectangle 32"/>
+          <p:cNvSpPr/>
+          <p:nvPr/>
+        </p:nvSpPr>
+        <p:spPr>
+          <a:xfrm>
+            <a:off x="9907386" y="664743"/>
+            <a:ext cx="2179431" cy="311359"/>
+          </a:xfrm>
+          <a:prstGeom prst="roundRect">
+            <a:avLst/>
+          </a:prstGeom>
+          <a:noFill/>
+          <a:ln>
+            <a:noFill/>
+          </a:ln>
+        </p:spPr>
+        <p:style>
+          <a:lnRef idx="2">
+            <a:schemeClr val="accent1">
+              <a:shade val="50000"/>
+            </a:schemeClr>
+          </a:lnRef>
+          <a:fillRef idx="1">
+            <a:schemeClr val="accent1"/>
+          </a:fillRef>
+          <a:effectRef idx="0">
+            <a:schemeClr val="accent1"/>
+          </a:effectRef>
+          <a:fontRef idx="minor">
+            <a:schemeClr val="lt1"/>
+          </a:fontRef>
+        </p:style>
+        <p:txBody>
+          <a:bodyPr rtlCol="0" anchor="ctr"/>
+          <a:lstStyle/>
+          <a:p>
+            <a:pPr algn="ctr"/>
+            <a:r>
+              <a:rPr lang="en-US" sz="1400" i="1" dirty="0" smtClean="0">
+                <a:solidFill>
+                  <a:srgbClr val="FF0000"/>
+                </a:solidFill>
+              </a:rPr>
+              <a:t>Not created automatically. Need to Add this file after getting data from local stakeholders</a:t>
+            </a:r>
+            <a:endParaRPr lang="en-US" sz="1400" i="1" dirty="0">
+              <a:solidFill>
+                <a:srgbClr val="FF0000"/>
+              </a:solidFill>
+            </a:endParaRPr>
+          </a:p>
+        </p:txBody>
+      </p:sp>
+    </p:spTree>
+    <p:extLst>
+      <p:ext uri="{BB962C8B-B14F-4D97-AF65-F5344CB8AC3E}">
+        <p14:creationId xmlns:p14="http://schemas.microsoft.com/office/powerpoint/2010/main" val="1655608762"/>
+      </p:ext>
+    </p:extLst>
+  </p:cSld>
+  <p:clrMapOvr>
+    <a:masterClrMapping/>
+  </p:clrMapOvr>
+</p:sld>
+</file>
+
+<file path=ppt/slides/slide6.xml><?xml version="1.0" encoding="utf-8"?>
+<p:sld xmlns:a="http://schemas.openxmlformats.org/drawingml/2006/main" xmlns:r="http://schemas.openxmlformats.org/officeDocument/2006/relationships" xmlns:p="http://schemas.openxmlformats.org/presentationml/2006/main">
+  <p:cSld>
+    <p:spTree>
+      <p:nvGrpSpPr>
+        <p:cNvPr id="1" name=""/>
+        <p:cNvGrpSpPr/>
+        <p:nvPr/>
+      </p:nvGrpSpPr>
+      <p:grpSpPr>
+        <a:xfrm>
+          <a:off x="0" y="0"/>
+          <a:ext cx="0" cy="0"/>
+          <a:chOff x="0" y="0"/>
+          <a:chExt cx="0" cy="0"/>
+        </a:xfrm>
+      </p:grpSpPr>
+      <p:pic>
+        <p:nvPicPr>
+          <p:cNvPr id="26" name="Picture 25"/>
+          <p:cNvPicPr>
+            <a:picLocks noChangeAspect="1"/>
+          </p:cNvPicPr>
+          <p:nvPr/>
+        </p:nvPicPr>
+        <p:blipFill>
+          <a:blip r:embed="rId3"/>
+          <a:stretch>
+            <a:fillRect/>
+          </a:stretch>
+        </p:blipFill>
+        <p:spPr>
+          <a:xfrm>
+            <a:off x="3398079" y="2379036"/>
+            <a:ext cx="3143807" cy="2148764"/>
+          </a:xfrm>
+          <a:prstGeom prst="rect">
+            <a:avLst/>
+          </a:prstGeom>
+          <a:ln w="3175">
+            <a:solidFill>
+              <a:schemeClr val="tx1"/>
+            </a:solidFill>
+          </a:ln>
+          <a:effectLst>
+            <a:outerShdw blurRad="50800" dist="38100" dir="2700000" algn="tl" rotWithShape="0">
+              <a:prstClr val="black">
+                <a:alpha val="40000"/>
+              </a:prstClr>
+            </a:outerShdw>
+          </a:effectLst>
+        </p:spPr>
+      </p:pic>
+      <p:pic>
+        <p:nvPicPr>
+          <p:cNvPr id="24" name="Picture 23"/>
+          <p:cNvPicPr>
+            <a:picLocks noChangeAspect="1"/>
+          </p:cNvPicPr>
+          <p:nvPr/>
+        </p:nvPicPr>
+        <p:blipFill>
+          <a:blip r:embed="rId4"/>
+          <a:stretch>
+            <a:fillRect/>
+          </a:stretch>
+        </p:blipFill>
+        <p:spPr>
+          <a:xfrm>
+            <a:off x="6512797" y="3393892"/>
+            <a:ext cx="3946658" cy="1893631"/>
+          </a:xfrm>
+          <a:prstGeom prst="rect">
+            <a:avLst/>
+          </a:prstGeom>
+          <a:ln w="3175">
+            <a:solidFill>
+              <a:schemeClr val="tx1"/>
+            </a:solidFill>
+          </a:ln>
+          <a:effectLst>
+            <a:outerShdw blurRad="50800" dist="38100" dir="2700000" algn="tl" rotWithShape="0">
+              <a:prstClr val="black">
+                <a:alpha val="40000"/>
+              </a:prstClr>
+            </a:outerShdw>
+          </a:effectLst>
+        </p:spPr>
+      </p:pic>
+      <p:pic>
+        <p:nvPicPr>
+          <p:cNvPr id="4" name="Picture 3"/>
+          <p:cNvPicPr>
+            <a:picLocks noChangeAspect="1"/>
+          </p:cNvPicPr>
+          <p:nvPr/>
+        </p:nvPicPr>
+        <p:blipFill>
+          <a:blip r:embed="rId5"/>
+          <a:stretch>
+            <a:fillRect/>
+          </a:stretch>
+        </p:blipFill>
+        <p:spPr>
+          <a:xfrm>
+            <a:off x="486156" y="714375"/>
+            <a:ext cx="2057400" cy="5429250"/>
+          </a:xfrm>
+          <a:prstGeom prst="rect">
+            <a:avLst/>
+          </a:prstGeom>
+        </p:spPr>
+      </p:pic>
+      <p:pic>
+        <p:nvPicPr>
+          <p:cNvPr id="2" name="Picture 1"/>
+          <p:cNvPicPr>
+            <a:picLocks noChangeAspect="1"/>
+          </p:cNvPicPr>
+          <p:nvPr/>
+        </p:nvPicPr>
+        <p:blipFill>
+          <a:blip r:embed="rId6"/>
+          <a:stretch>
+            <a:fillRect/>
+          </a:stretch>
+        </p:blipFill>
+        <p:spPr>
+          <a:xfrm>
+            <a:off x="1943033" y="824330"/>
+            <a:ext cx="1628775" cy="1238250"/>
+          </a:xfrm>
+          <a:prstGeom prst="rect">
+            <a:avLst/>
+          </a:prstGeom>
+          <a:ln w="3175">
+            <a:solidFill>
+              <a:schemeClr val="tx1"/>
+            </a:solidFill>
+          </a:ln>
+          <a:effectLst>
+            <a:outerShdw blurRad="50800" dist="38100" dir="2700000" algn="tl" rotWithShape="0">
+              <a:prstClr val="black">
+                <a:alpha val="40000"/>
+              </a:prstClr>
+            </a:outerShdw>
+          </a:effectLst>
+        </p:spPr>
+      </p:pic>
+      <p:cxnSp>
+        <p:nvCxnSpPr>
+          <p:cNvPr id="11" name="Straight Connector 10"/>
+          <p:cNvCxnSpPr>
+            <a:endCxn id="2" idx="1"/>
+          </p:cNvCxnSpPr>
+          <p:nvPr/>
+        </p:nvCxnSpPr>
+        <p:spPr>
+          <a:xfrm flipV="1">
+            <a:off x="935669" y="1443455"/>
+            <a:ext cx="1007364" cy="544830"/>
+          </a:xfrm>
+          <a:prstGeom prst="line">
+            <a:avLst/>
+          </a:prstGeom>
+        </p:spPr>
+        <p:style>
+          <a:lnRef idx="1">
+            <a:schemeClr val="dk1"/>
+          </a:lnRef>
+          <a:fillRef idx="0">
+            <a:schemeClr val="dk1"/>
+          </a:fillRef>
+          <a:effectRef idx="0">
+            <a:schemeClr val="dk1"/>
+          </a:effectRef>
+          <a:fontRef idx="minor">
+            <a:schemeClr val="tx1"/>
+          </a:fontRef>
+        </p:style>
+      </p:cxnSp>
+      <p:pic>
+        <p:nvPicPr>
+          <p:cNvPr id="6" name="Picture 5"/>
+          <p:cNvPicPr>
+            <a:picLocks noChangeAspect="1"/>
+          </p:cNvPicPr>
+          <p:nvPr/>
+        </p:nvPicPr>
+        <p:blipFill>
+          <a:blip r:embed="rId7"/>
+          <a:stretch>
+            <a:fillRect/>
+          </a:stretch>
+        </p:blipFill>
+        <p:spPr>
+          <a:xfrm>
+            <a:off x="3882049" y="860525"/>
+            <a:ext cx="971550" cy="409575"/>
+          </a:xfrm>
+          <a:prstGeom prst="rect">
+            <a:avLst/>
+          </a:prstGeom>
+          <a:ln w="3175">
+            <a:solidFill>
+              <a:schemeClr val="tx1"/>
+            </a:solidFill>
+          </a:ln>
+          <a:effectLst>
+            <a:outerShdw blurRad="50800" dist="38100" dir="2700000" algn="tl" rotWithShape="0">
+              <a:prstClr val="black">
+                <a:alpha val="40000"/>
+              </a:prstClr>
+            </a:outerShdw>
+          </a:effectLst>
+        </p:spPr>
+      </p:pic>
+      <p:pic>
+        <p:nvPicPr>
+          <p:cNvPr id="12" name="Picture 11"/>
+          <p:cNvPicPr>
+            <a:picLocks noChangeAspect="1"/>
+          </p:cNvPicPr>
+          <p:nvPr/>
+        </p:nvPicPr>
+        <p:blipFill>
+          <a:blip r:embed="rId8"/>
+          <a:stretch>
+            <a:fillRect/>
+          </a:stretch>
+        </p:blipFill>
+        <p:spPr>
+          <a:xfrm>
+            <a:off x="5295398" y="387488"/>
+            <a:ext cx="1743075" cy="1285875"/>
+          </a:xfrm>
+          <a:prstGeom prst="rect">
+            <a:avLst/>
+          </a:prstGeom>
+          <a:ln w="3175">
+            <a:solidFill>
+              <a:schemeClr val="tx1"/>
+            </a:solidFill>
+          </a:ln>
+          <a:effectLst>
+            <a:outerShdw blurRad="50800" dist="38100" dir="2700000" algn="tl" rotWithShape="0">
+              <a:prstClr val="black">
+                <a:alpha val="40000"/>
+              </a:prstClr>
+            </a:outerShdw>
+          </a:effectLst>
+        </p:spPr>
+      </p:pic>
+      <p:pic>
+        <p:nvPicPr>
+          <p:cNvPr id="13" name="Picture 12"/>
+          <p:cNvPicPr>
+            <a:picLocks noChangeAspect="1"/>
+          </p:cNvPicPr>
+          <p:nvPr/>
+        </p:nvPicPr>
+        <p:blipFill>
+          <a:blip r:embed="rId9"/>
+          <a:stretch>
+            <a:fillRect/>
+          </a:stretch>
+        </p:blipFill>
+        <p:spPr>
+          <a:xfrm>
+            <a:off x="7518357" y="345976"/>
+            <a:ext cx="2918742" cy="1970151"/>
+          </a:xfrm>
+          <a:prstGeom prst="rect">
+            <a:avLst/>
+          </a:prstGeom>
+          <a:ln w="3175">
+            <a:solidFill>
+              <a:schemeClr val="tx1"/>
+            </a:solidFill>
+          </a:ln>
+          <a:effectLst>
+            <a:outerShdw blurRad="50800" dist="38100" dir="2700000" algn="tl" rotWithShape="0">
+              <a:prstClr val="black">
+                <a:alpha val="40000"/>
+              </a:prstClr>
+            </a:outerShdw>
+          </a:effectLst>
+        </p:spPr>
+      </p:pic>
+      <p:pic>
+        <p:nvPicPr>
+          <p:cNvPr id="16" name="Picture 15"/>
+          <p:cNvPicPr>
+            <a:picLocks noChangeAspect="1"/>
+          </p:cNvPicPr>
+          <p:nvPr/>
+        </p:nvPicPr>
+        <p:blipFill>
+          <a:blip r:embed="rId10"/>
+          <a:stretch>
+            <a:fillRect/>
+          </a:stretch>
+        </p:blipFill>
+        <p:spPr>
+          <a:xfrm>
+            <a:off x="9578251" y="1443455"/>
+            <a:ext cx="2397854" cy="1633981"/>
+          </a:xfrm>
+          <a:prstGeom prst="rect">
+            <a:avLst/>
+          </a:prstGeom>
+          <a:ln w="3175">
+            <a:solidFill>
+              <a:schemeClr val="tx1"/>
+            </a:solidFill>
+          </a:ln>
+          <a:effectLst>
+            <a:outerShdw blurRad="50800" dist="38100" dir="2700000" algn="tl" rotWithShape="0">
+              <a:prstClr val="black">
+                <a:alpha val="40000"/>
+              </a:prstClr>
+            </a:outerShdw>
+          </a:effectLst>
+        </p:spPr>
+      </p:pic>
+      <p:pic>
+        <p:nvPicPr>
+          <p:cNvPr id="23" name="Picture 22"/>
+          <p:cNvPicPr>
+            <a:picLocks noChangeAspect="1"/>
+          </p:cNvPicPr>
+          <p:nvPr/>
+        </p:nvPicPr>
+        <p:blipFill>
+          <a:blip r:embed="rId11"/>
+          <a:stretch>
+            <a:fillRect/>
+          </a:stretch>
+        </p:blipFill>
+        <p:spPr>
+          <a:xfrm>
+            <a:off x="8308100" y="4965793"/>
+            <a:ext cx="3714379" cy="1758657"/>
+          </a:xfrm>
+          <a:prstGeom prst="rect">
+            <a:avLst/>
+          </a:prstGeom>
+          <a:ln w="3175">
+            <a:solidFill>
+              <a:schemeClr val="tx1"/>
+            </a:solidFill>
+          </a:ln>
+          <a:effectLst>
+            <a:outerShdw blurRad="50800" dist="38100" dir="2700000" algn="tl" rotWithShape="0">
+              <a:prstClr val="black">
+                <a:alpha val="40000"/>
+              </a:prstClr>
+            </a:outerShdw>
+          </a:effectLst>
+        </p:spPr>
+      </p:pic>
+      <p:pic>
+        <p:nvPicPr>
+          <p:cNvPr id="27" name="Picture 26"/>
+          <p:cNvPicPr>
+            <a:picLocks noChangeAspect="1"/>
+          </p:cNvPicPr>
+          <p:nvPr/>
+        </p:nvPicPr>
+        <p:blipFill>
+          <a:blip r:embed="rId12"/>
+          <a:stretch>
+            <a:fillRect/>
+          </a:stretch>
+        </p:blipFill>
+        <p:spPr>
+          <a:xfrm>
+            <a:off x="1834864" y="4269897"/>
+            <a:ext cx="3780282" cy="2264015"/>
+          </a:xfrm>
+          <a:prstGeom prst="rect">
+            <a:avLst/>
+          </a:prstGeom>
+          <a:ln w="3175">
+            <a:solidFill>
+              <a:schemeClr val="tx1"/>
+            </a:solidFill>
+          </a:ln>
+          <a:effectLst>
+            <a:outerShdw blurRad="50800" dist="38100" dir="2700000" algn="tl" rotWithShape="0">
+              <a:prstClr val="black">
+                <a:alpha val="40000"/>
+              </a:prstClr>
+            </a:outerShdw>
+          </a:effectLst>
+        </p:spPr>
+      </p:pic>
+      <p:sp>
+        <p:nvSpPr>
+          <p:cNvPr id="30" name="Rounded Rectangle 29"/>
+          <p:cNvSpPr/>
+          <p:nvPr/>
+        </p:nvSpPr>
+        <p:spPr>
+          <a:xfrm>
+            <a:off x="9075573" y="54331"/>
+            <a:ext cx="2179431" cy="311359"/>
+          </a:xfrm>
+          <a:prstGeom prst="roundRect">
+            <a:avLst/>
+          </a:prstGeom>
+          <a:noFill/>
+          <a:ln>
+            <a:noFill/>
+          </a:ln>
+        </p:spPr>
+        <p:style>
+          <a:lnRef idx="2">
+            <a:schemeClr val="accent1">
+              <a:shade val="50000"/>
+            </a:schemeClr>
+          </a:lnRef>
+          <a:fillRef idx="1">
+            <a:schemeClr val="accent1"/>
+          </a:fillRef>
+          <a:effectRef idx="0">
+            <a:schemeClr val="accent1"/>
+          </a:effectRef>
+          <a:fontRef idx="minor">
+            <a:schemeClr val="lt1"/>
+          </a:fontRef>
+        </p:style>
+        <p:txBody>
+          <a:bodyPr rtlCol="0" anchor="ctr"/>
+          <a:lstStyle/>
+          <a:p>
+            <a:pPr algn="ctr"/>
+            <a:r>
+              <a:rPr lang="en-US" sz="1400" i="1" dirty="0" smtClean="0">
+                <a:solidFill>
+                  <a:srgbClr val="FF0000"/>
+                </a:solidFill>
+              </a:rPr>
+              <a:t>Each Scenario</a:t>
+            </a:r>
+            <a:endParaRPr lang="en-US" sz="1400" i="1" dirty="0">
+              <a:solidFill>
+                <a:srgbClr val="FF0000"/>
+              </a:solidFill>
+            </a:endParaRPr>
+          </a:p>
+        </p:txBody>
+      </p:sp>
+      <p:sp>
+        <p:nvSpPr>
+          <p:cNvPr id="31" name="Rounded Rectangle 30"/>
+          <p:cNvSpPr/>
+          <p:nvPr/>
+        </p:nvSpPr>
+        <p:spPr>
+          <a:xfrm>
+            <a:off x="7396410" y="3058053"/>
+            <a:ext cx="2179431" cy="311359"/>
+          </a:xfrm>
+          <a:prstGeom prst="roundRect">
+            <a:avLst/>
+          </a:prstGeom>
+          <a:noFill/>
+          <a:ln>
+            <a:noFill/>
+          </a:ln>
+        </p:spPr>
+        <p:style>
+          <a:lnRef idx="2">
+            <a:schemeClr val="accent1">
+              <a:shade val="50000"/>
+            </a:schemeClr>
+          </a:lnRef>
+          <a:fillRef idx="1">
+            <a:schemeClr val="accent1"/>
+          </a:fillRef>
+          <a:effectRef idx="0">
+            <a:schemeClr val="accent1"/>
+          </a:effectRef>
+          <a:fontRef idx="minor">
+            <a:schemeClr val="lt1"/>
+          </a:fontRef>
+        </p:style>
+        <p:txBody>
+          <a:bodyPr rtlCol="0" anchor="ctr"/>
+          <a:lstStyle/>
+          <a:p>
+            <a:pPr algn="ctr"/>
+            <a:r>
+              <a:rPr lang="en-US" sz="1400" i="1" dirty="0" smtClean="0">
+                <a:solidFill>
+                  <a:srgbClr val="FF0000"/>
+                </a:solidFill>
+              </a:rPr>
+              <a:t>Compare Scenarios</a:t>
+            </a:r>
+            <a:endParaRPr lang="en-US" sz="1400" i="1" dirty="0">
+              <a:solidFill>
+                <a:srgbClr val="FF0000"/>
+              </a:solidFill>
+            </a:endParaRPr>
+          </a:p>
+        </p:txBody>
+      </p:sp>
+      <p:sp>
+        <p:nvSpPr>
+          <p:cNvPr id="32" name="Rounded Rectangle 31"/>
+          <p:cNvSpPr/>
+          <p:nvPr/>
+        </p:nvSpPr>
+        <p:spPr>
+          <a:xfrm>
+            <a:off x="4000433" y="2015789"/>
+            <a:ext cx="2179431" cy="311359"/>
+          </a:xfrm>
+          <a:prstGeom prst="roundRect">
+            <a:avLst/>
+          </a:prstGeom>
+          <a:noFill/>
+          <a:ln>
+            <a:noFill/>
+          </a:ln>
+        </p:spPr>
+        <p:style>
+          <a:lnRef idx="2">
+            <a:schemeClr val="accent1">
+              <a:shade val="50000"/>
+            </a:schemeClr>
+          </a:lnRef>
+          <a:fillRef idx="1">
+            <a:schemeClr val="accent1"/>
+          </a:fillRef>
+          <a:effectRef idx="0">
+            <a:schemeClr val="accent1"/>
+          </a:effectRef>
+          <a:fontRef idx="minor">
+            <a:schemeClr val="lt1"/>
+          </a:fontRef>
+        </p:style>
+        <p:txBody>
+          <a:bodyPr rtlCol="0" anchor="ctr"/>
+          <a:lstStyle/>
+          <a:p>
+            <a:pPr algn="ctr"/>
+            <a:r>
+              <a:rPr lang="en-US" sz="1400" i="1" dirty="0" smtClean="0">
+                <a:solidFill>
+                  <a:srgbClr val="FF0000"/>
+                </a:solidFill>
+              </a:rPr>
+              <a:t>Compare Regions</a:t>
+            </a:r>
+            <a:endParaRPr lang="en-US" sz="1400" i="1" dirty="0">
+              <a:solidFill>
+                <a:srgbClr val="FF0000"/>
+              </a:solidFill>
+            </a:endParaRPr>
+          </a:p>
+        </p:txBody>
+      </p:sp>
+      <p:sp>
+        <p:nvSpPr>
+          <p:cNvPr id="34" name="Rounded Rectangle 33"/>
+          <p:cNvSpPr/>
+          <p:nvPr/>
+        </p:nvSpPr>
+        <p:spPr>
+          <a:xfrm>
+            <a:off x="1761682" y="3828890"/>
+            <a:ext cx="1563386" cy="311359"/>
+          </a:xfrm>
+          <a:prstGeom prst="roundRect">
+            <a:avLst/>
+          </a:prstGeom>
+          <a:noFill/>
+          <a:ln>
+            <a:noFill/>
+          </a:ln>
+        </p:spPr>
+        <p:style>
+          <a:lnRef idx="2">
+            <a:schemeClr val="accent1">
+              <a:shade val="50000"/>
+            </a:schemeClr>
+          </a:lnRef>
+          <a:fillRef idx="1">
+            <a:schemeClr val="accent1"/>
+          </a:fillRef>
+          <a:effectRef idx="0">
+            <a:schemeClr val="accent1"/>
+          </a:effectRef>
+          <a:fontRef idx="minor">
+            <a:schemeClr val="lt1"/>
+          </a:fontRef>
+        </p:style>
+        <p:txBody>
+          <a:bodyPr rtlCol="0" anchor="ctr"/>
+          <a:lstStyle/>
+          <a:p>
+            <a:pPr algn="ctr"/>
+            <a:r>
+              <a:rPr lang="en-US" sz="1400" i="1" dirty="0" smtClean="0">
+                <a:solidFill>
+                  <a:srgbClr val="FF0000"/>
+                </a:solidFill>
+              </a:rPr>
+              <a:t>Compare Regions</a:t>
+            </a:r>
+          </a:p>
+          <a:p>
+            <a:pPr algn="ctr"/>
+            <a:r>
+              <a:rPr lang="en-US" sz="1400" i="1" dirty="0" smtClean="0">
+                <a:solidFill>
+                  <a:srgbClr val="FF0000"/>
+                </a:solidFill>
+              </a:rPr>
+              <a:t>&amp; scenarios</a:t>
+            </a:r>
+            <a:endParaRPr lang="en-US" sz="1400" i="1" dirty="0">
+              <a:solidFill>
+                <a:srgbClr val="FF0000"/>
+              </a:solidFill>
+            </a:endParaRPr>
+          </a:p>
+        </p:txBody>
+      </p:sp>
+      <p:cxnSp>
+        <p:nvCxnSpPr>
+          <p:cNvPr id="35" name="Straight Connector 34"/>
+          <p:cNvCxnSpPr/>
+          <p:nvPr/>
+        </p:nvCxnSpPr>
+        <p:spPr>
+          <a:xfrm flipV="1">
+            <a:off x="2661940" y="1673363"/>
+            <a:ext cx="625689" cy="2081234"/>
+          </a:xfrm>
+          <a:prstGeom prst="line">
+            <a:avLst/>
+          </a:prstGeom>
+        </p:spPr>
+        <p:style>
+          <a:lnRef idx="1">
+            <a:schemeClr val="dk1"/>
+          </a:lnRef>
+          <a:fillRef idx="0">
+            <a:schemeClr val="dk1"/>
+          </a:fillRef>
+          <a:effectRef idx="0">
+            <a:schemeClr val="dk1"/>
+          </a:effectRef>
+          <a:fontRef idx="minor">
+            <a:schemeClr val="tx1"/>
+          </a:fontRef>
+        </p:style>
+      </p:cxnSp>
+      <p:cxnSp>
+        <p:nvCxnSpPr>
+          <p:cNvPr id="38" name="Straight Connector 37"/>
+          <p:cNvCxnSpPr/>
+          <p:nvPr/>
+        </p:nvCxnSpPr>
+        <p:spPr>
+          <a:xfrm flipH="1" flipV="1">
+            <a:off x="3333712" y="1586389"/>
+            <a:ext cx="875448" cy="605840"/>
+          </a:xfrm>
+          <a:prstGeom prst="line">
+            <a:avLst/>
+          </a:prstGeom>
+        </p:spPr>
+        <p:style>
+          <a:lnRef idx="1">
+            <a:schemeClr val="dk1"/>
+          </a:lnRef>
+          <a:fillRef idx="0">
+            <a:schemeClr val="dk1"/>
+          </a:fillRef>
+          <a:effectRef idx="0">
+            <a:schemeClr val="dk1"/>
+          </a:effectRef>
+          <a:fontRef idx="minor">
+            <a:schemeClr val="tx1"/>
+          </a:fontRef>
+        </p:style>
+      </p:cxnSp>
+      <p:cxnSp>
+        <p:nvCxnSpPr>
+          <p:cNvPr id="41" name="Straight Connector 40"/>
+          <p:cNvCxnSpPr>
+            <a:stCxn id="6" idx="1"/>
+          </p:cNvCxnSpPr>
+          <p:nvPr/>
+        </p:nvCxnSpPr>
+        <p:spPr>
+          <a:xfrm flipH="1">
+            <a:off x="2985355" y="1065313"/>
+            <a:ext cx="896694" cy="79780"/>
+          </a:xfrm>
+          <a:prstGeom prst="line">
+            <a:avLst/>
+          </a:prstGeom>
+        </p:spPr>
+        <p:style>
+          <a:lnRef idx="1">
+            <a:schemeClr val="dk1"/>
+          </a:lnRef>
+          <a:fillRef idx="0">
+            <a:schemeClr val="dk1"/>
+          </a:fillRef>
+          <a:effectRef idx="0">
+            <a:schemeClr val="dk1"/>
+          </a:effectRef>
+          <a:fontRef idx="minor">
+            <a:schemeClr val="tx1"/>
+          </a:fontRef>
+        </p:style>
+      </p:cxnSp>
+      <p:cxnSp>
+        <p:nvCxnSpPr>
+          <p:cNvPr id="45" name="Straight Connector 44"/>
+          <p:cNvCxnSpPr>
+            <a:stCxn id="12" idx="1"/>
+            <a:endCxn id="6" idx="3"/>
+          </p:cNvCxnSpPr>
+          <p:nvPr/>
+        </p:nvCxnSpPr>
+        <p:spPr>
+          <a:xfrm flipH="1">
+            <a:off x="4853599" y="1030426"/>
+            <a:ext cx="441799" cy="34887"/>
+          </a:xfrm>
+          <a:prstGeom prst="line">
+            <a:avLst/>
+          </a:prstGeom>
+        </p:spPr>
+        <p:style>
+          <a:lnRef idx="1">
+            <a:schemeClr val="dk1"/>
+          </a:lnRef>
+          <a:fillRef idx="0">
+            <a:schemeClr val="dk1"/>
+          </a:fillRef>
+          <a:effectRef idx="0">
+            <a:schemeClr val="dk1"/>
+          </a:effectRef>
+          <a:fontRef idx="minor">
+            <a:schemeClr val="tx1"/>
+          </a:fontRef>
+        </p:style>
+      </p:cxnSp>
+      <p:cxnSp>
+        <p:nvCxnSpPr>
+          <p:cNvPr id="48" name="Straight Connector 47"/>
+          <p:cNvCxnSpPr/>
+          <p:nvPr/>
+        </p:nvCxnSpPr>
+        <p:spPr>
+          <a:xfrm flipH="1" flipV="1">
+            <a:off x="5979351" y="860526"/>
+            <a:ext cx="1500921" cy="244677"/>
+          </a:xfrm>
+          <a:prstGeom prst="line">
+            <a:avLst/>
+          </a:prstGeom>
+        </p:spPr>
+        <p:style>
+          <a:lnRef idx="1">
+            <a:schemeClr val="dk1"/>
+          </a:lnRef>
+          <a:fillRef idx="0">
+            <a:schemeClr val="dk1"/>
+          </a:fillRef>
+          <a:effectRef idx="0">
+            <a:schemeClr val="dk1"/>
+          </a:effectRef>
+          <a:fontRef idx="minor">
+            <a:schemeClr val="tx1"/>
+          </a:fontRef>
+        </p:style>
+      </p:cxnSp>
+      <p:cxnSp>
+        <p:nvCxnSpPr>
+          <p:cNvPr id="51" name="Straight Connector 50"/>
+          <p:cNvCxnSpPr/>
+          <p:nvPr/>
+        </p:nvCxnSpPr>
+        <p:spPr>
+          <a:xfrm flipH="1" flipV="1">
+            <a:off x="6577189" y="644784"/>
+            <a:ext cx="1144844" cy="2686199"/>
+          </a:xfrm>
+          <a:prstGeom prst="line">
+            <a:avLst/>
+          </a:prstGeom>
+        </p:spPr>
+        <p:style>
+          <a:lnRef idx="1">
+            <a:schemeClr val="dk1"/>
+          </a:lnRef>
+          <a:fillRef idx="0">
+            <a:schemeClr val="dk1"/>
+          </a:fillRef>
+          <a:effectRef idx="0">
+            <a:schemeClr val="dk1"/>
+          </a:effectRef>
+          <a:fontRef idx="minor">
+            <a:schemeClr val="tx1"/>
+          </a:fontRef>
+        </p:style>
+      </p:cxnSp>
+    </p:spTree>
+    <p:extLst>
+      <p:ext uri="{BB962C8B-B14F-4D97-AF65-F5344CB8AC3E}">
+        <p14:creationId xmlns:p14="http://schemas.microsoft.com/office/powerpoint/2010/main" val="1799287749"/>
+      </p:ext>
+    </p:extLst>
+  </p:cSld>
+  <p:clrMapOvr>
+    <a:masterClrMapping/>
+  </p:clrMapOvr>
 </p:sld>
 </file>
 
@@ -6111,4 +9402,265 @@
     </a:ext>
   </a:extLst>
 </a:theme>
+</file>
+
+<file path=ppt/theme/theme2.xml><?xml version="1.0" encoding="utf-8"?>
+<a:theme xmlns:a="http://schemas.openxmlformats.org/drawingml/2006/main" name="Office Theme">
+  <a:themeElements>
+    <a:clrScheme name="Office">
+      <a:dk1>
+        <a:sysClr val="windowText" lastClr="000000"/>
+      </a:dk1>
+      <a:lt1>
+        <a:sysClr val="window" lastClr="FFFFFF"/>
+      </a:lt1>
+      <a:dk2>
+        <a:srgbClr val="44546A"/>
+      </a:dk2>
+      <a:lt2>
+        <a:srgbClr val="E7E6E6"/>
+      </a:lt2>
+      <a:accent1>
+        <a:srgbClr val="5B9BD5"/>
+      </a:accent1>
+      <a:accent2>
+        <a:srgbClr val="ED7D31"/>
+      </a:accent2>
+      <a:accent3>
+        <a:srgbClr val="A5A5A5"/>
+      </a:accent3>
+      <a:accent4>
+        <a:srgbClr val="FFC000"/>
+      </a:accent4>
+      <a:accent5>
+        <a:srgbClr val="4472C4"/>
+      </a:accent5>
+      <a:accent6>
+        <a:srgbClr val="70AD47"/>
+      </a:accent6>
+      <a:hlink>
+        <a:srgbClr val="0563C1"/>
+      </a:hlink>
+      <a:folHlink>
+        <a:srgbClr val="954F72"/>
+      </a:folHlink>
+    </a:clrScheme>
+    <a:fontScheme name="Office">
+      <a:majorFont>
+        <a:latin typeface="Calibri Light" panose="020F0302020204030204"/>
+        <a:ea typeface=""/>
+        <a:cs typeface=""/>
+        <a:font script="Jpan" typeface="ＭＳ Ｐゴシック"/>
+        <a:font script="Hang" typeface="맑은 고딕"/>
+        <a:font script="Hans" typeface="宋体"/>
+        <a:font script="Hant" typeface="新細明體"/>
+        <a:font script="Arab" typeface="Times New Roman"/>
+        <a:font script="Hebr" typeface="Times New Roman"/>
+        <a:font script="Thai" typeface="Angsana New"/>
+        <a:font script="Ethi" typeface="Nyala"/>
+        <a:font script="Beng" typeface="Vrinda"/>
+        <a:font script="Gujr" typeface="Shruti"/>
+        <a:font script="Khmr" typeface="MoolBoran"/>
+        <a:font script="Knda" typeface="Tunga"/>
+        <a:font script="Guru" typeface="Raavi"/>
+        <a:font script="Cans" typeface="Euphemia"/>
+        <a:font script="Cher" typeface="Plantagenet Cherokee"/>
+        <a:font script="Yiii" typeface="Microsoft Yi Baiti"/>
+        <a:font script="Tibt" typeface="Microsoft Himalaya"/>
+        <a:font script="Thaa" typeface="MV Boli"/>
+        <a:font script="Deva" typeface="Mangal"/>
+        <a:font script="Telu" typeface="Gautami"/>
+        <a:font script="Taml" typeface="Latha"/>
+        <a:font script="Syrc" typeface="Estrangelo Edessa"/>
+        <a:font script="Orya" typeface="Kalinga"/>
+        <a:font script="Mlym" typeface="Kartika"/>
+        <a:font script="Laoo" typeface="DokChampa"/>
+        <a:font script="Sinh" typeface="Iskoola Pota"/>
+        <a:font script="Mong" typeface="Mongolian Baiti"/>
+        <a:font script="Viet" typeface="Times New Roman"/>
+        <a:font script="Uigh" typeface="Microsoft Uighur"/>
+        <a:font script="Geor" typeface="Sylfaen"/>
+      </a:majorFont>
+      <a:minorFont>
+        <a:latin typeface="Calibri" panose="020F0502020204030204"/>
+        <a:ea typeface=""/>
+        <a:cs typeface=""/>
+        <a:font script="Jpan" typeface="ＭＳ Ｐゴシック"/>
+        <a:font script="Hang" typeface="맑은 고딕"/>
+        <a:font script="Hans" typeface="宋体"/>
+        <a:font script="Hant" typeface="新細明體"/>
+        <a:font script="Arab" typeface="Arial"/>
+        <a:font script="Hebr" typeface="Arial"/>
+        <a:font script="Thai" typeface="Cordia New"/>
+        <a:font script="Ethi" typeface="Nyala"/>
+        <a:font script="Beng" typeface="Vrinda"/>
+        <a:font script="Gujr" typeface="Shruti"/>
+        <a:font script="Khmr" typeface="DaunPenh"/>
+        <a:font script="Knda" typeface="Tunga"/>
+        <a:font script="Guru" typeface="Raavi"/>
+        <a:font script="Cans" typeface="Euphemia"/>
+        <a:font script="Cher" typeface="Plantagenet Cherokee"/>
+        <a:font script="Yiii" typeface="Microsoft Yi Baiti"/>
+        <a:font script="Tibt" typeface="Microsoft Himalaya"/>
+        <a:font script="Thaa" typeface="MV Boli"/>
+        <a:font script="Deva" typeface="Mangal"/>
+        <a:font script="Telu" typeface="Gautami"/>
+        <a:font script="Taml" typeface="Latha"/>
+        <a:font script="Syrc" typeface="Estrangelo Edessa"/>
+        <a:font script="Orya" typeface="Kalinga"/>
+        <a:font script="Mlym" typeface="Kartika"/>
+        <a:font script="Laoo" typeface="DokChampa"/>
+        <a:font script="Sinh" typeface="Iskoola Pota"/>
+        <a:font script="Mong" typeface="Mongolian Baiti"/>
+        <a:font script="Viet" typeface="Arial"/>
+        <a:font script="Uigh" typeface="Microsoft Uighur"/>
+        <a:font script="Geor" typeface="Sylfaen"/>
+      </a:minorFont>
+    </a:fontScheme>
+    <a:fmtScheme name="Office">
+      <a:fillStyleLst>
+        <a:solidFill>
+          <a:schemeClr val="phClr"/>
+        </a:solidFill>
+        <a:gradFill rotWithShape="1">
+          <a:gsLst>
+            <a:gs pos="0">
+              <a:schemeClr val="phClr">
+                <a:lumMod val="110000"/>
+                <a:satMod val="105000"/>
+                <a:tint val="67000"/>
+              </a:schemeClr>
+            </a:gs>
+            <a:gs pos="50000">
+              <a:schemeClr val="phClr">
+                <a:lumMod val="105000"/>
+                <a:satMod val="103000"/>
+                <a:tint val="73000"/>
+              </a:schemeClr>
+            </a:gs>
+            <a:gs pos="100000">
+              <a:schemeClr val="phClr">
+                <a:lumMod val="105000"/>
+                <a:satMod val="109000"/>
+                <a:tint val="81000"/>
+              </a:schemeClr>
+            </a:gs>
+          </a:gsLst>
+          <a:lin ang="5400000" scaled="0"/>
+        </a:gradFill>
+        <a:gradFill rotWithShape="1">
+          <a:gsLst>
+            <a:gs pos="0">
+              <a:schemeClr val="phClr">
+                <a:satMod val="103000"/>
+                <a:lumMod val="102000"/>
+                <a:tint val="94000"/>
+              </a:schemeClr>
+            </a:gs>
+            <a:gs pos="50000">
+              <a:schemeClr val="phClr">
+                <a:satMod val="110000"/>
+                <a:lumMod val="100000"/>
+                <a:shade val="100000"/>
+              </a:schemeClr>
+            </a:gs>
+            <a:gs pos="100000">
+              <a:schemeClr val="phClr">
+                <a:lumMod val="99000"/>
+                <a:satMod val="120000"/>
+                <a:shade val="78000"/>
+              </a:schemeClr>
+            </a:gs>
+          </a:gsLst>
+          <a:lin ang="5400000" scaled="0"/>
+        </a:gradFill>
+      </a:fillStyleLst>
+      <a:lnStyleLst>
+        <a:ln w="6350" cap="flat" cmpd="sng" algn="ctr">
+          <a:solidFill>
+            <a:schemeClr val="phClr"/>
+          </a:solidFill>
+          <a:prstDash val="solid"/>
+          <a:miter lim="800000"/>
+        </a:ln>
+        <a:ln w="12700" cap="flat" cmpd="sng" algn="ctr">
+          <a:solidFill>
+            <a:schemeClr val="phClr"/>
+          </a:solidFill>
+          <a:prstDash val="solid"/>
+          <a:miter lim="800000"/>
+        </a:ln>
+        <a:ln w="19050" cap="flat" cmpd="sng" algn="ctr">
+          <a:solidFill>
+            <a:schemeClr val="phClr"/>
+          </a:solidFill>
+          <a:prstDash val="solid"/>
+          <a:miter lim="800000"/>
+        </a:ln>
+      </a:lnStyleLst>
+      <a:effectStyleLst>
+        <a:effectStyle>
+          <a:effectLst/>
+        </a:effectStyle>
+        <a:effectStyle>
+          <a:effectLst/>
+        </a:effectStyle>
+        <a:effectStyle>
+          <a:effectLst>
+            <a:outerShdw blurRad="57150" dist="19050" dir="5400000" algn="ctr" rotWithShape="0">
+              <a:srgbClr val="000000">
+                <a:alpha val="63000"/>
+              </a:srgbClr>
+            </a:outerShdw>
+          </a:effectLst>
+        </a:effectStyle>
+      </a:effectStyleLst>
+      <a:bgFillStyleLst>
+        <a:solidFill>
+          <a:schemeClr val="phClr"/>
+        </a:solidFill>
+        <a:solidFill>
+          <a:schemeClr val="phClr">
+            <a:tint val="95000"/>
+            <a:satMod val="170000"/>
+          </a:schemeClr>
+        </a:solidFill>
+        <a:gradFill rotWithShape="1">
+          <a:gsLst>
+            <a:gs pos="0">
+              <a:schemeClr val="phClr">
+                <a:tint val="93000"/>
+                <a:satMod val="150000"/>
+                <a:shade val="98000"/>
+                <a:lumMod val="102000"/>
+              </a:schemeClr>
+            </a:gs>
+            <a:gs pos="50000">
+              <a:schemeClr val="phClr">
+                <a:tint val="98000"/>
+                <a:satMod val="130000"/>
+                <a:shade val="90000"/>
+                <a:lumMod val="103000"/>
+              </a:schemeClr>
+            </a:gs>
+            <a:gs pos="100000">
+              <a:schemeClr val="phClr">
+                <a:shade val="63000"/>
+                <a:satMod val="120000"/>
+              </a:schemeClr>
+            </a:gs>
+          </a:gsLst>
+          <a:lin ang="5400000" scaled="0"/>
+        </a:gradFill>
+      </a:bgFillStyleLst>
+    </a:fmtScheme>
+  </a:themeElements>
+  <a:objectDefaults/>
+  <a:extraClrSchemeLst/>
+  <a:extLst>
+    <a:ext uri="{05A4C25C-085E-4340-85A3-A5531E510DB2}">
+      <thm15:themeFamily xmlns:thm15="http://schemas.microsoft.com/office/thememl/2012/main" name="Office Theme" id="{62F939B6-93AF-4DB8-9C6B-D6C7DFDC589F}" vid="{4A3C46E8-61CC-4603-A589-7422A47A8E4A}"/>
+    </a:ext>
+  </a:extLst>
+</a:theme>
 </file>
--- a/READMEfigs/READMEfigs.pptx
+++ b/READMEfigs/READMEfigs.pptx
@@ -202,7 +202,7 @@
           <a:p>
             <a:fld id="{921607FB-4AF3-41D9-93C1-AF2B65302971}" type="datetimeFigureOut">
               <a:rPr lang="en-US" smtClean="0"/>
-              <a:t>11/16/2018</a:t>
+              <a:t>12/12/2018</a:t>
             </a:fld>
             <a:endParaRPr lang="en-US"/>
           </a:p>
@@ -865,7 +865,7 @@
           <a:p>
             <a:fld id="{11D67388-0790-496E-9A12-37055489AF4F}" type="datetimeFigureOut">
               <a:rPr lang="en-US" smtClean="0"/>
-              <a:t>11/16/2018</a:t>
+              <a:t>12/12/2018</a:t>
             </a:fld>
             <a:endParaRPr lang="en-US"/>
           </a:p>
@@ -1035,7 +1035,7 @@
           <a:p>
             <a:fld id="{11D67388-0790-496E-9A12-37055489AF4F}" type="datetimeFigureOut">
               <a:rPr lang="en-US" smtClean="0"/>
-              <a:t>11/16/2018</a:t>
+              <a:t>12/12/2018</a:t>
             </a:fld>
             <a:endParaRPr lang="en-US"/>
           </a:p>
@@ -1215,7 +1215,7 @@
           <a:p>
             <a:fld id="{11D67388-0790-496E-9A12-37055489AF4F}" type="datetimeFigureOut">
               <a:rPr lang="en-US" smtClean="0"/>
-              <a:t>11/16/2018</a:t>
+              <a:t>12/12/2018</a:t>
             </a:fld>
             <a:endParaRPr lang="en-US"/>
           </a:p>
@@ -1385,7 +1385,7 @@
           <a:p>
             <a:fld id="{11D67388-0790-496E-9A12-37055489AF4F}" type="datetimeFigureOut">
               <a:rPr lang="en-US" smtClean="0"/>
-              <a:t>11/16/2018</a:t>
+              <a:t>12/12/2018</a:t>
             </a:fld>
             <a:endParaRPr lang="en-US"/>
           </a:p>
@@ -1631,7 +1631,7 @@
           <a:p>
             <a:fld id="{11D67388-0790-496E-9A12-37055489AF4F}" type="datetimeFigureOut">
               <a:rPr lang="en-US" smtClean="0"/>
-              <a:t>11/16/2018</a:t>
+              <a:t>12/12/2018</a:t>
             </a:fld>
             <a:endParaRPr lang="en-US"/>
           </a:p>
@@ -1863,7 +1863,7 @@
           <a:p>
             <a:fld id="{11D67388-0790-496E-9A12-37055489AF4F}" type="datetimeFigureOut">
               <a:rPr lang="en-US" smtClean="0"/>
-              <a:t>11/16/2018</a:t>
+              <a:t>12/12/2018</a:t>
             </a:fld>
             <a:endParaRPr lang="en-US"/>
           </a:p>
@@ -2230,7 +2230,7 @@
           <a:p>
             <a:fld id="{11D67388-0790-496E-9A12-37055489AF4F}" type="datetimeFigureOut">
               <a:rPr lang="en-US" smtClean="0"/>
-              <a:t>11/16/2018</a:t>
+              <a:t>12/12/2018</a:t>
             </a:fld>
             <a:endParaRPr lang="en-US"/>
           </a:p>
@@ -2348,7 +2348,7 @@
           <a:p>
             <a:fld id="{11D67388-0790-496E-9A12-37055489AF4F}" type="datetimeFigureOut">
               <a:rPr lang="en-US" smtClean="0"/>
-              <a:t>11/16/2018</a:t>
+              <a:t>12/12/2018</a:t>
             </a:fld>
             <a:endParaRPr lang="en-US"/>
           </a:p>
@@ -2443,7 +2443,7 @@
           <a:p>
             <a:fld id="{11D67388-0790-496E-9A12-37055489AF4F}" type="datetimeFigureOut">
               <a:rPr lang="en-US" smtClean="0"/>
-              <a:t>11/16/2018</a:t>
+              <a:t>12/12/2018</a:t>
             </a:fld>
             <a:endParaRPr lang="en-US"/>
           </a:p>
@@ -2720,7 +2720,7 @@
           <a:p>
             <a:fld id="{11D67388-0790-496E-9A12-37055489AF4F}" type="datetimeFigureOut">
               <a:rPr lang="en-US" smtClean="0"/>
-              <a:t>11/16/2018</a:t>
+              <a:t>12/12/2018</a:t>
             </a:fld>
             <a:endParaRPr lang="en-US"/>
           </a:p>
@@ -2973,7 +2973,7 @@
           <a:p>
             <a:fld id="{11D67388-0790-496E-9A12-37055489AF4F}" type="datetimeFigureOut">
               <a:rPr lang="en-US" smtClean="0"/>
-              <a:t>11/16/2018</a:t>
+              <a:t>12/12/2018</a:t>
             </a:fld>
             <a:endParaRPr lang="en-US"/>
           </a:p>
@@ -3186,7 +3186,7 @@
           <a:p>
             <a:fld id="{11D67388-0790-496E-9A12-37055489AF4F}" type="datetimeFigureOut">
               <a:rPr lang="en-US" smtClean="0"/>
-              <a:t>11/16/2018</a:t>
+              <a:t>12/12/2018</a:t>
             </a:fld>
             <a:endParaRPr lang="en-US"/>
           </a:p>
@@ -3708,7 +3708,7 @@
                   <a:schemeClr val="tx1"/>
                 </a:solidFill>
               </a:rPr>
-              <a:t>SRN</a:t>
+              <a:t>Metis</a:t>
             </a:r>
             <a:endParaRPr lang="en-US" dirty="0" smtClean="0">
               <a:solidFill>
@@ -4369,11 +4369,6 @@
               </a:rPr>
               <a:t>Create combined plots to compare regions</a:t>
             </a:r>
-            <a:endParaRPr lang="en-US" sz="1400" dirty="0">
-              <a:solidFill>
-                <a:schemeClr val="tx1"/>
-              </a:solidFill>
-            </a:endParaRPr>
           </a:p>
         </p:txBody>
       </p:sp>
@@ -4455,11 +4450,6 @@
               </a:rPr>
               <a:t>Create combined maps to compare regions</a:t>
             </a:r>
-            <a:endParaRPr lang="en-US" sz="1400" dirty="0">
-              <a:solidFill>
-                <a:schemeClr val="tx1"/>
-              </a:solidFill>
-            </a:endParaRPr>
           </a:p>
         </p:txBody>
       </p:sp>
@@ -4513,11 +4503,6 @@
               </a:rPr>
               <a:t>Create links between different sectors</a:t>
             </a:r>
-            <a:endParaRPr lang="en-US" sz="1400" dirty="0">
-              <a:solidFill>
-                <a:schemeClr val="tx1"/>
-              </a:solidFill>
-            </a:endParaRPr>
           </a:p>
           <a:p>
             <a:pPr marL="285750" indent="-285750">
@@ -4815,15 +4800,7 @@
                   <a:schemeClr val="tx1"/>
                 </a:solidFill>
               </a:rPr>
-              <a:t>s</a:t>
-            </a:r>
-            <a:r>
-              <a:rPr lang="en-US" sz="1400" dirty="0" smtClean="0">
-                <a:solidFill>
-                  <a:schemeClr val="tx1"/>
-                </a:solidFill>
-              </a:rPr>
-              <a:t>rn.readgcam.R</a:t>
+              <a:t>metis.readgcam.R</a:t>
             </a:r>
             <a:endParaRPr lang="en-US" sz="1400" dirty="0">
               <a:solidFill>
@@ -4841,8 +4818,8 @@
         </p:nvSpPr>
         <p:spPr>
           <a:xfrm>
-            <a:off x="4580344" y="2489427"/>
-            <a:ext cx="2060800" cy="450526"/>
+            <a:off x="4577800" y="2504891"/>
+            <a:ext cx="2220506" cy="377526"/>
           </a:xfrm>
           <a:prstGeom prst="roundRect">
             <a:avLst/>
@@ -4881,37 +4858,26 @@
                   <a:schemeClr val="tx1"/>
                 </a:solidFill>
               </a:rPr>
-              <a:t>s</a:t>
-            </a:r>
+              <a:t>metis.chartsProcess.R</a:t>
+            </a:r>
+            <a:endParaRPr lang="en-US" sz="1400" dirty="0" smtClean="0">
+              <a:solidFill>
+                <a:schemeClr val="tx1"/>
+              </a:solidFill>
+            </a:endParaRPr>
+          </a:p>
+          <a:p>
+            <a:pPr marL="285750" indent="-285750">
+              <a:buFontTx/>
+              <a:buChar char="-"/>
+            </a:pPr>
             <a:r>
               <a:rPr lang="en-US" sz="1400" dirty="0" smtClean="0">
                 <a:solidFill>
                   <a:schemeClr val="tx1"/>
                 </a:solidFill>
               </a:rPr>
-              <a:t>rn.chartsProcess.R</a:t>
-            </a:r>
-          </a:p>
-          <a:p>
-            <a:pPr marL="285750" indent="-285750">
-              <a:buFontTx/>
-              <a:buChar char="-"/>
-            </a:pPr>
-            <a:r>
-              <a:rPr lang="en-US" sz="1400" dirty="0">
-                <a:solidFill>
-                  <a:schemeClr val="tx1"/>
-                </a:solidFill>
-              </a:rPr>
-              <a:t>s</a:t>
-            </a:r>
-            <a:r>
-              <a:rPr lang="en-US" sz="1400" dirty="0" smtClean="0">
-                <a:solidFill>
-                  <a:schemeClr val="tx1"/>
-                </a:solidFill>
-              </a:rPr>
-              <a:t>rn.chart.R</a:t>
+              <a:t>metis.chart.R</a:t>
             </a:r>
             <a:endParaRPr lang="en-US" sz="1400" dirty="0">
               <a:solidFill>
@@ -4929,8 +4895,8 @@
         </p:nvSpPr>
         <p:spPr>
           <a:xfrm>
-            <a:off x="4580344" y="3547751"/>
-            <a:ext cx="2060800" cy="450526"/>
+            <a:off x="4580344" y="3464103"/>
+            <a:ext cx="2060800" cy="622694"/>
           </a:xfrm>
           <a:prstGeom prst="roundRect">
             <a:avLst/>
@@ -4969,16 +4935,27 @@
                   <a:schemeClr val="tx1"/>
                 </a:solidFill>
               </a:rPr>
-              <a:t>s</a:t>
-            </a:r>
+              <a:t>metis.grid2poly</a:t>
+            </a:r>
+          </a:p>
+          <a:p>
+            <a:pPr marL="285750" indent="-285750">
+              <a:buFontTx/>
+              <a:buChar char="-"/>
+            </a:pPr>
             <a:r>
               <a:rPr lang="en-US" sz="1400" dirty="0" smtClean="0">
                 <a:solidFill>
                   <a:schemeClr val="tx1"/>
                 </a:solidFill>
               </a:rPr>
-              <a:t>rn.mapsProcess.R</a:t>
-            </a:r>
+              <a:t>metis.mapsProcess.R</a:t>
+            </a:r>
+            <a:endParaRPr lang="en-US" sz="1400" dirty="0" smtClean="0">
+              <a:solidFill>
+                <a:schemeClr val="tx1"/>
+              </a:solidFill>
+            </a:endParaRPr>
           </a:p>
           <a:p>
             <a:pPr marL="285750" indent="-285750">
@@ -4991,7 +4968,7 @@
                   <a:schemeClr val="tx1"/>
                 </a:solidFill>
               </a:rPr>
-              <a:t>srn.map.R</a:t>
+              <a:t>metis.map.R</a:t>
             </a:r>
             <a:endParaRPr lang="en-US" sz="1400" dirty="0">
               <a:solidFill>
@@ -5439,8 +5416,8 @@
         </p:nvSpPr>
         <p:spPr>
           <a:xfrm>
-            <a:off x="4392013" y="945808"/>
-            <a:ext cx="1691097" cy="304527"/>
+            <a:off x="4063894" y="931206"/>
+            <a:ext cx="1950973" cy="312001"/>
           </a:xfrm>
           <a:prstGeom prst="roundRect">
             <a:avLst/>
@@ -5479,7 +5456,7 @@
                   <a:schemeClr val="tx1"/>
                 </a:solidFill>
               </a:rPr>
-              <a:t>srn.readgcam.R</a:t>
+              <a:t>metis.readgcam.R</a:t>
             </a:r>
             <a:endParaRPr lang="en-US" dirty="0">
               <a:solidFill>
@@ -5497,8 +5474,8 @@
         </p:nvSpPr>
         <p:spPr>
           <a:xfrm>
-            <a:off x="4196464" y="1899683"/>
-            <a:ext cx="2137139" cy="590466"/>
+            <a:off x="4040282" y="1899683"/>
+            <a:ext cx="2388522" cy="590466"/>
           </a:xfrm>
           <a:prstGeom prst="roundRect">
             <a:avLst/>
@@ -5537,8 +5514,13 @@
                   <a:schemeClr val="tx1"/>
                 </a:solidFill>
               </a:rPr>
-              <a:t>srn.chartsProcess.R</a:t>
-            </a:r>
+              <a:t>metis.chartsProcess.R</a:t>
+            </a:r>
+            <a:endParaRPr lang="en-US" dirty="0" smtClean="0">
+              <a:solidFill>
+                <a:schemeClr val="tx1"/>
+              </a:solidFill>
+            </a:endParaRPr>
           </a:p>
           <a:p>
             <a:pPr algn="ctr"/>
@@ -5548,7 +5530,7 @@
                   <a:schemeClr val="tx1"/>
                 </a:solidFill>
               </a:rPr>
-              <a:t>srn.chart.R</a:t>
+              <a:t>metis.chart.R</a:t>
             </a:r>
             <a:endParaRPr lang="en-US" dirty="0">
               <a:solidFill>
@@ -5566,8 +5548,8 @@
         </p:nvSpPr>
         <p:spPr>
           <a:xfrm>
-            <a:off x="4392013" y="3743472"/>
-            <a:ext cx="1691097" cy="304527"/>
+            <a:off x="4290665" y="3758289"/>
+            <a:ext cx="1887755" cy="274210"/>
           </a:xfrm>
           <a:prstGeom prst="roundRect">
             <a:avLst/>
@@ -5606,7 +5588,7 @@
                   <a:schemeClr val="tx1"/>
                 </a:solidFill>
               </a:rPr>
-              <a:t>srn.grid2poly.R</a:t>
+              <a:t>metis.grid2poly.R</a:t>
             </a:r>
             <a:endParaRPr lang="en-US" dirty="0">
               <a:solidFill>
@@ -5624,7 +5606,7 @@
         </p:nvSpPr>
         <p:spPr>
           <a:xfrm>
-            <a:off x="4388995" y="5675958"/>
+            <a:off x="4388993" y="5689432"/>
             <a:ext cx="1691097" cy="304527"/>
           </a:xfrm>
           <a:prstGeom prst="roundRect">
@@ -5659,12 +5641,12 @@
           <a:p>
             <a:pPr algn="ctr"/>
             <a:r>
-              <a:rPr lang="en-US" dirty="0" smtClean="0">
+              <a:rPr lang="en-US" dirty="0" err="1" smtClean="0">
                 <a:solidFill>
                   <a:schemeClr val="tx1"/>
                 </a:solidFill>
               </a:rPr>
-              <a:t>srn.maps.R</a:t>
+              <a:t>metis.maps.R</a:t>
             </a:r>
             <a:endParaRPr lang="en-US" dirty="0">
               <a:solidFill>
@@ -5722,34 +5704,18 @@
                   <a:schemeClr val="tx1"/>
                 </a:solidFill>
               </a:rPr>
-              <a:t>GCAM </a:t>
-            </a:r>
+              <a:t>GCAM database</a:t>
+            </a:r>
+          </a:p>
+          <a:p>
+            <a:pPr algn="ctr"/>
             <a:r>
               <a:rPr lang="en-US" sz="1400" dirty="0" smtClean="0">
                 <a:solidFill>
                   <a:schemeClr val="tx1"/>
                 </a:solidFill>
               </a:rPr>
-              <a:t>database</a:t>
-            </a:r>
-          </a:p>
-          <a:p>
-            <a:pPr algn="ctr"/>
-            <a:r>
-              <a:rPr lang="en-US" sz="1400" dirty="0" smtClean="0">
-                <a:solidFill>
-                  <a:schemeClr val="tx1"/>
-                </a:solidFill>
-              </a:rPr>
-              <a:t>Query File</a:t>
-            </a:r>
-            <a:r>
-              <a:rPr lang="en-US" sz="1400" dirty="0" smtClean="0">
-                <a:solidFill>
-                  <a:schemeClr val="tx1"/>
-                </a:solidFill>
-              </a:rPr>
-              <a:t> </a:t>
+              <a:t>Query File </a:t>
             </a:r>
             <a:endParaRPr lang="en-US" sz="1400" dirty="0">
               <a:solidFill>

--- a/READMEfigs/READMEfigs.pptx
+++ b/READMEfigs/READMEfigs.pptx
@@ -210,7 +210,7 @@
           <a:p>
             <a:fld id="{921607FB-4AF3-41D9-93C1-AF2B65302971}" type="datetimeFigureOut">
               <a:rPr lang="en-US" smtClean="0"/>
-              <a:t>12/12/2018</a:t>
+              <a:t>12/13/2018</a:t>
             </a:fld>
             <a:endParaRPr lang="en-US"/>
           </a:p>
@@ -1045,7 +1045,7 @@
           <a:p>
             <a:fld id="{11D67388-0790-496E-9A12-37055489AF4F}" type="datetimeFigureOut">
               <a:rPr lang="en-US" smtClean="0"/>
-              <a:t>12/12/2018</a:t>
+              <a:t>12/13/2018</a:t>
             </a:fld>
             <a:endParaRPr lang="en-US"/>
           </a:p>
@@ -1215,7 +1215,7 @@
           <a:p>
             <a:fld id="{11D67388-0790-496E-9A12-37055489AF4F}" type="datetimeFigureOut">
               <a:rPr lang="en-US" smtClean="0"/>
-              <a:t>12/12/2018</a:t>
+              <a:t>12/13/2018</a:t>
             </a:fld>
             <a:endParaRPr lang="en-US"/>
           </a:p>
@@ -1395,7 +1395,7 @@
           <a:p>
             <a:fld id="{11D67388-0790-496E-9A12-37055489AF4F}" type="datetimeFigureOut">
               <a:rPr lang="en-US" smtClean="0"/>
-              <a:t>12/12/2018</a:t>
+              <a:t>12/13/2018</a:t>
             </a:fld>
             <a:endParaRPr lang="en-US"/>
           </a:p>
@@ -1478,7 +1478,7 @@
           <p:cNvPr id="5" name="Rectangle 4">
             <a:extLst>
               <a:ext uri="{FF2B5EF4-FFF2-40B4-BE49-F238E27FC236}">
-                <a16:creationId xmlns:a16="http://schemas.microsoft.com/office/drawing/2014/main" xmlns="" id="{0D96EEDE-6486-774B-B0E3-751BBA42CE35}"/>
+                <a16:creationId xmlns="" xmlns:a16="http://schemas.microsoft.com/office/drawing/2014/main" id="{0D96EEDE-6486-774B-B0E3-751BBA42CE35}"/>
               </a:ext>
             </a:extLst>
           </p:cNvPr>
@@ -1531,7 +1531,7 @@
           <p:cNvPr id="6" name="Title 1">
             <a:extLst>
               <a:ext uri="{FF2B5EF4-FFF2-40B4-BE49-F238E27FC236}">
-                <a16:creationId xmlns:a16="http://schemas.microsoft.com/office/drawing/2014/main" xmlns="" id="{7C1406DC-BAEC-4717-8F68-46C92F16638A}"/>
+                <a16:creationId xmlns="" xmlns:a16="http://schemas.microsoft.com/office/drawing/2014/main" id="{7C1406DC-BAEC-4717-8F68-46C92F16638A}"/>
               </a:ext>
             </a:extLst>
           </p:cNvPr>
@@ -1745,7 +1745,7 @@
           <a:p>
             <a:fld id="{11D67388-0790-496E-9A12-37055489AF4F}" type="datetimeFigureOut">
               <a:rPr lang="en-US" smtClean="0"/>
-              <a:t>12/12/2018</a:t>
+              <a:t>12/13/2018</a:t>
             </a:fld>
             <a:endParaRPr lang="en-US"/>
           </a:p>
@@ -1991,7 +1991,7 @@
           <a:p>
             <a:fld id="{11D67388-0790-496E-9A12-37055489AF4F}" type="datetimeFigureOut">
               <a:rPr lang="en-US" smtClean="0"/>
-              <a:t>12/12/2018</a:t>
+              <a:t>12/13/2018</a:t>
             </a:fld>
             <a:endParaRPr lang="en-US"/>
           </a:p>
@@ -2223,7 +2223,7 @@
           <a:p>
             <a:fld id="{11D67388-0790-496E-9A12-37055489AF4F}" type="datetimeFigureOut">
               <a:rPr lang="en-US" smtClean="0"/>
-              <a:t>12/12/2018</a:t>
+              <a:t>12/13/2018</a:t>
             </a:fld>
             <a:endParaRPr lang="en-US"/>
           </a:p>
@@ -2590,7 +2590,7 @@
           <a:p>
             <a:fld id="{11D67388-0790-496E-9A12-37055489AF4F}" type="datetimeFigureOut">
               <a:rPr lang="en-US" smtClean="0"/>
-              <a:t>12/12/2018</a:t>
+              <a:t>12/13/2018</a:t>
             </a:fld>
             <a:endParaRPr lang="en-US"/>
           </a:p>
@@ -2708,7 +2708,7 @@
           <a:p>
             <a:fld id="{11D67388-0790-496E-9A12-37055489AF4F}" type="datetimeFigureOut">
               <a:rPr lang="en-US" smtClean="0"/>
-              <a:t>12/12/2018</a:t>
+              <a:t>12/13/2018</a:t>
             </a:fld>
             <a:endParaRPr lang="en-US"/>
           </a:p>
@@ -2803,7 +2803,7 @@
           <a:p>
             <a:fld id="{11D67388-0790-496E-9A12-37055489AF4F}" type="datetimeFigureOut">
               <a:rPr lang="en-US" smtClean="0"/>
-              <a:t>12/12/2018</a:t>
+              <a:t>12/13/2018</a:t>
             </a:fld>
             <a:endParaRPr lang="en-US"/>
           </a:p>
@@ -3080,7 +3080,7 @@
           <a:p>
             <a:fld id="{11D67388-0790-496E-9A12-37055489AF4F}" type="datetimeFigureOut">
               <a:rPr lang="en-US" smtClean="0"/>
-              <a:t>12/12/2018</a:t>
+              <a:t>12/13/2018</a:t>
             </a:fld>
             <a:endParaRPr lang="en-US"/>
           </a:p>
@@ -3333,7 +3333,7 @@
           <a:p>
             <a:fld id="{11D67388-0790-496E-9A12-37055489AF4F}" type="datetimeFigureOut">
               <a:rPr lang="en-US" smtClean="0"/>
-              <a:t>12/12/2018</a:t>
+              <a:t>12/13/2018</a:t>
             </a:fld>
             <a:endParaRPr lang="en-US"/>
           </a:p>
@@ -3546,7 +3546,7 @@
           <a:p>
             <a:fld id="{11D67388-0790-496E-9A12-37055489AF4F}" type="datetimeFigureOut">
               <a:rPr lang="en-US" smtClean="0"/>
-              <a:t>12/12/2018</a:t>
+              <a:t>12/13/2018</a:t>
             </a:fld>
             <a:endParaRPr lang="en-US"/>
           </a:p>
@@ -3969,15 +3969,7 @@
           <a:p>
             <a:r>
               <a:rPr lang="en-US" dirty="0" smtClean="0"/>
-              <a:t>Figures for </a:t>
-            </a:r>
-            <a:r>
-              <a:rPr lang="en-US" dirty="0" smtClean="0"/>
-              <a:t>Metis </a:t>
-            </a:r>
-            <a:r>
-              <a:rPr lang="en-US" dirty="0" smtClean="0"/>
-              <a:t>documentation</a:t>
+              <a:t>Figures for Metis documentation</a:t>
             </a:r>
             <a:endParaRPr lang="en-US" dirty="0"/>
           </a:p>
@@ -7135,11 +7127,7 @@
                 <a:pPr algn="ctr"/>
                 <a:r>
                   <a:rPr lang="en-US" sz="1400" dirty="0" smtClean="0"/>
-                  <a:t>Grid </a:t>
-                </a:r>
-                <a:r>
-                  <a:rPr lang="en-US" sz="1400" dirty="0" smtClean="0"/>
-                  <a:t>Cell</a:t>
+                  <a:t>Grid Cell</a:t>
                 </a:r>
               </a:p>
               <a:p>
@@ -7273,7 +7261,6 @@
               <a:rPr lang="en-US" u="sng" dirty="0" smtClean="0"/>
               <a:t>For Depth (e.g. mm) – Mean of Polygon Area Weighted</a:t>
             </a:r>
-            <a:endParaRPr lang="en-US" u="sng" dirty="0" smtClean="0"/>
           </a:p>
         </p:txBody>
       </p:sp>
@@ -7303,23 +7290,7 @@
           <a:p>
             <a:r>
               <a:rPr lang="en-US" sz="1600" dirty="0" smtClean="0"/>
-              <a:t>Mean = </a:t>
-            </a:r>
-            <a:r>
-              <a:rPr lang="en-US" sz="1600" dirty="0" smtClean="0"/>
-              <a:t>(600+30+1)/3 </a:t>
-            </a:r>
-            <a:r>
-              <a:rPr lang="en-US" sz="1600" dirty="0" smtClean="0"/>
-              <a:t>= </a:t>
-            </a:r>
-            <a:r>
-              <a:rPr lang="en-US" sz="1600" dirty="0" smtClean="0"/>
-              <a:t>631/3 = 210.33 </a:t>
-            </a:r>
-            <a:r>
-              <a:rPr lang="en-US" sz="1600" dirty="0" smtClean="0"/>
-              <a:t>mm</a:t>
+              <a:t>Mean = (600+30+1)/3 = 631/3 = 210.33 mm</a:t>
             </a:r>
             <a:endParaRPr lang="en-US" sz="1600" dirty="0"/>
           </a:p>
@@ -9509,11 +9480,7 @@
           <a:p>
             <a:r>
               <a:rPr lang="en-US" sz="1600" dirty="0" smtClean="0"/>
-              <a:t>Sum = 900+50+2 = </a:t>
-            </a:r>
-            <a:r>
-              <a:rPr lang="en-US" sz="1600" dirty="0" smtClean="0"/>
-              <a:t>952 </a:t>
+              <a:t>Sum = 900+50+2 = 952 </a:t>
             </a:r>
             <a:r>
               <a:rPr lang="en-US" sz="1600" dirty="0"/>
@@ -11201,7 +11168,7 @@
           <a:p>
             <a:pPr algn="ctr"/>
             <a:r>
-              <a:rPr lang="en-US" sz="1400" i="1" dirty="0" err="1" smtClean="0">
+              <a:rPr lang="en-US" sz="1400" i="1" dirty="0" smtClean="0">
                 <a:solidFill>
                   <a:srgbClr val="FF0000"/>
                 </a:solidFill>
@@ -11350,17 +11317,12 @@
               <a:rPr lang="en-US" dirty="0" smtClean="0"/>
               <a:t>Integrated Assessment Modeling Ecosystems </a:t>
             </a:r>
-            <a:endParaRPr lang="en-US" dirty="0" smtClean="0"/>
           </a:p>
           <a:p>
             <a:pPr algn="ctr"/>
             <a:r>
               <a:rPr lang="en-US" dirty="0" smtClean="0"/>
-              <a:t>(</a:t>
-            </a:r>
-            <a:r>
-              <a:rPr lang="en-US" dirty="0" smtClean="0"/>
-              <a:t>e.g., GCAM)</a:t>
+              <a:t>(e.g., GCAM)</a:t>
             </a:r>
             <a:endParaRPr lang="en-US" dirty="0"/>
           </a:p>
@@ -11648,17 +11610,12 @@
               <a:rPr lang="en-US" dirty="0" smtClean="0"/>
               <a:t>Aggregated Regional Nexus Model </a:t>
             </a:r>
-            <a:endParaRPr lang="en-US" dirty="0" smtClean="0"/>
           </a:p>
           <a:p>
             <a:pPr algn="ctr"/>
             <a:r>
               <a:rPr lang="en-US" dirty="0" smtClean="0"/>
-              <a:t>(</a:t>
-            </a:r>
-            <a:r>
-              <a:rPr lang="en-US" dirty="0" smtClean="0"/>
-              <a:t>Metis)</a:t>
+              <a:t>(Metis)</a:t>
             </a:r>
             <a:endParaRPr lang="en-US" dirty="0"/>
           </a:p>
@@ -11712,17 +11669,12 @@
               <a:rPr lang="en-US" dirty="0" smtClean="0"/>
               <a:t>High-Fidelity Sectoral Models </a:t>
             </a:r>
-            <a:endParaRPr lang="en-US" dirty="0" smtClean="0"/>
           </a:p>
           <a:p>
             <a:pPr algn="ctr"/>
             <a:r>
               <a:rPr lang="en-US" dirty="0" smtClean="0"/>
-              <a:t>(</a:t>
-            </a:r>
-            <a:r>
-              <a:rPr lang="en-US" dirty="0" smtClean="0"/>
-              <a:t>e.g., HydroBID)</a:t>
+              <a:t>(e.g., HydroBID)</a:t>
             </a:r>
             <a:endParaRPr lang="en-US" dirty="0"/>
           </a:p>
@@ -17404,15 +17356,7 @@
                   <a:srgbClr val="FF0000"/>
                 </a:solidFill>
               </a:rPr>
-              <a:t>Compare</a:t>
-            </a:r>
-            <a:r>
-              <a:rPr lang="en-US" sz="1400" i="1" dirty="0" smtClean="0">
-                <a:solidFill>
-                  <a:srgbClr val="FF0000"/>
-                </a:solidFill>
-              </a:rPr>
-              <a:t> Scenarios</a:t>
+              <a:t>Compare Scenarios</a:t>
             </a:r>
             <a:endParaRPr lang="en-US" sz="1400" i="1" dirty="0">
               <a:solidFill>
@@ -17524,23 +17468,7 @@
                   <a:srgbClr val="FF0000"/>
                 </a:solidFill>
               </a:rPr>
-              <a:t>Compare </a:t>
-            </a:r>
-            <a:r>
-              <a:rPr lang="en-US" sz="1400" i="1" dirty="0" smtClean="0">
-                <a:solidFill>
-                  <a:srgbClr val="FF0000"/>
-                </a:solidFill>
-              </a:rPr>
-              <a:t>Regions &amp; </a:t>
-            </a:r>
-            <a:r>
-              <a:rPr lang="en-US" sz="1400" i="1" dirty="0" smtClean="0">
-                <a:solidFill>
-                  <a:srgbClr val="FF0000"/>
-                </a:solidFill>
-              </a:rPr>
-              <a:t>scenarios</a:t>
+              <a:t>Compare Regions &amp; scenarios</a:t>
             </a:r>
             <a:endParaRPr lang="en-US" sz="1400" i="1" dirty="0">
               <a:solidFill>
